--- a/20200928_송영호_연세대.pptx
+++ b/20200928_송영호_연세대.pptx
@@ -7,24 +7,36 @@
   <p:sldIdLst>
     <p:sldId id="256" r:id="rId2"/>
     <p:sldId id="259" r:id="rId3"/>
-    <p:sldId id="335" r:id="rId4"/>
-    <p:sldId id="338" r:id="rId5"/>
-    <p:sldId id="340" r:id="rId6"/>
-    <p:sldId id="342" r:id="rId7"/>
-    <p:sldId id="343" r:id="rId8"/>
-    <p:sldId id="344" r:id="rId9"/>
-    <p:sldId id="313" r:id="rId10"/>
-    <p:sldId id="308" r:id="rId11"/>
-    <p:sldId id="345" r:id="rId12"/>
-    <p:sldId id="332" r:id="rId13"/>
-    <p:sldId id="346" r:id="rId14"/>
-    <p:sldId id="348" r:id="rId15"/>
-    <p:sldId id="349" r:id="rId16"/>
-    <p:sldId id="350" r:id="rId17"/>
-    <p:sldId id="351" r:id="rId18"/>
-    <p:sldId id="352" r:id="rId19"/>
-    <p:sldId id="353" r:id="rId20"/>
-    <p:sldId id="284" r:id="rId21"/>
+    <p:sldId id="355" r:id="rId4"/>
+    <p:sldId id="356" r:id="rId5"/>
+    <p:sldId id="354" r:id="rId6"/>
+    <p:sldId id="357" r:id="rId7"/>
+    <p:sldId id="360" r:id="rId8"/>
+    <p:sldId id="361" r:id="rId9"/>
+    <p:sldId id="358" r:id="rId10"/>
+    <p:sldId id="366" r:id="rId11"/>
+    <p:sldId id="363" r:id="rId12"/>
+    <p:sldId id="364" r:id="rId13"/>
+    <p:sldId id="365" r:id="rId14"/>
+    <p:sldId id="367" r:id="rId15"/>
+    <p:sldId id="362" r:id="rId16"/>
+    <p:sldId id="371" r:id="rId17"/>
+    <p:sldId id="368" r:id="rId18"/>
+    <p:sldId id="372" r:id="rId19"/>
+    <p:sldId id="369" r:id="rId20"/>
+    <p:sldId id="370" r:id="rId21"/>
+    <p:sldId id="335" r:id="rId22"/>
+    <p:sldId id="338" r:id="rId23"/>
+    <p:sldId id="340" r:id="rId24"/>
+    <p:sldId id="332" r:id="rId25"/>
+    <p:sldId id="346" r:id="rId26"/>
+    <p:sldId id="348" r:id="rId27"/>
+    <p:sldId id="349" r:id="rId28"/>
+    <p:sldId id="350" r:id="rId29"/>
+    <p:sldId id="351" r:id="rId30"/>
+    <p:sldId id="352" r:id="rId31"/>
+    <p:sldId id="353" r:id="rId32"/>
+    <p:sldId id="284" r:id="rId33"/>
   </p:sldIdLst>
   <p:sldSz cx="9144000" cy="6858000" type="screen4x3"/>
   <p:notesSz cx="6858000" cy="9144000"/>
@@ -331,7 +343,7 @@
             <a:fld id="{1D8BD707-D9CF-40AE-B4C6-C98DA3205C09}" type="datetimeFigureOut">
               <a:rPr lang="en-US" smtClean="0"/>
               <a:pPr/>
-              <a:t>9/24/2020</a:t>
+              <a:t>9/28/2020</a:t>
             </a:fld>
             <a:endParaRPr lang="en-US"/>
           </a:p>
@@ -533,7 +545,7 @@
             <a:fld id="{1D8BD707-D9CF-40AE-B4C6-C98DA3205C09}" type="datetimeFigureOut">
               <a:rPr lang="en-US" smtClean="0"/>
               <a:pPr/>
-              <a:t>9/24/2020</a:t>
+              <a:t>9/28/2020</a:t>
             </a:fld>
             <a:endParaRPr lang="en-US"/>
           </a:p>
@@ -710,7 +722,7 @@
             <a:fld id="{1D8BD707-D9CF-40AE-B4C6-C98DA3205C09}" type="datetimeFigureOut">
               <a:rPr lang="en-US" smtClean="0"/>
               <a:pPr/>
-              <a:t>9/24/2020</a:t>
+              <a:t>9/28/2020</a:t>
             </a:fld>
             <a:endParaRPr lang="en-US"/>
           </a:p>
@@ -877,7 +889,7 @@
             <a:fld id="{1D8BD707-D9CF-40AE-B4C6-C98DA3205C09}" type="datetimeFigureOut">
               <a:rPr lang="en-US" smtClean="0"/>
               <a:pPr/>
-              <a:t>9/24/2020</a:t>
+              <a:t>9/28/2020</a:t>
             </a:fld>
             <a:endParaRPr lang="en-US"/>
           </a:p>
@@ -1127,7 +1139,7 @@
             <a:fld id="{1D8BD707-D9CF-40AE-B4C6-C98DA3205C09}" type="datetimeFigureOut">
               <a:rPr lang="en-US" smtClean="0"/>
               <a:pPr/>
-              <a:t>9/24/2020</a:t>
+              <a:t>9/28/2020</a:t>
             </a:fld>
             <a:endParaRPr lang="en-US"/>
           </a:p>
@@ -1447,7 +1459,7 @@
             <a:fld id="{1D8BD707-D9CF-40AE-B4C6-C98DA3205C09}" type="datetimeFigureOut">
               <a:rPr lang="en-US" smtClean="0"/>
               <a:pPr/>
-              <a:t>9/24/2020</a:t>
+              <a:t>9/28/2020</a:t>
             </a:fld>
             <a:endParaRPr lang="en-US"/>
           </a:p>
@@ -1915,7 +1927,7 @@
             <a:fld id="{1D8BD707-D9CF-40AE-B4C6-C98DA3205C09}" type="datetimeFigureOut">
               <a:rPr lang="en-US" smtClean="0"/>
               <a:pPr/>
-              <a:t>9/24/2020</a:t>
+              <a:t>9/28/2020</a:t>
             </a:fld>
             <a:endParaRPr lang="en-US"/>
           </a:p>
@@ -2065,7 +2077,7 @@
             <a:fld id="{1D8BD707-D9CF-40AE-B4C6-C98DA3205C09}" type="datetimeFigureOut">
               <a:rPr lang="en-US" smtClean="0"/>
               <a:pPr/>
-              <a:t>9/24/2020</a:t>
+              <a:t>9/28/2020</a:t>
             </a:fld>
             <a:endParaRPr lang="en-US"/>
           </a:p>
@@ -2157,7 +2169,7 @@
             <a:fld id="{1D8BD707-D9CF-40AE-B4C6-C98DA3205C09}" type="datetimeFigureOut">
               <a:rPr lang="en-US" smtClean="0"/>
               <a:pPr/>
-              <a:t>9/24/2020</a:t>
+              <a:t>9/28/2020</a:t>
             </a:fld>
             <a:endParaRPr lang="en-US"/>
           </a:p>
@@ -2433,7 +2445,7 @@
             <a:fld id="{1D8BD707-D9CF-40AE-B4C6-C98DA3205C09}" type="datetimeFigureOut">
               <a:rPr lang="en-US" smtClean="0"/>
               <a:pPr/>
-              <a:t>9/24/2020</a:t>
+              <a:t>9/28/2020</a:t>
             </a:fld>
             <a:endParaRPr lang="en-US"/>
           </a:p>
@@ -2740,7 +2752,7 @@
             <a:fld id="{1D8BD707-D9CF-40AE-B4C6-C98DA3205C09}" type="datetimeFigureOut">
               <a:rPr lang="en-US" smtClean="0"/>
               <a:pPr/>
-              <a:t>9/24/2020</a:t>
+              <a:t>9/28/2020</a:t>
             </a:fld>
             <a:endParaRPr lang="en-US"/>
           </a:p>
@@ -3040,7 +3052,7 @@
             <a:fld id="{1D8BD707-D9CF-40AE-B4C6-C98DA3205C09}" type="datetimeFigureOut">
               <a:rPr lang="en-US" smtClean="0"/>
               <a:pPr/>
-              <a:t>9/24/2020</a:t>
+              <a:t>9/28/2020</a:t>
             </a:fld>
             <a:endParaRPr lang="en-US"/>
           </a:p>
@@ -3603,7 +3615,108 @@
           <a:p>
             <a:r>
               <a:rPr lang="en-US" altLang="ko-KR" dirty="0" smtClean="0"/>
-              <a:t>Auxiliary Field Monte Carlo </a:t>
+              <a:t>Applications of NLEFT</a:t>
+            </a:r>
+            <a:endParaRPr lang="ko-KR" altLang="en-US" dirty="0"/>
+          </a:p>
+        </p:txBody>
+      </p:sp>
+      <p:sp>
+        <p:nvSpPr>
+          <p:cNvPr id="3" name="내용 개체 틀 2"/>
+          <p:cNvSpPr>
+            <a:spLocks noGrp="1"/>
+          </p:cNvSpPr>
+          <p:nvPr>
+            <p:ph idx="1"/>
+          </p:nvPr>
+        </p:nvSpPr>
+        <p:spPr/>
+        <p:txBody>
+          <a:bodyPr>
+            <a:normAutofit/>
+          </a:bodyPr>
+          <a:lstStyle/>
+          <a:p>
+            <a:r>
+              <a:rPr lang="en-US" altLang="ko-KR" dirty="0" smtClean="0"/>
+              <a:t>Has been successfully applied to </a:t>
+            </a:r>
+          </a:p>
+          <a:p>
+            <a:pPr lvl="1"/>
+            <a:r>
+              <a:rPr lang="en-US" altLang="ko-KR" dirty="0" smtClean="0"/>
+              <a:t>Nuclear matter, Cold atom, dilute fermion system</a:t>
+            </a:r>
+          </a:p>
+          <a:p>
+            <a:pPr lvl="1"/>
+            <a:r>
+              <a:rPr lang="en-US" altLang="ko-KR" dirty="0" smtClean="0"/>
+              <a:t>Finite nuclei (A&lt;=50) </a:t>
+            </a:r>
+          </a:p>
+          <a:p>
+            <a:pPr lvl="1"/>
+            <a:r>
+              <a:rPr lang="en-US" altLang="ko-KR" dirty="0" smtClean="0"/>
+              <a:t>First ab-initio calculation of Hoyle state</a:t>
+            </a:r>
+          </a:p>
+          <a:p>
+            <a:pPr lvl="1"/>
+            <a:r>
+              <a:rPr lang="en-US" altLang="ko-KR" dirty="0" smtClean="0"/>
+              <a:t>Cluster structure of </a:t>
+            </a:r>
+            <a:r>
+              <a:rPr lang="en-US" altLang="ko-KR" baseline="30000" dirty="0"/>
+              <a:t>12</a:t>
+            </a:r>
+            <a:r>
+              <a:rPr lang="en-US" altLang="ko-KR" dirty="0"/>
+              <a:t>C </a:t>
+            </a:r>
+            <a:r>
+              <a:rPr lang="en-US" altLang="ko-KR" dirty="0" smtClean="0"/>
+              <a:t>and </a:t>
+            </a:r>
+            <a:r>
+              <a:rPr lang="en-US" altLang="ko-KR" baseline="30000" dirty="0" smtClean="0"/>
+              <a:t>16</a:t>
+            </a:r>
+            <a:r>
+              <a:rPr lang="en-US" altLang="ko-KR" dirty="0" smtClean="0"/>
+              <a:t>O</a:t>
+            </a:r>
+          </a:p>
+          <a:p>
+            <a:pPr lvl="1"/>
+            <a:r>
+              <a:rPr lang="en-US" altLang="ko-KR" dirty="0" smtClean="0"/>
+              <a:t>NN scattering, N-D scattering</a:t>
+            </a:r>
+          </a:p>
+          <a:p>
+            <a:pPr lvl="1"/>
+            <a:r>
+              <a:rPr lang="en-US" altLang="ko-KR" dirty="0" smtClean="0"/>
+              <a:t>Alpha-alpha scattering</a:t>
+            </a:r>
+          </a:p>
+          <a:p>
+            <a:pPr lvl="1"/>
+            <a:r>
+              <a:rPr lang="en-US" altLang="ko-KR" dirty="0" smtClean="0"/>
+              <a:t>radiative capture, fusion </a:t>
+            </a:r>
+          </a:p>
+          <a:p>
+            <a:pPr lvl="1"/>
+            <a:r>
+              <a:rPr lang="en-US" altLang="ko-KR" dirty="0" smtClean="0"/>
+              <a:t>Etc. </a:t>
             </a:r>
             <a:endParaRPr lang="ko-KR" altLang="en-US" dirty="0"/>
           </a:p>
@@ -3611,7 +3724,7 @@
       </p:sp>
       <p:pic>
         <p:nvPicPr>
-          <p:cNvPr id="17410" name="Picture 2"/>
+          <p:cNvPr id="4" name="Picture 2"/>
           <p:cNvPicPr>
             <a:picLocks noChangeAspect="1" noChangeArrowheads="1"/>
           </p:cNvPicPr>
@@ -3632,8 +3745,8 @@
         </p:blipFill>
         <p:spPr bwMode="auto">
           <a:xfrm>
-            <a:off x="2199056" y="1704975"/>
-            <a:ext cx="4114800" cy="1402773"/>
+            <a:off x="6652379" y="2872469"/>
+            <a:ext cx="1773316" cy="2054052"/>
           </a:xfrm>
           <a:prstGeom prst="rect">
             <a:avLst/>
@@ -3665,7 +3778,7 @@
       </p:pic>
       <p:pic>
         <p:nvPicPr>
-          <p:cNvPr id="17411" name="Picture 3"/>
+          <p:cNvPr id="5" name="Picture 5"/>
           <p:cNvPicPr>
             <a:picLocks noChangeAspect="1" noChangeArrowheads="1"/>
           </p:cNvPicPr>
@@ -3686,8 +3799,8 @@
         </p:blipFill>
         <p:spPr bwMode="auto">
           <a:xfrm>
-            <a:off x="4747603" y="2945824"/>
-            <a:ext cx="4335094" cy="3533774"/>
+            <a:off x="6019799" y="4926521"/>
+            <a:ext cx="3038475" cy="464293"/>
           </a:xfrm>
           <a:prstGeom prst="rect">
             <a:avLst/>
@@ -3717,64 +3830,46 @@
           </a:extLst>
         </p:spPr>
       </p:pic>
-      <p:pic>
-        <p:nvPicPr>
-          <p:cNvPr id="6" name="Picture 2"/>
-          <p:cNvPicPr>
-            <a:picLocks noChangeAspect="1" noChangeArrowheads="1"/>
-          </p:cNvPicPr>
+      <p:sp>
+        <p:nvSpPr>
+          <p:cNvPr id="6" name="TextBox 5"/>
+          <p:cNvSpPr txBox="1"/>
           <p:nvPr/>
-        </p:nvPicPr>
-        <p:blipFill>
-          <a:blip r:embed="rId4">
-            <a:extLst>
-              <a:ext uri="{28A0092B-C50C-407E-A947-70E740481C1C}">
-                <a14:useLocalDpi xmlns:a14="http://schemas.microsoft.com/office/drawing/2010/main" val="0"/>
-              </a:ext>
-            </a:extLst>
-          </a:blip>
-          <a:srcRect/>
-          <a:stretch>
-            <a:fillRect/>
-          </a:stretch>
-        </p:blipFill>
-        <p:spPr bwMode="auto">
-          <a:xfrm>
-            <a:off x="533400" y="3107748"/>
-            <a:ext cx="4083862" cy="3352800"/>
+        </p:nvSpPr>
+        <p:spPr>
+          <a:xfrm>
+            <a:off x="6400800" y="2477441"/>
+            <a:ext cx="2076291" cy="430887"/>
           </a:xfrm>
           <a:prstGeom prst="rect">
             <a:avLst/>
           </a:prstGeom>
           <a:noFill/>
-          <a:ln>
-            <a:noFill/>
-          </a:ln>
-          <a:extLst>
-            <a:ext uri="{909E8E84-426E-40DD-AFC4-6F175D3DCCD1}">
-              <a14:hiddenFill xmlns:a14="http://schemas.microsoft.com/office/drawing/2010/main">
-                <a:solidFill>
-                  <a:schemeClr val="accent1"/>
-                </a:solidFill>
-              </a14:hiddenFill>
-            </a:ext>
-            <a:ext uri="{91240B29-F687-4F45-9708-019B960494DF}">
-              <a14:hiddenLine xmlns:a14="http://schemas.microsoft.com/office/drawing/2010/main" w="9525">
-                <a:solidFill>
-                  <a:schemeClr val="tx1"/>
-                </a:solidFill>
-                <a:miter lim="800000"/>
-                <a:headEnd/>
-                <a:tailEnd/>
-              </a14:hiddenLine>
-            </a:ext>
-          </a:extLst>
-        </p:spPr>
-      </p:pic>
+        </p:spPr>
+        <p:txBody>
+          <a:bodyPr wrap="square" rtlCol="0">
+            <a:spAutoFit/>
+          </a:bodyPr>
+          <a:lstStyle/>
+          <a:p>
+            <a:r>
+              <a:rPr lang="en-US" altLang="ko-KR" sz="1100" dirty="0" smtClean="0"/>
+              <a:t>The first ab-initio calculation of </a:t>
+            </a:r>
+          </a:p>
+          <a:p>
+            <a:r>
+              <a:rPr lang="en-US" altLang="ko-KR" sz="1100" dirty="0" smtClean="0"/>
+              <a:t>Hoyle state</a:t>
+            </a:r>
+            <a:endParaRPr lang="ko-KR" altLang="en-US" sz="1100" dirty="0"/>
+          </a:p>
+        </p:txBody>
+      </p:sp>
     </p:spTree>
     <p:extLst>
       <p:ext uri="{BB962C8B-B14F-4D97-AF65-F5344CB8AC3E}">
-        <p14:creationId xmlns:p14="http://schemas.microsoft.com/office/powerpoint/2010/main" val="1986185353"/>
+        <p14:creationId xmlns:p14="http://schemas.microsoft.com/office/powerpoint/2010/main" val="4050769480"/>
       </p:ext>
     </p:extLst>
   </p:cSld>
@@ -3823,32 +3918,17 @@
           <a:bodyPr/>
           <a:lstStyle/>
           <a:p>
-            <a:endParaRPr lang="ko-KR" altLang="en-US"/>
-          </a:p>
-        </p:txBody>
-      </p:sp>
-      <p:sp>
-        <p:nvSpPr>
-          <p:cNvPr id="3" name="내용 개체 틀 2"/>
-          <p:cNvSpPr>
-            <a:spLocks noGrp="1"/>
-          </p:cNvSpPr>
-          <p:nvPr>
-            <p:ph idx="1"/>
-          </p:nvPr>
-        </p:nvSpPr>
-        <p:spPr/>
-        <p:txBody>
-          <a:bodyPr/>
-          <a:lstStyle/>
-          <a:p>
-            <a:endParaRPr lang="ko-KR" altLang="en-US"/>
+            <a:r>
+              <a:rPr lang="en-US" altLang="ko-KR" dirty="0" smtClean="0"/>
+              <a:t>Lattice Method (Path Integral)</a:t>
+            </a:r>
+            <a:endParaRPr lang="ko-KR" altLang="en-US" dirty="0"/>
           </a:p>
         </p:txBody>
       </p:sp>
       <p:pic>
         <p:nvPicPr>
-          <p:cNvPr id="15362" name="Picture 2"/>
+          <p:cNvPr id="10243" name="Picture 3"/>
           <p:cNvPicPr>
             <a:picLocks noChangeAspect="1" noChangeArrowheads="1"/>
           </p:cNvPicPr>
@@ -3869,8 +3949,8 @@
         </p:blipFill>
         <p:spPr bwMode="auto">
           <a:xfrm>
-            <a:off x="609600" y="762000"/>
-            <a:ext cx="7984519" cy="5410200"/>
+            <a:off x="838200" y="2325979"/>
+            <a:ext cx="4705350" cy="666750"/>
           </a:xfrm>
           <a:prstGeom prst="rect">
             <a:avLst/>
@@ -3900,10 +3980,172 @@
           </a:extLst>
         </p:spPr>
       </p:pic>
+      <p:pic>
+        <p:nvPicPr>
+          <p:cNvPr id="10244" name="Picture 4"/>
+          <p:cNvPicPr>
+            <a:picLocks noChangeAspect="1" noChangeArrowheads="1"/>
+          </p:cNvPicPr>
+          <p:nvPr/>
+        </p:nvPicPr>
+        <p:blipFill>
+          <a:blip r:embed="rId3">
+            <a:extLst>
+              <a:ext uri="{28A0092B-C50C-407E-A947-70E740481C1C}">
+                <a14:useLocalDpi xmlns:a14="http://schemas.microsoft.com/office/drawing/2010/main" val="0"/>
+              </a:ext>
+            </a:extLst>
+          </a:blip>
+          <a:srcRect/>
+          <a:stretch>
+            <a:fillRect/>
+          </a:stretch>
+        </p:blipFill>
+        <p:spPr bwMode="auto">
+          <a:xfrm>
+            <a:off x="762000" y="1660232"/>
+            <a:ext cx="4676775" cy="638175"/>
+          </a:xfrm>
+          <a:prstGeom prst="rect">
+            <a:avLst/>
+          </a:prstGeom>
+          <a:noFill/>
+          <a:ln>
+            <a:noFill/>
+          </a:ln>
+          <a:extLst>
+            <a:ext uri="{909E8E84-426E-40DD-AFC4-6F175D3DCCD1}">
+              <a14:hiddenFill xmlns:a14="http://schemas.microsoft.com/office/drawing/2010/main">
+                <a:solidFill>
+                  <a:schemeClr val="accent1"/>
+                </a:solidFill>
+              </a14:hiddenFill>
+            </a:ext>
+            <a:ext uri="{91240B29-F687-4F45-9708-019B960494DF}">
+              <a14:hiddenLine xmlns:a14="http://schemas.microsoft.com/office/drawing/2010/main" w="9525">
+                <a:solidFill>
+                  <a:schemeClr val="tx1"/>
+                </a:solidFill>
+                <a:miter lim="800000"/>
+                <a:headEnd/>
+                <a:tailEnd/>
+              </a14:hiddenLine>
+            </a:ext>
+          </a:extLst>
+        </p:spPr>
+      </p:pic>
+      <p:pic>
+        <p:nvPicPr>
+          <p:cNvPr id="10245" name="Picture 5"/>
+          <p:cNvPicPr>
+            <a:picLocks noChangeAspect="1" noChangeArrowheads="1"/>
+          </p:cNvPicPr>
+          <p:nvPr/>
+        </p:nvPicPr>
+        <p:blipFill>
+          <a:blip r:embed="rId4">
+            <a:extLst>
+              <a:ext uri="{28A0092B-C50C-407E-A947-70E740481C1C}">
+                <a14:useLocalDpi xmlns:a14="http://schemas.microsoft.com/office/drawing/2010/main" val="0"/>
+              </a:ext>
+            </a:extLst>
+          </a:blip>
+          <a:srcRect/>
+          <a:stretch>
+            <a:fillRect/>
+          </a:stretch>
+        </p:blipFill>
+        <p:spPr bwMode="auto">
+          <a:xfrm>
+            <a:off x="734291" y="4267200"/>
+            <a:ext cx="6810375" cy="914400"/>
+          </a:xfrm>
+          <a:prstGeom prst="rect">
+            <a:avLst/>
+          </a:prstGeom>
+          <a:noFill/>
+          <a:ln>
+            <a:noFill/>
+          </a:ln>
+          <a:extLst>
+            <a:ext uri="{909E8E84-426E-40DD-AFC4-6F175D3DCCD1}">
+              <a14:hiddenFill xmlns:a14="http://schemas.microsoft.com/office/drawing/2010/main">
+                <a:solidFill>
+                  <a:schemeClr val="accent1"/>
+                </a:solidFill>
+              </a14:hiddenFill>
+            </a:ext>
+            <a:ext uri="{91240B29-F687-4F45-9708-019B960494DF}">
+              <a14:hiddenLine xmlns:a14="http://schemas.microsoft.com/office/drawing/2010/main" w="9525">
+                <a:solidFill>
+                  <a:schemeClr val="tx1"/>
+                </a:solidFill>
+                <a:miter lim="800000"/>
+                <a:headEnd/>
+                <a:tailEnd/>
+              </a14:hiddenLine>
+            </a:ext>
+          </a:extLst>
+        </p:spPr>
+      </p:pic>
+      <p:pic>
+        <p:nvPicPr>
+          <p:cNvPr id="10246" name="Picture 6"/>
+          <p:cNvPicPr>
+            <a:picLocks noChangeAspect="1" noChangeArrowheads="1"/>
+          </p:cNvPicPr>
+          <p:nvPr/>
+        </p:nvPicPr>
+        <p:blipFill>
+          <a:blip r:embed="rId5">
+            <a:extLst>
+              <a:ext uri="{28A0092B-C50C-407E-A947-70E740481C1C}">
+                <a14:useLocalDpi xmlns:a14="http://schemas.microsoft.com/office/drawing/2010/main" val="0"/>
+              </a:ext>
+            </a:extLst>
+          </a:blip>
+          <a:srcRect/>
+          <a:stretch>
+            <a:fillRect/>
+          </a:stretch>
+        </p:blipFill>
+        <p:spPr bwMode="auto">
+          <a:xfrm>
+            <a:off x="543791" y="3072814"/>
+            <a:ext cx="7000875" cy="942975"/>
+          </a:xfrm>
+          <a:prstGeom prst="rect">
+            <a:avLst/>
+          </a:prstGeom>
+          <a:noFill/>
+          <a:ln>
+            <a:noFill/>
+          </a:ln>
+          <a:extLst>
+            <a:ext uri="{909E8E84-426E-40DD-AFC4-6F175D3DCCD1}">
+              <a14:hiddenFill xmlns:a14="http://schemas.microsoft.com/office/drawing/2010/main">
+                <a:solidFill>
+                  <a:schemeClr val="accent1"/>
+                </a:solidFill>
+              </a14:hiddenFill>
+            </a:ext>
+            <a:ext uri="{91240B29-F687-4F45-9708-019B960494DF}">
+              <a14:hiddenLine xmlns:a14="http://schemas.microsoft.com/office/drawing/2010/main" w="9525">
+                <a:solidFill>
+                  <a:schemeClr val="tx1"/>
+                </a:solidFill>
+                <a:miter lim="800000"/>
+                <a:headEnd/>
+                <a:tailEnd/>
+              </a14:hiddenLine>
+            </a:ext>
+          </a:extLst>
+        </p:spPr>
+      </p:pic>
     </p:spTree>
     <p:extLst>
       <p:ext uri="{BB962C8B-B14F-4D97-AF65-F5344CB8AC3E}">
-        <p14:creationId xmlns:p14="http://schemas.microsoft.com/office/powerpoint/2010/main" val="1444477873"/>
+        <p14:creationId xmlns:p14="http://schemas.microsoft.com/office/powerpoint/2010/main" val="2382013603"/>
       </p:ext>
     </p:extLst>
   </p:cSld>
@@ -3949,56 +4191,12 @@
         </p:nvSpPr>
         <p:spPr/>
         <p:txBody>
-          <a:bodyPr>
-            <a:normAutofit/>
-          </a:bodyPr>
-          <a:lstStyle/>
-          <a:p>
-            <a:r>
-              <a:rPr lang="en-US" altLang="ko-KR" dirty="0"/>
-              <a:t>BCC </a:t>
-            </a:r>
+          <a:bodyPr/>
+          <a:lstStyle/>
+          <a:p>
             <a:r>
               <a:rPr lang="en-US" altLang="ko-KR" dirty="0" smtClean="0"/>
-              <a:t>lattice</a:t>
-            </a:r>
-            <a:endParaRPr lang="ko-KR" altLang="en-US" dirty="0"/>
-          </a:p>
-        </p:txBody>
-      </p:sp>
-      <p:sp>
-        <p:nvSpPr>
-          <p:cNvPr id="4" name="내용 개체 틀 3"/>
-          <p:cNvSpPr>
-            <a:spLocks noGrp="1"/>
-          </p:cNvSpPr>
-          <p:nvPr>
-            <p:ph idx="1"/>
-          </p:nvPr>
-        </p:nvSpPr>
-        <p:spPr/>
-        <p:txBody>
-          <a:bodyPr/>
-          <a:lstStyle/>
-          <a:p>
-            <a:r>
-              <a:rPr lang="en-US" altLang="ko-KR" dirty="0" smtClean="0"/>
-              <a:t>Because of convenience all NLEFT calculation has been done on cubic lattice </a:t>
-            </a:r>
-          </a:p>
-          <a:p>
-            <a:r>
-              <a:rPr lang="en-US" altLang="ko-KR" dirty="0"/>
-              <a:t>Physical result should not depends on the specific lattice</a:t>
-            </a:r>
-          </a:p>
-          <a:p>
-            <a:pPr marL="0" indent="0">
-              <a:buNone/>
-            </a:pPr>
-            <a:r>
-              <a:rPr lang="en-US" altLang="ko-KR" dirty="0"/>
-              <a:t>  structure. (lattice size, spacing, type)</a:t>
+              <a:t>Transfer matrix method</a:t>
             </a:r>
             <a:endParaRPr lang="ko-KR" altLang="en-US" dirty="0"/>
           </a:p>
@@ -4006,101 +4204,77 @@
       </p:sp>
       <p:pic>
         <p:nvPicPr>
-          <p:cNvPr id="3" name="그림 2"/>
+          <p:cNvPr id="24578" name="Picture 2"/>
           <p:cNvPicPr>
-            <a:picLocks noChangeAspect="1"/>
+            <a:picLocks noGrp="1" noChangeAspect="1" noChangeArrowheads="1"/>
           </p:cNvPicPr>
-          <p:nvPr/>
+          <p:nvPr>
+            <p:ph idx="1"/>
+          </p:nvPr>
         </p:nvPicPr>
         <p:blipFill>
-          <a:blip r:embed="rId2"/>
+          <a:blip r:embed="rId2">
+            <a:extLst>
+              <a:ext uri="{28A0092B-C50C-407E-A947-70E740481C1C}">
+                <a14:useLocalDpi xmlns:a14="http://schemas.microsoft.com/office/drawing/2010/main" val="0"/>
+              </a:ext>
+            </a:extLst>
+          </a:blip>
+          <a:srcRect/>
           <a:stretch>
             <a:fillRect/>
           </a:stretch>
         </p:blipFill>
-        <p:spPr>
-          <a:xfrm>
-            <a:off x="424962" y="3411415"/>
-            <a:ext cx="3657600" cy="2650211"/>
+        <p:spPr bwMode="auto">
+          <a:xfrm>
+            <a:off x="457200" y="1447800"/>
+            <a:ext cx="8229600" cy="3678669"/>
           </a:xfrm>
           <a:prstGeom prst="rect">
             <a:avLst/>
           </a:prstGeom>
+          <a:noFill/>
+          <a:ln>
+            <a:noFill/>
+          </a:ln>
+          <a:extLst>
+            <a:ext uri="{909E8E84-426E-40DD-AFC4-6F175D3DCCD1}">
+              <a14:hiddenFill xmlns:a14="http://schemas.microsoft.com/office/drawing/2010/main">
+                <a:solidFill>
+                  <a:schemeClr val="accent1"/>
+                </a:solidFill>
+              </a14:hiddenFill>
+            </a:ext>
+            <a:ext uri="{91240B29-F687-4F45-9708-019B960494DF}">
+              <a14:hiddenLine xmlns:a14="http://schemas.microsoft.com/office/drawing/2010/main" w="9525">
+                <a:solidFill>
+                  <a:schemeClr val="tx1"/>
+                </a:solidFill>
+                <a:miter lim="800000"/>
+                <a:headEnd/>
+                <a:tailEnd/>
+              </a14:hiddenLine>
+            </a:ext>
+          </a:extLst>
         </p:spPr>
       </p:pic>
-      <p:sp>
-        <p:nvSpPr>
-          <p:cNvPr id="6" name="TextBox 5"/>
-          <p:cNvSpPr txBox="1"/>
-          <p:nvPr/>
-        </p:nvSpPr>
-        <p:spPr>
-          <a:xfrm>
-            <a:off x="4572000" y="3576935"/>
-            <a:ext cx="4006290" cy="2031325"/>
-          </a:xfrm>
-          <a:prstGeom prst="rect">
-            <a:avLst/>
-          </a:prstGeom>
-          <a:noFill/>
-        </p:spPr>
-        <p:txBody>
-          <a:bodyPr wrap="none" rtlCol="0">
-            <a:spAutoFit/>
-          </a:bodyPr>
-          <a:lstStyle/>
-          <a:p>
-            <a:r>
-              <a:rPr lang="en-US" altLang="ko-KR" dirty="0" smtClean="0"/>
-              <a:t>BCC lattice is constructed as </a:t>
-            </a:r>
-          </a:p>
-          <a:p>
-            <a:r>
-              <a:rPr lang="en-US" altLang="ko-KR" dirty="0" smtClean="0"/>
-              <a:t>Two cubic lattice</a:t>
-            </a:r>
-          </a:p>
-          <a:p>
-            <a:r>
-              <a:rPr lang="en-US" altLang="ko-KR" dirty="0" smtClean="0"/>
-              <a:t>(shifted by (1/2,1/2,1/2) in lattice unit)</a:t>
-            </a:r>
-          </a:p>
-          <a:p>
-            <a:endParaRPr lang="en-US" altLang="ko-KR" dirty="0"/>
-          </a:p>
-          <a:p>
-            <a:r>
-              <a:rPr lang="en-US" altLang="ko-KR" dirty="0" smtClean="0"/>
-              <a:t>Lattice spacing a=1/100 MeV^-1</a:t>
-            </a:r>
-          </a:p>
-          <a:p>
-            <a:r>
-              <a:rPr lang="en-US" altLang="ko-KR" dirty="0" smtClean="0"/>
-              <a:t>Lattice Time step at = 1/1000 MeV^-1</a:t>
-            </a:r>
-          </a:p>
-          <a:p>
-            <a:r>
-              <a:rPr lang="en-US" altLang="ko-KR" dirty="0" smtClean="0"/>
-              <a:t>(For outer region at’=1/200 MeV^-1)</a:t>
-            </a:r>
-            <a:endParaRPr lang="ko-KR" altLang="en-US" dirty="0"/>
-          </a:p>
-        </p:txBody>
-      </p:sp>
     </p:spTree>
     <p:extLst>
       <p:ext uri="{BB962C8B-B14F-4D97-AF65-F5344CB8AC3E}">
-        <p14:creationId xmlns:p14="http://schemas.microsoft.com/office/powerpoint/2010/main" val="2028665360"/>
+        <p14:creationId xmlns:p14="http://schemas.microsoft.com/office/powerpoint/2010/main" val="1216656433"/>
       </p:ext>
     </p:extLst>
   </p:cSld>
   <p:clrMapOvr>
     <a:masterClrMapping/>
   </p:clrMapOvr>
+  <p:timing>
+    <p:tnLst>
+      <p:par>
+        <p:cTn id="1" dur="indefinite" restart="never" nodeType="tmRoot"/>
+      </p:par>
+    </p:tnLst>
+  </p:timing>
 </p:sld>
 </file>
 
@@ -4138,7 +4312,7 @@
           <a:p>
             <a:r>
               <a:rPr lang="en-US" altLang="ko-KR" dirty="0" smtClean="0"/>
-              <a:t>Unitary limit Hamiltonian in BCC</a:t>
+              <a:t>Auxiliary Field Monte Carlo </a:t>
             </a:r>
             <a:endParaRPr lang="ko-KR" altLang="en-US" dirty="0"/>
           </a:p>
@@ -4146,208 +4320,183 @@
       </p:sp>
       <p:pic>
         <p:nvPicPr>
-          <p:cNvPr id="5" name="내용 개체 틀 4"/>
+          <p:cNvPr id="17410" name="Picture 2"/>
           <p:cNvPicPr>
-            <a:picLocks noGrp="1" noChangeAspect="1"/>
+            <a:picLocks noChangeAspect="1" noChangeArrowheads="1"/>
           </p:cNvPicPr>
-          <p:nvPr>
-            <p:ph idx="1"/>
-          </p:nvPr>
+          <p:nvPr/>
         </p:nvPicPr>
         <p:blipFill>
-          <a:blip r:embed="rId2"/>
+          <a:blip r:embed="rId2">
+            <a:extLst>
+              <a:ext uri="{28A0092B-C50C-407E-A947-70E740481C1C}">
+                <a14:useLocalDpi xmlns:a14="http://schemas.microsoft.com/office/drawing/2010/main" val="0"/>
+              </a:ext>
+            </a:extLst>
+          </a:blip>
+          <a:srcRect/>
           <a:stretch>
             <a:fillRect/>
           </a:stretch>
         </p:blipFill>
-        <p:spPr>
-          <a:xfrm>
-            <a:off x="685800" y="2170286"/>
-            <a:ext cx="3620005" cy="666843"/>
+        <p:spPr bwMode="auto">
+          <a:xfrm>
+            <a:off x="2209800" y="1452564"/>
+            <a:ext cx="4114800" cy="1402773"/>
           </a:xfrm>
           <a:prstGeom prst="rect">
             <a:avLst/>
           </a:prstGeom>
+          <a:noFill/>
+          <a:ln>
+            <a:noFill/>
+          </a:ln>
+          <a:extLst>
+            <a:ext uri="{909E8E84-426E-40DD-AFC4-6F175D3DCCD1}">
+              <a14:hiddenFill xmlns:a14="http://schemas.microsoft.com/office/drawing/2010/main">
+                <a:solidFill>
+                  <a:schemeClr val="accent1"/>
+                </a:solidFill>
+              </a14:hiddenFill>
+            </a:ext>
+            <a:ext uri="{91240B29-F687-4F45-9708-019B960494DF}">
+              <a14:hiddenLine xmlns:a14="http://schemas.microsoft.com/office/drawing/2010/main" w="9525">
+                <a:solidFill>
+                  <a:schemeClr val="tx1"/>
+                </a:solidFill>
+                <a:miter lim="800000"/>
+                <a:headEnd/>
+                <a:tailEnd/>
+              </a14:hiddenLine>
+            </a:ext>
+          </a:extLst>
         </p:spPr>
       </p:pic>
       <p:pic>
         <p:nvPicPr>
-          <p:cNvPr id="4" name="그림 3"/>
+          <p:cNvPr id="17411" name="Picture 3"/>
           <p:cNvPicPr>
-            <a:picLocks noChangeAspect="1"/>
+            <a:picLocks noChangeAspect="1" noChangeArrowheads="1"/>
           </p:cNvPicPr>
           <p:nvPr/>
         </p:nvPicPr>
         <p:blipFill>
-          <a:blip r:embed="rId3"/>
+          <a:blip r:embed="rId3">
+            <a:extLst>
+              <a:ext uri="{28A0092B-C50C-407E-A947-70E740481C1C}">
+                <a14:useLocalDpi xmlns:a14="http://schemas.microsoft.com/office/drawing/2010/main" val="0"/>
+              </a:ext>
+            </a:extLst>
+          </a:blip>
+          <a:srcRect/>
           <a:stretch>
             <a:fillRect/>
           </a:stretch>
         </p:blipFill>
-        <p:spPr>
-          <a:xfrm>
-            <a:off x="762000" y="1676400"/>
-            <a:ext cx="1257475" cy="362001"/>
+        <p:spPr bwMode="auto">
+          <a:xfrm>
+            <a:off x="4747603" y="2945824"/>
+            <a:ext cx="4335094" cy="3533774"/>
           </a:xfrm>
           <a:prstGeom prst="rect">
             <a:avLst/>
           </a:prstGeom>
+          <a:noFill/>
+          <a:ln>
+            <a:noFill/>
+          </a:ln>
+          <a:extLst>
+            <a:ext uri="{909E8E84-426E-40DD-AFC4-6F175D3DCCD1}">
+              <a14:hiddenFill xmlns:a14="http://schemas.microsoft.com/office/drawing/2010/main">
+                <a:solidFill>
+                  <a:schemeClr val="accent1"/>
+                </a:solidFill>
+              </a14:hiddenFill>
+            </a:ext>
+            <a:ext uri="{91240B29-F687-4F45-9708-019B960494DF}">
+              <a14:hiddenLine xmlns:a14="http://schemas.microsoft.com/office/drawing/2010/main" w="9525">
+                <a:solidFill>
+                  <a:schemeClr val="tx1"/>
+                </a:solidFill>
+                <a:miter lim="800000"/>
+                <a:headEnd/>
+                <a:tailEnd/>
+              </a14:hiddenLine>
+            </a:ext>
+          </a:extLst>
         </p:spPr>
       </p:pic>
       <p:pic>
         <p:nvPicPr>
-          <p:cNvPr id="6" name="그림 5"/>
+          <p:cNvPr id="6" name="Picture 2"/>
           <p:cNvPicPr>
-            <a:picLocks noChangeAspect="1"/>
+            <a:picLocks noChangeAspect="1" noChangeArrowheads="1"/>
           </p:cNvPicPr>
           <p:nvPr/>
         </p:nvPicPr>
         <p:blipFill>
-          <a:blip r:embed="rId4"/>
+          <a:blip r:embed="rId4">
+            <a:extLst>
+              <a:ext uri="{28A0092B-C50C-407E-A947-70E740481C1C}">
+                <a14:useLocalDpi xmlns:a14="http://schemas.microsoft.com/office/drawing/2010/main" val="0"/>
+              </a:ext>
+            </a:extLst>
+          </a:blip>
+          <a:srcRect/>
           <a:stretch>
             <a:fillRect/>
           </a:stretch>
         </p:blipFill>
-        <p:spPr>
-          <a:xfrm>
-            <a:off x="5181600" y="1639130"/>
-            <a:ext cx="3296110" cy="476316"/>
+        <p:spPr bwMode="auto">
+          <a:xfrm>
+            <a:off x="533400" y="3107748"/>
+            <a:ext cx="4083862" cy="3352800"/>
           </a:xfrm>
           <a:prstGeom prst="rect">
             <a:avLst/>
           </a:prstGeom>
-        </p:spPr>
-      </p:pic>
-      <p:pic>
-        <p:nvPicPr>
-          <p:cNvPr id="7" name="그림 6"/>
-          <p:cNvPicPr>
-            <a:picLocks noChangeAspect="1"/>
-          </p:cNvPicPr>
-          <p:nvPr/>
-        </p:nvPicPr>
-        <p:blipFill>
-          <a:blip r:embed="rId5"/>
-          <a:stretch>
-            <a:fillRect/>
-          </a:stretch>
-        </p:blipFill>
-        <p:spPr>
-          <a:xfrm>
-            <a:off x="2534088" y="2997572"/>
-            <a:ext cx="1733792" cy="485843"/>
-          </a:xfrm>
-          <a:prstGeom prst="rect">
-            <a:avLst/>
-          </a:prstGeom>
-        </p:spPr>
-      </p:pic>
-      <p:pic>
-        <p:nvPicPr>
-          <p:cNvPr id="8" name="그림 7"/>
-          <p:cNvPicPr>
-            <a:picLocks noChangeAspect="1"/>
-          </p:cNvPicPr>
-          <p:nvPr/>
-        </p:nvPicPr>
-        <p:blipFill>
-          <a:blip r:embed="rId6"/>
-          <a:stretch>
-            <a:fillRect/>
-          </a:stretch>
-        </p:blipFill>
-        <p:spPr>
-          <a:xfrm>
-            <a:off x="5020626" y="2376176"/>
-            <a:ext cx="3686689" cy="1495634"/>
-          </a:xfrm>
-          <a:prstGeom prst="rect">
-            <a:avLst/>
-          </a:prstGeom>
-        </p:spPr>
-      </p:pic>
-      <p:pic>
-        <p:nvPicPr>
-          <p:cNvPr id="9" name="그림 8"/>
-          <p:cNvPicPr>
-            <a:picLocks noChangeAspect="1"/>
-          </p:cNvPicPr>
-          <p:nvPr/>
-        </p:nvPicPr>
-        <p:blipFill>
-          <a:blip r:embed="rId7"/>
-          <a:stretch>
-            <a:fillRect/>
-          </a:stretch>
-        </p:blipFill>
-        <p:spPr>
-          <a:xfrm>
-            <a:off x="3962400" y="4113476"/>
-            <a:ext cx="4953691" cy="466790"/>
-          </a:xfrm>
-          <a:prstGeom prst="rect">
-            <a:avLst/>
-          </a:prstGeom>
-        </p:spPr>
-      </p:pic>
-      <p:pic>
-        <p:nvPicPr>
-          <p:cNvPr id="10" name="그림 9"/>
-          <p:cNvPicPr>
-            <a:picLocks noChangeAspect="1"/>
-          </p:cNvPicPr>
-          <p:nvPr/>
-        </p:nvPicPr>
-        <p:blipFill>
-          <a:blip r:embed="rId8"/>
-          <a:stretch>
-            <a:fillRect/>
-          </a:stretch>
-        </p:blipFill>
-        <p:spPr>
-          <a:xfrm>
-            <a:off x="768037" y="4724400"/>
-            <a:ext cx="2524477" cy="685896"/>
-          </a:xfrm>
-          <a:prstGeom prst="rect">
-            <a:avLst/>
-          </a:prstGeom>
-        </p:spPr>
-      </p:pic>
-      <p:pic>
-        <p:nvPicPr>
-          <p:cNvPr id="11" name="그림 10"/>
-          <p:cNvPicPr>
-            <a:picLocks noChangeAspect="1"/>
-          </p:cNvPicPr>
-          <p:nvPr/>
-        </p:nvPicPr>
-        <p:blipFill>
-          <a:blip r:embed="rId9"/>
-          <a:stretch>
-            <a:fillRect/>
-          </a:stretch>
-        </p:blipFill>
-        <p:spPr>
-          <a:xfrm>
-            <a:off x="3810000" y="4920957"/>
-            <a:ext cx="2924583" cy="1505160"/>
-          </a:xfrm>
-          <a:prstGeom prst="rect">
-            <a:avLst/>
-          </a:prstGeom>
+          <a:noFill/>
+          <a:ln>
+            <a:noFill/>
+          </a:ln>
+          <a:extLst>
+            <a:ext uri="{909E8E84-426E-40DD-AFC4-6F175D3DCCD1}">
+              <a14:hiddenFill xmlns:a14="http://schemas.microsoft.com/office/drawing/2010/main">
+                <a:solidFill>
+                  <a:schemeClr val="accent1"/>
+                </a:solidFill>
+              </a14:hiddenFill>
+            </a:ext>
+            <a:ext uri="{91240B29-F687-4F45-9708-019B960494DF}">
+              <a14:hiddenLine xmlns:a14="http://schemas.microsoft.com/office/drawing/2010/main" w="9525">
+                <a:solidFill>
+                  <a:schemeClr val="tx1"/>
+                </a:solidFill>
+                <a:miter lim="800000"/>
+                <a:headEnd/>
+                <a:tailEnd/>
+              </a14:hiddenLine>
+            </a:ext>
+          </a:extLst>
         </p:spPr>
       </p:pic>
     </p:spTree>
     <p:extLst>
       <p:ext uri="{BB962C8B-B14F-4D97-AF65-F5344CB8AC3E}">
-        <p14:creationId xmlns:p14="http://schemas.microsoft.com/office/powerpoint/2010/main" val="3071628708"/>
+        <p14:creationId xmlns:p14="http://schemas.microsoft.com/office/powerpoint/2010/main" val="1232621094"/>
       </p:ext>
     </p:extLst>
   </p:cSld>
   <p:clrMapOvr>
     <a:masterClrMapping/>
   </p:clrMapOvr>
+  <p:timing>
+    <p:tnLst>
+      <p:par>
+        <p:cTn id="1" dur="indefinite" restart="never" nodeType="tmRoot"/>
+      </p:par>
+    </p:tnLst>
+  </p:timing>
 </p:sld>
 </file>
 
@@ -4383,205 +4532,100 @@
           <a:bodyPr/>
           <a:lstStyle/>
           <a:p>
-            <a:r>
-              <a:rPr lang="en-US" altLang="ko-KR" dirty="0" smtClean="0"/>
-              <a:t>Unitary limit Hamiltonian in BCC</a:t>
-            </a:r>
-            <a:endParaRPr lang="ko-KR" altLang="en-US" dirty="0"/>
+            <a:endParaRPr lang="ko-KR" altLang="en-US"/>
+          </a:p>
+        </p:txBody>
+      </p:sp>
+      <p:sp>
+        <p:nvSpPr>
+          <p:cNvPr id="3" name="내용 개체 틀 2"/>
+          <p:cNvSpPr>
+            <a:spLocks noGrp="1"/>
+          </p:cNvSpPr>
+          <p:nvPr>
+            <p:ph idx="1"/>
+          </p:nvPr>
+        </p:nvSpPr>
+        <p:spPr/>
+        <p:txBody>
+          <a:bodyPr/>
+          <a:lstStyle/>
+          <a:p>
+            <a:endParaRPr lang="ko-KR" altLang="en-US"/>
           </a:p>
         </p:txBody>
       </p:sp>
       <p:pic>
         <p:nvPicPr>
-          <p:cNvPr id="10" name="그림 9"/>
+          <p:cNvPr id="15362" name="Picture 2"/>
           <p:cNvPicPr>
-            <a:picLocks noChangeAspect="1"/>
+            <a:picLocks noChangeAspect="1" noChangeArrowheads="1"/>
           </p:cNvPicPr>
           <p:nvPr/>
         </p:nvPicPr>
         <p:blipFill>
-          <a:blip r:embed="rId2"/>
+          <a:blip r:embed="rId2">
+            <a:extLst>
+              <a:ext uri="{28A0092B-C50C-407E-A947-70E740481C1C}">
+                <a14:useLocalDpi xmlns:a14="http://schemas.microsoft.com/office/drawing/2010/main" val="0"/>
+              </a:ext>
+            </a:extLst>
+          </a:blip>
+          <a:srcRect/>
           <a:stretch>
             <a:fillRect/>
           </a:stretch>
         </p:blipFill>
-        <p:spPr>
-          <a:xfrm>
-            <a:off x="533400" y="1524000"/>
-            <a:ext cx="2524477" cy="685896"/>
+        <p:spPr bwMode="auto">
+          <a:xfrm>
+            <a:off x="457200" y="811136"/>
+            <a:ext cx="8361835" cy="5665864"/>
           </a:xfrm>
           <a:prstGeom prst="rect">
             <a:avLst/>
           </a:prstGeom>
+          <a:noFill/>
+          <a:ln>
+            <a:noFill/>
+          </a:ln>
+          <a:extLst>
+            <a:ext uri="{909E8E84-426E-40DD-AFC4-6F175D3DCCD1}">
+              <a14:hiddenFill xmlns:a14="http://schemas.microsoft.com/office/drawing/2010/main">
+                <a:solidFill>
+                  <a:schemeClr val="accent1"/>
+                </a:solidFill>
+              </a14:hiddenFill>
+            </a:ext>
+            <a:ext uri="{91240B29-F687-4F45-9708-019B960494DF}">
+              <a14:hiddenLine xmlns:a14="http://schemas.microsoft.com/office/drawing/2010/main" w="9525">
+                <a:solidFill>
+                  <a:schemeClr val="tx1"/>
+                </a:solidFill>
+                <a:miter lim="800000"/>
+                <a:headEnd/>
+                <a:tailEnd/>
+              </a14:hiddenLine>
+            </a:ext>
+          </a:extLst>
         </p:spPr>
       </p:pic>
-      <p:pic>
-        <p:nvPicPr>
-          <p:cNvPr id="11" name="그림 10"/>
-          <p:cNvPicPr>
-            <a:picLocks noChangeAspect="1"/>
-          </p:cNvPicPr>
-          <p:nvPr/>
-        </p:nvPicPr>
-        <p:blipFill>
-          <a:blip r:embed="rId3"/>
-          <a:stretch>
-            <a:fillRect/>
-          </a:stretch>
-        </p:blipFill>
-        <p:spPr>
-          <a:xfrm>
-            <a:off x="3429000" y="1600200"/>
-            <a:ext cx="2924583" cy="1505160"/>
-          </a:xfrm>
-          <a:prstGeom prst="rect">
-            <a:avLst/>
-          </a:prstGeom>
-        </p:spPr>
-      </p:pic>
-      <p:pic>
-        <p:nvPicPr>
-          <p:cNvPr id="13" name="그림 12"/>
-          <p:cNvPicPr>
-            <a:picLocks noChangeAspect="1"/>
-          </p:cNvPicPr>
-          <p:nvPr/>
-        </p:nvPicPr>
-        <p:blipFill>
-          <a:blip r:embed="rId4"/>
-          <a:stretch>
-            <a:fillRect/>
-          </a:stretch>
-        </p:blipFill>
-        <p:spPr>
-          <a:xfrm>
-            <a:off x="304800" y="3420208"/>
-            <a:ext cx="3439090" cy="2516605"/>
-          </a:xfrm>
-          <a:prstGeom prst="rect">
-            <a:avLst/>
-          </a:prstGeom>
-        </p:spPr>
-      </p:pic>
-      <p:sp>
-        <p:nvSpPr>
-          <p:cNvPr id="14" name="TextBox 13"/>
-          <p:cNvSpPr txBox="1"/>
-          <p:nvPr/>
-        </p:nvSpPr>
-        <p:spPr>
-          <a:xfrm>
-            <a:off x="3886200" y="3623359"/>
-            <a:ext cx="4031873" cy="2031325"/>
-          </a:xfrm>
-          <a:prstGeom prst="rect">
-            <a:avLst/>
-          </a:prstGeom>
-          <a:noFill/>
-        </p:spPr>
-        <p:txBody>
-          <a:bodyPr wrap="none" rtlCol="0">
-            <a:spAutoFit/>
-          </a:bodyPr>
-          <a:lstStyle/>
-          <a:p>
-            <a:r>
-              <a:rPr lang="en-US" altLang="ko-KR" dirty="0" smtClean="0"/>
-              <a:t>1S0 NN scattering phase shift is fitted</a:t>
-            </a:r>
-          </a:p>
-          <a:p>
-            <a:r>
-              <a:rPr lang="en-US" altLang="ko-KR" dirty="0" smtClean="0"/>
-              <a:t>For unitary limit .</a:t>
-            </a:r>
-          </a:p>
-          <a:p>
-            <a:endParaRPr lang="en-US" altLang="ko-KR" dirty="0"/>
-          </a:p>
-          <a:p>
-            <a:r>
-              <a:rPr lang="en-US" altLang="ko-KR" dirty="0" smtClean="0"/>
-              <a:t>C0= -0.7449172 [</a:t>
-            </a:r>
-            <a:r>
-              <a:rPr lang="en-US" altLang="ko-KR" dirty="0" err="1" smtClean="0"/>
-              <a:t>l.u</a:t>
-            </a:r>
-            <a:r>
-              <a:rPr lang="en-US" altLang="ko-KR" dirty="0" smtClean="0"/>
-              <a:t>.]</a:t>
-            </a:r>
-          </a:p>
-          <a:p>
-            <a:r>
-              <a:rPr lang="en-US" altLang="ko-KR" dirty="0" err="1" smtClean="0"/>
-              <a:t>sNL</a:t>
-            </a:r>
-            <a:r>
-              <a:rPr lang="en-US" altLang="ko-KR" dirty="0" smtClean="0"/>
-              <a:t> = - 0.0009533729</a:t>
-            </a:r>
-          </a:p>
-          <a:p>
-            <a:r>
-              <a:rPr lang="en-US" altLang="ko-KR" dirty="0" smtClean="0">
-                <a:sym typeface="Wingdings" panose="05000000000000000000" pitchFamily="2" charset="2"/>
-              </a:rPr>
-              <a:t></a:t>
-            </a:r>
-          </a:p>
-          <a:p>
-            <a:r>
-              <a:rPr lang="en-US" altLang="ko-KR" dirty="0">
-                <a:sym typeface="Wingdings" panose="05000000000000000000" pitchFamily="2" charset="2"/>
-              </a:rPr>
-              <a:t>a</a:t>
-            </a:r>
-            <a:r>
-              <a:rPr lang="en-US" altLang="ko-KR" dirty="0" smtClean="0">
-                <a:sym typeface="Wingdings" panose="05000000000000000000" pitchFamily="2" charset="2"/>
-              </a:rPr>
-              <a:t>0 = 125658 </a:t>
-            </a:r>
-            <a:r>
-              <a:rPr lang="en-US" altLang="ko-KR" dirty="0" err="1" smtClean="0">
-                <a:sym typeface="Wingdings" panose="05000000000000000000" pitchFamily="2" charset="2"/>
-              </a:rPr>
-              <a:t>fm</a:t>
-            </a:r>
-            <a:r>
-              <a:rPr lang="en-US" altLang="ko-KR" dirty="0" smtClean="0">
-                <a:sym typeface="Wingdings" panose="05000000000000000000" pitchFamily="2" charset="2"/>
-              </a:rPr>
-              <a:t>, r0 = 0.110 </a:t>
-            </a:r>
-            <a:r>
-              <a:rPr lang="en-US" altLang="ko-KR" dirty="0" err="1" smtClean="0">
-                <a:sym typeface="Wingdings" panose="05000000000000000000" pitchFamily="2" charset="2"/>
-              </a:rPr>
-              <a:t>fm</a:t>
-            </a:r>
-            <a:r>
-              <a:rPr lang="en-US" altLang="ko-KR" dirty="0" smtClean="0">
-                <a:sym typeface="Wingdings" panose="05000000000000000000" pitchFamily="2" charset="2"/>
-              </a:rPr>
-              <a:t> </a:t>
-            </a:r>
-            <a:endParaRPr lang="ko-KR" altLang="en-US" dirty="0"/>
-          </a:p>
-        </p:txBody>
-      </p:sp>
     </p:spTree>
     <p:extLst>
       <p:ext uri="{BB962C8B-B14F-4D97-AF65-F5344CB8AC3E}">
-        <p14:creationId xmlns:p14="http://schemas.microsoft.com/office/powerpoint/2010/main" val="376425969"/>
+        <p14:creationId xmlns:p14="http://schemas.microsoft.com/office/powerpoint/2010/main" val="1174661330"/>
       </p:ext>
     </p:extLst>
   </p:cSld>
   <p:clrMapOvr>
     <a:masterClrMapping/>
   </p:clrMapOvr>
+  <p:timing>
+    <p:tnLst>
+      <p:par>
+        <p:cTn id="1" dur="indefinite" restart="never" nodeType="tmRoot"/>
+      </p:par>
+    </p:tnLst>
+  </p:timing>
 </p:sld>
 </file>
 
@@ -4614,207 +4658,82 @@
         </p:nvSpPr>
         <p:spPr/>
         <p:txBody>
+          <a:bodyPr>
+            <a:normAutofit fontScale="90000"/>
+          </a:bodyPr>
+          <a:lstStyle/>
+          <a:p>
+            <a:r>
+              <a:rPr lang="en-US" altLang="ko-KR" dirty="0" smtClean="0"/>
+              <a:t>Chiral Effective Field Theory on the lattice</a:t>
+            </a:r>
+            <a:endParaRPr lang="ko-KR" altLang="en-US" dirty="0"/>
+          </a:p>
+        </p:txBody>
+      </p:sp>
+      <p:sp>
+        <p:nvSpPr>
+          <p:cNvPr id="3" name="내용 개체 틀 2"/>
+          <p:cNvSpPr>
+            <a:spLocks noGrp="1"/>
+          </p:cNvSpPr>
+          <p:nvPr>
+            <p:ph idx="1"/>
+          </p:nvPr>
+        </p:nvSpPr>
+        <p:spPr/>
+        <p:txBody>
           <a:bodyPr/>
           <a:lstStyle/>
           <a:p>
             <a:r>
               <a:rPr lang="en-US" altLang="ko-KR" dirty="0" smtClean="0"/>
-              <a:t>Results</a:t>
-            </a:r>
-            <a:endParaRPr lang="ko-KR" altLang="en-US" dirty="0"/>
-          </a:p>
-        </p:txBody>
-      </p:sp>
-      <p:sp>
-        <p:nvSpPr>
-          <p:cNvPr id="3" name="내용 개체 틀 2"/>
-          <p:cNvSpPr>
-            <a:spLocks noGrp="1"/>
-          </p:cNvSpPr>
-          <p:nvPr>
-            <p:ph idx="1"/>
-          </p:nvPr>
-        </p:nvSpPr>
-        <p:spPr/>
-        <p:txBody>
-          <a:bodyPr>
-            <a:normAutofit lnSpcReduction="10000"/>
-          </a:bodyPr>
-          <a:lstStyle/>
+              <a:t>Nuclear Interaction itself is not known exactly. </a:t>
+            </a:r>
+          </a:p>
           <a:p>
             <a:r>
               <a:rPr lang="en-US" altLang="ko-KR" dirty="0" smtClean="0"/>
-              <a:t>N=66 neutrons (33 spin up, 33 spin down)</a:t>
-            </a:r>
-          </a:p>
-          <a:p>
-            <a:r>
-              <a:rPr lang="en-US" altLang="ko-KR" dirty="0" smtClean="0"/>
-              <a:t>Ground state energy are calculated by using transfer matrix formalism</a:t>
-            </a:r>
-          </a:p>
-          <a:p>
-            <a:endParaRPr lang="en-US" altLang="ko-KR" dirty="0"/>
-          </a:p>
-          <a:p>
-            <a:endParaRPr lang="en-US" altLang="ko-KR" dirty="0" smtClean="0"/>
-          </a:p>
-          <a:p>
-            <a:r>
-              <a:rPr lang="en-US" altLang="ko-KR" dirty="0" smtClean="0"/>
-              <a:t>Euclidean time extrapolation</a:t>
-            </a:r>
-          </a:p>
-          <a:p>
-            <a:endParaRPr lang="en-US" altLang="ko-KR" dirty="0"/>
-          </a:p>
-          <a:p>
-            <a:r>
-              <a:rPr lang="en-US" altLang="ko-KR" dirty="0" smtClean="0"/>
-              <a:t>Free fermion gas energy can be defined in two way.</a:t>
-            </a:r>
-          </a:p>
-          <a:p>
-            <a:pPr lvl="1"/>
-            <a:r>
-              <a:rPr lang="en-US" altLang="ko-KR" dirty="0" smtClean="0"/>
-              <a:t>‘Finite’ : NLEFT result of free fermions</a:t>
-            </a:r>
-          </a:p>
-          <a:p>
-            <a:pPr lvl="1"/>
-            <a:r>
-              <a:rPr lang="en-US" altLang="ko-KR" dirty="0" smtClean="0"/>
-              <a:t>‘</a:t>
-            </a:r>
-            <a:r>
-              <a:rPr lang="en-US" altLang="ko-KR" dirty="0" err="1" smtClean="0"/>
-              <a:t>thermo</a:t>
-            </a:r>
-            <a:r>
-              <a:rPr lang="en-US" altLang="ko-KR" dirty="0" smtClean="0"/>
-              <a:t>’ :  Thermodynamic limit expression of free fermion gas</a:t>
-            </a:r>
-          </a:p>
-          <a:p>
-            <a:pPr lvl="1"/>
-            <a:endParaRPr lang="en-US" altLang="ko-KR" dirty="0" smtClean="0"/>
-          </a:p>
-          <a:p>
-            <a:r>
-              <a:rPr lang="en-US" altLang="ko-KR" dirty="0" smtClean="0"/>
-              <a:t> </a:t>
-            </a:r>
-            <a:endParaRPr lang="ko-KR" altLang="en-US" dirty="0"/>
-          </a:p>
-        </p:txBody>
-      </p:sp>
-      <p:pic>
-        <p:nvPicPr>
-          <p:cNvPr id="4" name="그림 3"/>
-          <p:cNvPicPr>
-            <a:picLocks noChangeAspect="1"/>
-          </p:cNvPicPr>
-          <p:nvPr/>
-        </p:nvPicPr>
-        <p:blipFill>
-          <a:blip r:embed="rId2"/>
-          <a:stretch>
-            <a:fillRect/>
-          </a:stretch>
-        </p:blipFill>
-        <p:spPr>
-          <a:xfrm>
-            <a:off x="685800" y="2914578"/>
-            <a:ext cx="2286319" cy="514422"/>
-          </a:xfrm>
-          <a:prstGeom prst="rect">
-            <a:avLst/>
-          </a:prstGeom>
-        </p:spPr>
-      </p:pic>
-      <p:pic>
-        <p:nvPicPr>
-          <p:cNvPr id="5" name="그림 4"/>
-          <p:cNvPicPr>
-            <a:picLocks noChangeAspect="1"/>
-          </p:cNvPicPr>
-          <p:nvPr/>
-        </p:nvPicPr>
-        <p:blipFill>
-          <a:blip r:embed="rId3"/>
-          <a:stretch>
-            <a:fillRect/>
-          </a:stretch>
-        </p:blipFill>
-        <p:spPr>
-          <a:xfrm>
-            <a:off x="1028747" y="4267200"/>
-            <a:ext cx="1600423" cy="400106"/>
-          </a:xfrm>
-          <a:prstGeom prst="rect">
-            <a:avLst/>
-          </a:prstGeom>
-        </p:spPr>
-      </p:pic>
-      <p:pic>
-        <p:nvPicPr>
-          <p:cNvPr id="6" name="그림 5"/>
-          <p:cNvPicPr>
-            <a:picLocks noChangeAspect="1"/>
-          </p:cNvPicPr>
-          <p:nvPr/>
-        </p:nvPicPr>
-        <p:blipFill>
-          <a:blip r:embed="rId4"/>
-          <a:stretch>
-            <a:fillRect/>
-          </a:stretch>
-        </p:blipFill>
-        <p:spPr>
-          <a:xfrm>
-            <a:off x="688731" y="5502367"/>
-            <a:ext cx="5115639" cy="1086002"/>
-          </a:xfrm>
-          <a:prstGeom prst="rect">
-            <a:avLst/>
-          </a:prstGeom>
-        </p:spPr>
-      </p:pic>
-      <p:pic>
-        <p:nvPicPr>
-          <p:cNvPr id="8" name="그림 7"/>
-          <p:cNvPicPr>
-            <a:picLocks noChangeAspect="1"/>
-          </p:cNvPicPr>
-          <p:nvPr/>
-        </p:nvPicPr>
-        <p:blipFill>
-          <a:blip r:embed="rId5"/>
-          <a:stretch>
-            <a:fillRect/>
-          </a:stretch>
-        </p:blipFill>
-        <p:spPr>
-          <a:xfrm>
-            <a:off x="6172200" y="5897710"/>
-            <a:ext cx="1857634" cy="295316"/>
-          </a:xfrm>
-          <a:prstGeom prst="rect">
-            <a:avLst/>
-          </a:prstGeom>
-        </p:spPr>
-      </p:pic>
+              <a:t>Because of lattice, one can not directly use the conventional interaction. </a:t>
+            </a:r>
+          </a:p>
+          <a:p>
+            <a:pPr marL="0" indent="0">
+              <a:buNone/>
+            </a:pPr>
+            <a:r>
+              <a:rPr lang="en-US" altLang="ko-KR" dirty="0"/>
+              <a:t>  </a:t>
+            </a:r>
+            <a:r>
+              <a:rPr lang="en-US" altLang="ko-KR" dirty="0" smtClean="0">
+                <a:sym typeface="Wingdings" panose="05000000000000000000" pitchFamily="2" charset="2"/>
+              </a:rPr>
+              <a:t> Start from finding proper nuclear interaction and fix their coefficients on the lattice.  </a:t>
+            </a:r>
+            <a:endParaRPr lang="en-US" altLang="ko-KR" dirty="0">
+              <a:sym typeface="Wingdings" panose="05000000000000000000" pitchFamily="2" charset="2"/>
+            </a:endParaRPr>
+          </a:p>
+        </p:txBody>
+      </p:sp>
     </p:spTree>
     <p:extLst>
       <p:ext uri="{BB962C8B-B14F-4D97-AF65-F5344CB8AC3E}">
-        <p14:creationId xmlns:p14="http://schemas.microsoft.com/office/powerpoint/2010/main" val="969077185"/>
+        <p14:creationId xmlns:p14="http://schemas.microsoft.com/office/powerpoint/2010/main" val="2184121349"/>
       </p:ext>
     </p:extLst>
   </p:cSld>
   <p:clrMapOvr>
     <a:masterClrMapping/>
   </p:clrMapOvr>
+  <p:timing>
+    <p:tnLst>
+      <p:par>
+        <p:cTn id="1" dur="indefinite" restart="never" nodeType="tmRoot"/>
+      </p:par>
+    </p:tnLst>
+  </p:timing>
 </p:sld>
 </file>
 
@@ -4835,48 +4754,6 @@
           <a:chExt cx="0" cy="0"/>
         </a:xfrm>
       </p:grpSpPr>
-      <p:sp>
-        <p:nvSpPr>
-          <p:cNvPr id="2" name="제목 1"/>
-          <p:cNvSpPr>
-            <a:spLocks noGrp="1"/>
-          </p:cNvSpPr>
-          <p:nvPr>
-            <p:ph type="title"/>
-          </p:nvPr>
-        </p:nvSpPr>
-        <p:spPr/>
-        <p:txBody>
-          <a:bodyPr/>
-          <a:lstStyle/>
-          <a:p>
-            <a:r>
-              <a:rPr lang="en-US" altLang="ko-KR" dirty="0" smtClean="0"/>
-              <a:t>Results : Lt extrapolation</a:t>
-            </a:r>
-            <a:endParaRPr lang="ko-KR" altLang="en-US" dirty="0"/>
-          </a:p>
-        </p:txBody>
-      </p:sp>
-      <p:sp>
-        <p:nvSpPr>
-          <p:cNvPr id="3" name="내용 개체 틀 2"/>
-          <p:cNvSpPr>
-            <a:spLocks noGrp="1"/>
-          </p:cNvSpPr>
-          <p:nvPr>
-            <p:ph idx="1"/>
-          </p:nvPr>
-        </p:nvSpPr>
-        <p:spPr/>
-        <p:txBody>
-          <a:bodyPr/>
-          <a:lstStyle/>
-          <a:p>
-            <a:endParaRPr lang="ko-KR" altLang="en-US" dirty="0"/>
-          </a:p>
-        </p:txBody>
-      </p:sp>
       <p:pic>
         <p:nvPicPr>
           <p:cNvPr id="4" name="그림 3"/>
@@ -4893,17 +4770,47 @@
         </p:blipFill>
         <p:spPr>
           <a:xfrm>
-            <a:off x="533400" y="1790493"/>
-            <a:ext cx="3458626" cy="2248107"/>
+            <a:off x="914400" y="1295400"/>
+            <a:ext cx="3787468" cy="1425063"/>
           </a:xfrm>
           <a:prstGeom prst="rect">
             <a:avLst/>
           </a:prstGeom>
         </p:spPr>
       </p:pic>
+      <p:sp>
+        <p:nvSpPr>
+          <p:cNvPr id="5" name="TextBox 4"/>
+          <p:cNvSpPr txBox="1"/>
+          <p:nvPr/>
+        </p:nvSpPr>
+        <p:spPr>
+          <a:xfrm>
+            <a:off x="838200" y="838200"/>
+            <a:ext cx="5609228" cy="369332"/>
+          </a:xfrm>
+          <a:prstGeom prst="rect">
+            <a:avLst/>
+          </a:prstGeom>
+          <a:noFill/>
+        </p:spPr>
+        <p:txBody>
+          <a:bodyPr wrap="none" rtlCol="0">
+            <a:spAutoFit/>
+          </a:bodyPr>
+          <a:lstStyle/>
+          <a:p>
+            <a:r>
+              <a:rPr lang="en-US" altLang="ko-KR" dirty="0" smtClean="0"/>
+              <a:t>Non-local smeared creation and annihilation operator</a:t>
+            </a:r>
+            <a:endParaRPr lang="ko-KR" altLang="en-US" dirty="0"/>
+          </a:p>
+        </p:txBody>
+      </p:sp>
       <p:pic>
         <p:nvPicPr>
-          <p:cNvPr id="5" name="그림 4"/>
+          <p:cNvPr id="6" name="그림 5"/>
           <p:cNvPicPr>
             <a:picLocks noChangeAspect="1"/>
           </p:cNvPicPr>
@@ -4917,17 +4824,47 @@
         </p:blipFill>
         <p:spPr>
           <a:xfrm>
-            <a:off x="4581845" y="1752600"/>
-            <a:ext cx="3448691" cy="2239502"/>
+            <a:off x="1003523" y="3962400"/>
+            <a:ext cx="7125317" cy="1226926"/>
           </a:xfrm>
           <a:prstGeom prst="rect">
             <a:avLst/>
           </a:prstGeom>
         </p:spPr>
       </p:pic>
+      <p:sp>
+        <p:nvSpPr>
+          <p:cNvPr id="7" name="TextBox 6"/>
+          <p:cNvSpPr txBox="1"/>
+          <p:nvPr/>
+        </p:nvSpPr>
+        <p:spPr>
+          <a:xfrm>
+            <a:off x="990600" y="2808331"/>
+            <a:ext cx="4480714" cy="369332"/>
+          </a:xfrm>
+          <a:prstGeom prst="rect">
+            <a:avLst/>
+          </a:prstGeom>
+          <a:noFill/>
+        </p:spPr>
+        <p:txBody>
+          <a:bodyPr wrap="none" rtlCol="0">
+            <a:spAutoFit/>
+          </a:bodyPr>
+          <a:lstStyle/>
+          <a:p>
+            <a:r>
+              <a:rPr lang="en-US" altLang="ko-KR" dirty="0" smtClean="0"/>
+              <a:t>LO (short range) SU(4) contact interaction</a:t>
+            </a:r>
+            <a:endParaRPr lang="ko-KR" altLang="en-US" dirty="0"/>
+          </a:p>
+        </p:txBody>
+      </p:sp>
       <p:pic>
         <p:nvPicPr>
-          <p:cNvPr id="6" name="그림 5"/>
+          <p:cNvPr id="8" name="그림 7"/>
           <p:cNvPicPr>
             <a:picLocks noChangeAspect="1"/>
           </p:cNvPicPr>
@@ -4941,48 +4878,61 @@
         </p:blipFill>
         <p:spPr>
           <a:xfrm>
-            <a:off x="705056" y="4349306"/>
-            <a:ext cx="3286969" cy="2110110"/>
+            <a:off x="1003523" y="3200754"/>
+            <a:ext cx="2524477" cy="685896"/>
           </a:xfrm>
           <a:prstGeom prst="rect">
             <a:avLst/>
           </a:prstGeom>
         </p:spPr>
       </p:pic>
-      <p:pic>
-        <p:nvPicPr>
-          <p:cNvPr id="7" name="그림 6"/>
-          <p:cNvPicPr>
-            <a:picLocks noChangeAspect="1"/>
-          </p:cNvPicPr>
+      <p:sp>
+        <p:nvSpPr>
+          <p:cNvPr id="9" name="TextBox 8"/>
+          <p:cNvSpPr txBox="1"/>
           <p:nvPr/>
-        </p:nvPicPr>
-        <p:blipFill>
-          <a:blip r:embed="rId5"/>
-          <a:stretch>
-            <a:fillRect/>
-          </a:stretch>
-        </p:blipFill>
-        <p:spPr>
-          <a:xfrm>
-            <a:off x="4785648" y="4339974"/>
-            <a:ext cx="3244887" cy="2113580"/>
+        </p:nvSpPr>
+        <p:spPr>
+          <a:xfrm>
+            <a:off x="1219200" y="5410200"/>
+            <a:ext cx="3890809" cy="369332"/>
           </a:xfrm>
           <a:prstGeom prst="rect">
             <a:avLst/>
           </a:prstGeom>
-        </p:spPr>
-      </p:pic>
+          <a:noFill/>
+        </p:spPr>
+        <p:txBody>
+          <a:bodyPr wrap="none" rtlCol="0">
+            <a:spAutoFit/>
+          </a:bodyPr>
+          <a:lstStyle/>
+          <a:p>
+            <a:r>
+              <a:rPr lang="en-US" altLang="ko-KR" dirty="0" smtClean="0"/>
+              <a:t>LO (long range) One Pion exchange</a:t>
+            </a:r>
+            <a:endParaRPr lang="ko-KR" altLang="en-US" dirty="0"/>
+          </a:p>
+        </p:txBody>
+      </p:sp>
     </p:spTree>
     <p:extLst>
       <p:ext uri="{BB962C8B-B14F-4D97-AF65-F5344CB8AC3E}">
-        <p14:creationId xmlns:p14="http://schemas.microsoft.com/office/powerpoint/2010/main" val="546049659"/>
+        <p14:creationId xmlns:p14="http://schemas.microsoft.com/office/powerpoint/2010/main" val="1212457387"/>
       </p:ext>
     </p:extLst>
   </p:cSld>
   <p:clrMapOvr>
     <a:masterClrMapping/>
   </p:clrMapOvr>
+  <p:timing>
+    <p:tnLst>
+      <p:par>
+        <p:cTn id="1" dur="indefinite" restart="never" nodeType="tmRoot"/>
+      </p:par>
+    </p:tnLst>
+  </p:timing>
 </p:sld>
 </file>
 
@@ -5015,75 +4965,150 @@
         </p:nvSpPr>
         <p:spPr/>
         <p:txBody>
+          <a:bodyPr>
+            <a:normAutofit/>
+          </a:bodyPr>
+          <a:lstStyle/>
+          <a:p>
+            <a:r>
+              <a:rPr lang="en-US" altLang="ko-KR" dirty="0" smtClean="0"/>
+              <a:t>Low energy constants in lattice EFT</a:t>
+            </a:r>
+            <a:endParaRPr lang="ko-KR" altLang="en-US" dirty="0"/>
+          </a:p>
+        </p:txBody>
+      </p:sp>
+      <p:sp>
+        <p:nvSpPr>
+          <p:cNvPr id="3" name="내용 개체 틀 2"/>
+          <p:cNvSpPr>
+            <a:spLocks noGrp="1"/>
+          </p:cNvSpPr>
+          <p:nvPr>
+            <p:ph idx="1"/>
+          </p:nvPr>
+        </p:nvSpPr>
+        <p:spPr/>
+        <p:txBody>
           <a:bodyPr/>
           <a:lstStyle/>
           <a:p>
             <a:r>
               <a:rPr lang="en-US" altLang="ko-KR" dirty="0" smtClean="0"/>
-              <a:t>Results : Lt extrapolation</a:t>
-            </a:r>
-            <a:endParaRPr lang="ko-KR" altLang="en-US" dirty="0"/>
+              <a:t>All LECs(parameters in the Hamiltonian) are fixed in A&lt;=3</a:t>
+            </a:r>
+          </a:p>
+          <a:p>
+            <a:r>
+              <a:rPr lang="en-US" altLang="ko-KR" dirty="0"/>
+              <a:t> </a:t>
+            </a:r>
+            <a:r>
+              <a:rPr lang="en-US" altLang="ko-KR" dirty="0" smtClean="0"/>
+              <a:t>(They have to be fixed for given lattice regularization)</a:t>
+            </a:r>
+          </a:p>
+          <a:p>
+            <a:r>
+              <a:rPr lang="en-US" altLang="ko-KR" dirty="0" smtClean="0"/>
+              <a:t>N-P scattering phase shifts, Deuteron binding energy</a:t>
+            </a:r>
+          </a:p>
+          <a:p>
+            <a:r>
+              <a:rPr lang="en-US" altLang="ko-KR" dirty="0" smtClean="0"/>
+              <a:t>Triton binding energy, Triton beta decay</a:t>
+            </a:r>
+            <a:r>
+              <a:rPr lang="en-US" altLang="ko-KR" dirty="0" smtClean="0"/>
+              <a:t>.</a:t>
+            </a:r>
+            <a:endParaRPr lang="en-US" altLang="ko-KR" dirty="0"/>
+          </a:p>
+          <a:p>
+            <a:r>
+              <a:rPr lang="en-US" altLang="ko-KR" dirty="0" smtClean="0"/>
+              <a:t>Scattering phase shifts on the Lattice</a:t>
+            </a:r>
+            <a:r>
+              <a:rPr lang="en-US" altLang="ko-KR" dirty="0" smtClean="0"/>
+              <a:t>:</a:t>
+            </a:r>
+            <a:endParaRPr lang="en-US" altLang="ko-KR" dirty="0" smtClean="0"/>
           </a:p>
         </p:txBody>
       </p:sp>
       <p:pic>
         <p:nvPicPr>
-          <p:cNvPr id="8" name="그림 7"/>
+          <p:cNvPr id="22532" name="Picture 4"/>
           <p:cNvPicPr>
-            <a:picLocks noChangeAspect="1"/>
+            <a:picLocks noChangeAspect="1" noChangeArrowheads="1"/>
           </p:cNvPicPr>
           <p:nvPr/>
         </p:nvPicPr>
         <p:blipFill>
-          <a:blip r:embed="rId2"/>
+          <a:blip r:embed="rId2">
+            <a:extLst>
+              <a:ext uri="{28A0092B-C50C-407E-A947-70E740481C1C}">
+                <a14:useLocalDpi xmlns:a14="http://schemas.microsoft.com/office/drawing/2010/main" val="0"/>
+              </a:ext>
+            </a:extLst>
+          </a:blip>
+          <a:srcRect/>
           <a:stretch>
             <a:fillRect/>
           </a:stretch>
         </p:blipFill>
-        <p:spPr>
-          <a:xfrm>
-            <a:off x="17585" y="1371600"/>
-            <a:ext cx="4436527" cy="2913820"/>
+        <p:spPr bwMode="auto">
+          <a:xfrm>
+            <a:off x="685800" y="3995766"/>
+            <a:ext cx="7924800" cy="2592070"/>
           </a:xfrm>
           <a:prstGeom prst="rect">
             <a:avLst/>
           </a:prstGeom>
-        </p:spPr>
-      </p:pic>
-      <p:pic>
-        <p:nvPicPr>
-          <p:cNvPr id="12" name="그림 11"/>
-          <p:cNvPicPr>
-            <a:picLocks noChangeAspect="1"/>
-          </p:cNvPicPr>
-          <p:nvPr/>
-        </p:nvPicPr>
-        <p:blipFill>
-          <a:blip r:embed="rId3"/>
-          <a:stretch>
-            <a:fillRect/>
-          </a:stretch>
-        </p:blipFill>
-        <p:spPr>
-          <a:xfrm>
-            <a:off x="4454112" y="1421270"/>
-            <a:ext cx="4648200" cy="3019634"/>
-          </a:xfrm>
-          <a:prstGeom prst="rect">
-            <a:avLst/>
-          </a:prstGeom>
+          <a:noFill/>
+          <a:ln>
+            <a:noFill/>
+          </a:ln>
+          <a:extLst>
+            <a:ext uri="{909E8E84-426E-40DD-AFC4-6F175D3DCCD1}">
+              <a14:hiddenFill xmlns:a14="http://schemas.microsoft.com/office/drawing/2010/main">
+                <a:solidFill>
+                  <a:schemeClr val="accent1"/>
+                </a:solidFill>
+              </a14:hiddenFill>
+            </a:ext>
+            <a:ext uri="{91240B29-F687-4F45-9708-019B960494DF}">
+              <a14:hiddenLine xmlns:a14="http://schemas.microsoft.com/office/drawing/2010/main" w="9525">
+                <a:solidFill>
+                  <a:schemeClr val="tx1"/>
+                </a:solidFill>
+                <a:miter lim="800000"/>
+                <a:headEnd/>
+                <a:tailEnd/>
+              </a14:hiddenLine>
+            </a:ext>
+          </a:extLst>
         </p:spPr>
       </p:pic>
     </p:spTree>
     <p:extLst>
       <p:ext uri="{BB962C8B-B14F-4D97-AF65-F5344CB8AC3E}">
-        <p14:creationId xmlns:p14="http://schemas.microsoft.com/office/powerpoint/2010/main" val="2128489515"/>
+        <p14:creationId xmlns:p14="http://schemas.microsoft.com/office/powerpoint/2010/main" val="556254789"/>
       </p:ext>
     </p:extLst>
   </p:cSld>
   <p:clrMapOvr>
     <a:masterClrMapping/>
   </p:clrMapOvr>
+  <p:timing>
+    <p:tnLst>
+      <p:par>
+        <p:cTn id="1" dur="indefinite" restart="never" nodeType="tmRoot"/>
+      </p:par>
+    </p:tnLst>
+  </p:timing>
 </p:sld>
 </file>
 
@@ -5119,23 +5144,36 @@
           <a:bodyPr/>
           <a:lstStyle/>
           <a:p>
-            <a:r>
-              <a:rPr lang="en-US" altLang="ko-KR" dirty="0" smtClean="0"/>
-              <a:t>Results: L dependence</a:t>
-            </a:r>
-            <a:endParaRPr lang="ko-KR" altLang="en-US" dirty="0"/>
+            <a:endParaRPr lang="ko-KR" altLang="en-US"/>
+          </a:p>
+        </p:txBody>
+      </p:sp>
+      <p:sp>
+        <p:nvSpPr>
+          <p:cNvPr id="3" name="내용 개체 틀 2"/>
+          <p:cNvSpPr>
+            <a:spLocks noGrp="1"/>
+          </p:cNvSpPr>
+          <p:nvPr>
+            <p:ph idx="1"/>
+          </p:nvPr>
+        </p:nvSpPr>
+        <p:spPr/>
+        <p:txBody>
+          <a:bodyPr/>
+          <a:lstStyle/>
+          <a:p>
+            <a:endParaRPr lang="ko-KR" altLang="en-US"/>
           </a:p>
         </p:txBody>
       </p:sp>
       <p:pic>
         <p:nvPicPr>
-          <p:cNvPr id="5" name="내용 개체 틀 4"/>
+          <p:cNvPr id="5" name="그림 4"/>
           <p:cNvPicPr>
-            <a:picLocks noGrp="1" noChangeAspect="1"/>
+            <a:picLocks noChangeAspect="1"/>
           </p:cNvPicPr>
-          <p:nvPr>
-            <p:ph idx="1"/>
-          </p:nvPr>
+          <p:nvPr/>
         </p:nvPicPr>
         <p:blipFill>
           <a:blip r:embed="rId2"/>
@@ -5145,116 +5183,31 @@
         </p:blipFill>
         <p:spPr>
           <a:xfrm>
-            <a:off x="4724400" y="1676400"/>
-            <a:ext cx="4062527" cy="2607674"/>
+            <a:off x="624840" y="542636"/>
+            <a:ext cx="7894320" cy="5638800"/>
           </a:xfrm>
           <a:prstGeom prst="rect">
             <a:avLst/>
           </a:prstGeom>
         </p:spPr>
       </p:pic>
-      <p:pic>
-        <p:nvPicPr>
-          <p:cNvPr id="4" name="그림 3"/>
-          <p:cNvPicPr>
-            <a:picLocks noChangeAspect="1"/>
-          </p:cNvPicPr>
-          <p:nvPr/>
-        </p:nvPicPr>
-        <p:blipFill>
-          <a:blip r:embed="rId3"/>
-          <a:stretch>
-            <a:fillRect/>
-          </a:stretch>
-        </p:blipFill>
-        <p:spPr>
-          <a:xfrm>
-            <a:off x="228600" y="1676400"/>
-            <a:ext cx="4089598" cy="2721973"/>
-          </a:xfrm>
-          <a:prstGeom prst="rect">
-            <a:avLst/>
-          </a:prstGeom>
-        </p:spPr>
-      </p:pic>
-      <p:sp>
-        <p:nvSpPr>
-          <p:cNvPr id="6" name="TextBox 5"/>
-          <p:cNvSpPr txBox="1"/>
-          <p:nvPr/>
-        </p:nvSpPr>
-        <p:spPr>
-          <a:xfrm>
-            <a:off x="979455" y="4724400"/>
-            <a:ext cx="1293944" cy="369332"/>
-          </a:xfrm>
-          <a:prstGeom prst="rect">
-            <a:avLst/>
-          </a:prstGeom>
-          <a:noFill/>
-        </p:spPr>
-        <p:txBody>
-          <a:bodyPr wrap="none" rtlCol="0">
-            <a:spAutoFit/>
-          </a:bodyPr>
-          <a:lstStyle/>
-          <a:p>
-            <a:r>
-              <a:rPr lang="en-US" altLang="ko-KR" dirty="0" err="1" smtClean="0"/>
-              <a:t>Lt_outer</a:t>
-            </a:r>
-            <a:r>
-              <a:rPr lang="en-US" altLang="ko-KR" dirty="0" smtClean="0"/>
-              <a:t>=0</a:t>
-            </a:r>
-            <a:endParaRPr lang="ko-KR" altLang="en-US" dirty="0"/>
-          </a:p>
-        </p:txBody>
-      </p:sp>
-      <p:sp>
-        <p:nvSpPr>
-          <p:cNvPr id="7" name="TextBox 6"/>
-          <p:cNvSpPr txBox="1"/>
-          <p:nvPr/>
-        </p:nvSpPr>
-        <p:spPr>
-          <a:xfrm>
-            <a:off x="5335456" y="4659868"/>
-            <a:ext cx="1293944" cy="369332"/>
-          </a:xfrm>
-          <a:prstGeom prst="rect">
-            <a:avLst/>
-          </a:prstGeom>
-          <a:noFill/>
-        </p:spPr>
-        <p:txBody>
-          <a:bodyPr wrap="none" rtlCol="0">
-            <a:spAutoFit/>
-          </a:bodyPr>
-          <a:lstStyle/>
-          <a:p>
-            <a:r>
-              <a:rPr lang="en-US" altLang="ko-KR" dirty="0" err="1" smtClean="0"/>
-              <a:t>Lt_outer</a:t>
-            </a:r>
-            <a:r>
-              <a:rPr lang="en-US" altLang="ko-KR" dirty="0" smtClean="0"/>
-              <a:t>=5</a:t>
-            </a:r>
-            <a:endParaRPr lang="ko-KR" altLang="en-US" dirty="0"/>
-          </a:p>
-        </p:txBody>
-      </p:sp>
     </p:spTree>
     <p:extLst>
       <p:ext uri="{BB962C8B-B14F-4D97-AF65-F5344CB8AC3E}">
-        <p14:creationId xmlns:p14="http://schemas.microsoft.com/office/powerpoint/2010/main" val="1932132422"/>
+        <p14:creationId xmlns:p14="http://schemas.microsoft.com/office/powerpoint/2010/main" val="3537148635"/>
       </p:ext>
     </p:extLst>
   </p:cSld>
   <p:clrMapOvr>
     <a:masterClrMapping/>
   </p:clrMapOvr>
+  <p:timing>
+    <p:tnLst>
+      <p:par>
+        <p:cTn id="1" dur="indefinite" restart="never" nodeType="tmRoot"/>
+      </p:par>
+    </p:tnLst>
+  </p:timing>
 </p:sld>
 </file>
 
@@ -5275,29 +5228,6 @@
           <a:chExt cx="0" cy="0"/>
         </a:xfrm>
       </p:grpSpPr>
-      <p:sp>
-        <p:nvSpPr>
-          <p:cNvPr id="2" name="제목 1"/>
-          <p:cNvSpPr>
-            <a:spLocks noGrp="1"/>
-          </p:cNvSpPr>
-          <p:nvPr>
-            <p:ph type="title"/>
-          </p:nvPr>
-        </p:nvSpPr>
-        <p:spPr/>
-        <p:txBody>
-          <a:bodyPr/>
-          <a:lstStyle/>
-          <a:p>
-            <a:r>
-              <a:rPr lang="en-US" altLang="ko-KR" dirty="0" smtClean="0"/>
-              <a:t>Results</a:t>
-            </a:r>
-            <a:endParaRPr lang="ko-KR" altLang="en-US" dirty="0"/>
-          </a:p>
-        </p:txBody>
-      </p:sp>
       <p:pic>
         <p:nvPicPr>
           <p:cNvPr id="4" name="그림 3"/>
@@ -5314,8 +5244,8 @@
         </p:blipFill>
         <p:spPr>
           <a:xfrm>
-            <a:off x="381000" y="1447800"/>
-            <a:ext cx="4800600" cy="3139825"/>
+            <a:off x="228600" y="457200"/>
+            <a:ext cx="5982535" cy="1162212"/>
           </a:xfrm>
           <a:prstGeom prst="rect">
             <a:avLst/>
@@ -5338,8 +5268,8 @@
         </p:blipFill>
         <p:spPr>
           <a:xfrm>
-            <a:off x="5562600" y="1752600"/>
-            <a:ext cx="2452988" cy="445998"/>
+            <a:off x="304800" y="1905000"/>
+            <a:ext cx="2363151" cy="3048000"/>
           </a:xfrm>
           <a:prstGeom prst="rect">
             <a:avLst/>
@@ -5362,8 +5292,8 @@
         </p:blipFill>
         <p:spPr>
           <a:xfrm>
-            <a:off x="5357446" y="2387485"/>
-            <a:ext cx="1752600" cy="384224"/>
+            <a:off x="3048000" y="1981200"/>
+            <a:ext cx="2194254" cy="2286000"/>
           </a:xfrm>
           <a:prstGeom prst="rect">
             <a:avLst/>
@@ -5386,8 +5316,8 @@
         </p:blipFill>
         <p:spPr>
           <a:xfrm>
-            <a:off x="5357446" y="3602211"/>
-            <a:ext cx="1600200" cy="316389"/>
+            <a:off x="5595926" y="1780610"/>
+            <a:ext cx="2632860" cy="4973180"/>
           </a:xfrm>
           <a:prstGeom prst="rect">
             <a:avLst/>
@@ -5396,7 +5326,7 @@
       </p:pic>
       <p:pic>
         <p:nvPicPr>
-          <p:cNvPr id="8" name="그림 7"/>
+          <p:cNvPr id="2" name="그림 1"/>
           <p:cNvPicPr>
             <a:picLocks noChangeAspect="1"/>
           </p:cNvPicPr>
@@ -5410,160 +5340,31 @@
         </p:blipFill>
         <p:spPr>
           <a:xfrm>
-            <a:off x="7391400" y="2427198"/>
-            <a:ext cx="1479660" cy="304799"/>
+            <a:off x="1921126" y="5410200"/>
+            <a:ext cx="1493649" cy="281964"/>
           </a:xfrm>
           <a:prstGeom prst="rect">
             <a:avLst/>
           </a:prstGeom>
         </p:spPr>
       </p:pic>
-      <p:pic>
-        <p:nvPicPr>
-          <p:cNvPr id="9" name="그림 8"/>
-          <p:cNvPicPr>
-            <a:picLocks noChangeAspect="1"/>
-          </p:cNvPicPr>
-          <p:nvPr/>
-        </p:nvPicPr>
-        <p:blipFill>
-          <a:blip r:embed="rId7"/>
-          <a:stretch>
-            <a:fillRect/>
-          </a:stretch>
-        </p:blipFill>
-        <p:spPr>
-          <a:xfrm>
-            <a:off x="7391400" y="3602211"/>
-            <a:ext cx="1597270" cy="287744"/>
-          </a:xfrm>
-          <a:prstGeom prst="rect">
-            <a:avLst/>
-          </a:prstGeom>
-        </p:spPr>
-      </p:pic>
-      <p:sp>
-        <p:nvSpPr>
-          <p:cNvPr id="10" name="TextBox 9"/>
-          <p:cNvSpPr txBox="1"/>
-          <p:nvPr/>
-        </p:nvSpPr>
-        <p:spPr>
-          <a:xfrm>
-            <a:off x="609600" y="4608140"/>
-            <a:ext cx="3822521" cy="369332"/>
-          </a:xfrm>
-          <a:prstGeom prst="rect">
-            <a:avLst/>
-          </a:prstGeom>
-          <a:noFill/>
-        </p:spPr>
-        <p:txBody>
-          <a:bodyPr wrap="none" rtlCol="0">
-            <a:spAutoFit/>
-          </a:bodyPr>
-          <a:lstStyle/>
-          <a:p>
-            <a:r>
-              <a:rPr lang="en-US" altLang="ko-KR" dirty="0" smtClean="0"/>
-              <a:t>NLEFT in Cubic lattice calculation : </a:t>
-            </a:r>
-            <a:endParaRPr lang="ko-KR" altLang="en-US" dirty="0"/>
-          </a:p>
-        </p:txBody>
-      </p:sp>
-      <p:pic>
-        <p:nvPicPr>
-          <p:cNvPr id="11" name="그림 10"/>
-          <p:cNvPicPr>
-            <a:picLocks noChangeAspect="1"/>
-          </p:cNvPicPr>
-          <p:nvPr/>
-        </p:nvPicPr>
-        <p:blipFill>
-          <a:blip r:embed="rId8"/>
-          <a:stretch>
-            <a:fillRect/>
-          </a:stretch>
-        </p:blipFill>
-        <p:spPr>
-          <a:xfrm>
-            <a:off x="5281038" y="4610017"/>
-            <a:ext cx="3658015" cy="357594"/>
-          </a:xfrm>
-          <a:prstGeom prst="rect">
-            <a:avLst/>
-          </a:prstGeom>
-        </p:spPr>
-      </p:pic>
-      <p:sp>
-        <p:nvSpPr>
-          <p:cNvPr id="12" name="TextBox 11"/>
-          <p:cNvSpPr txBox="1"/>
-          <p:nvPr/>
-        </p:nvSpPr>
-        <p:spPr>
-          <a:xfrm>
-            <a:off x="948611" y="5185193"/>
-            <a:ext cx="6442789" cy="1477328"/>
-          </a:xfrm>
-          <a:prstGeom prst="rect">
-            <a:avLst/>
-          </a:prstGeom>
-          <a:noFill/>
-        </p:spPr>
-        <p:txBody>
-          <a:bodyPr wrap="none" rtlCol="0">
-            <a:spAutoFit/>
-          </a:bodyPr>
-          <a:lstStyle/>
-          <a:p>
-            <a:r>
-              <a:rPr lang="en-US" altLang="ko-KR" dirty="0" smtClean="0"/>
-              <a:t>Consistent with </a:t>
-            </a:r>
-          </a:p>
-          <a:p>
-            <a:r>
-              <a:rPr lang="en-US" altLang="ko-KR" dirty="0" smtClean="0"/>
-              <a:t>QMC calculations :   0.366(2) in zero-temperature</a:t>
-            </a:r>
-          </a:p>
-          <a:p>
-            <a:r>
-              <a:rPr lang="en-US" altLang="ko-KR" dirty="0"/>
-              <a:t> </a:t>
-            </a:r>
-            <a:r>
-              <a:rPr lang="en-US" altLang="ko-KR" dirty="0" smtClean="0"/>
-              <a:t>                                0.367(7)  zero-temperature extrapolation</a:t>
-            </a:r>
-          </a:p>
-          <a:p>
-            <a:r>
-              <a:rPr lang="en-US" altLang="ko-KR" dirty="0" smtClean="0"/>
-              <a:t>Fixed node diffusion MC and DFT : upper bound 0.383(1)</a:t>
-            </a:r>
-          </a:p>
-          <a:p>
-            <a:r>
-              <a:rPr lang="en-US" altLang="ko-KR" dirty="0" smtClean="0"/>
-              <a:t>Experiment  : 0.376(4)                                                    </a:t>
-            </a:r>
-            <a:endParaRPr lang="ko-KR" altLang="en-US" dirty="0"/>
-          </a:p>
-        </p:txBody>
-      </p:sp>
     </p:spTree>
     <p:extLst>
       <p:ext uri="{BB962C8B-B14F-4D97-AF65-F5344CB8AC3E}">
-        <p14:creationId xmlns:p14="http://schemas.microsoft.com/office/powerpoint/2010/main" val="432805753"/>
+        <p14:creationId xmlns:p14="http://schemas.microsoft.com/office/powerpoint/2010/main" val="3842968198"/>
       </p:ext>
     </p:extLst>
   </p:cSld>
   <p:clrMapOvr>
     <a:masterClrMapping/>
   </p:clrMapOvr>
+  <p:timing>
+    <p:tnLst>
+      <p:par>
+        <p:cTn id="1" dur="indefinite" restart="never" nodeType="tmRoot"/>
+      </p:par>
+    </p:tnLst>
+  </p:timing>
 </p:sld>
 </file>
 
@@ -5709,90 +5510,178 @@
           <a:chExt cx="0" cy="0"/>
         </a:xfrm>
       </p:grpSpPr>
-      <p:sp>
-        <p:nvSpPr>
-          <p:cNvPr id="2" name="제목 1"/>
-          <p:cNvSpPr>
-            <a:spLocks noGrp="1"/>
-          </p:cNvSpPr>
-          <p:nvPr>
-            <p:ph type="title"/>
-          </p:nvPr>
-        </p:nvSpPr>
-        <p:spPr/>
-        <p:txBody>
-          <a:bodyPr/>
-          <a:lstStyle/>
-          <a:p>
-            <a:r>
-              <a:rPr lang="en-US" altLang="ko-KR" dirty="0" smtClean="0"/>
-              <a:t>Discussion</a:t>
-            </a:r>
-            <a:endParaRPr lang="ko-KR" altLang="en-US" dirty="0"/>
-          </a:p>
-        </p:txBody>
-      </p:sp>
-      <p:sp>
-        <p:nvSpPr>
-          <p:cNvPr id="3" name="내용 개체 틀 2"/>
-          <p:cNvSpPr>
-            <a:spLocks noGrp="1"/>
-          </p:cNvSpPr>
-          <p:nvPr>
-            <p:ph idx="1"/>
-          </p:nvPr>
-        </p:nvSpPr>
-        <p:spPr/>
-        <p:txBody>
-          <a:bodyPr>
-            <a:normAutofit/>
-          </a:bodyPr>
-          <a:lstStyle/>
-          <a:p>
-            <a:r>
-              <a:rPr lang="en-US" altLang="ko-KR" dirty="0" smtClean="0"/>
-              <a:t>We confirm the regularization independence of NLEFT calculation for Unitary Fermion Gas. </a:t>
-            </a:r>
-          </a:p>
-          <a:p>
-            <a:r>
-              <a:rPr lang="en-US" altLang="ko-KR" dirty="0" err="1" smtClean="0"/>
-              <a:t>Bertsch</a:t>
-            </a:r>
-            <a:r>
-              <a:rPr lang="en-US" altLang="ko-KR" dirty="0" smtClean="0"/>
-              <a:t> parameter of UFG estimated 0.369(3) ~ 0.373(2)</a:t>
-            </a:r>
-          </a:p>
-          <a:p>
-            <a:r>
-              <a:rPr lang="en-US" altLang="ko-KR" dirty="0" smtClean="0"/>
-              <a:t>BCC lattice calculation shows faster convergence between </a:t>
-            </a:r>
-            <a:r>
-              <a:rPr lang="en-US" altLang="ko-KR" dirty="0" err="1" smtClean="0"/>
-              <a:t>beta^finite</a:t>
-            </a:r>
-            <a:r>
-              <a:rPr lang="en-US" altLang="ko-KR" dirty="0" smtClean="0"/>
-              <a:t> and </a:t>
-            </a:r>
-            <a:r>
-              <a:rPr lang="en-US" altLang="ko-KR" dirty="0" err="1" smtClean="0"/>
-              <a:t>beta^therm</a:t>
-            </a:r>
-            <a:r>
-              <a:rPr lang="en-US" altLang="ko-KR" dirty="0" smtClean="0"/>
-              <a:t>. BCC lattice requires larger number of lattice points for the same lattice size. However, for the similar number of lattice points, computational cost is similar for BCC and cubic lattice. </a:t>
-            </a:r>
-            <a:endParaRPr lang="ko-KR" altLang="en-US" dirty="0"/>
-          </a:p>
-        </p:txBody>
-      </p:sp>
+      <p:pic>
+        <p:nvPicPr>
+          <p:cNvPr id="2" name="그림 1"/>
+          <p:cNvPicPr>
+            <a:picLocks noChangeAspect="1"/>
+          </p:cNvPicPr>
+          <p:nvPr/>
+        </p:nvPicPr>
+        <p:blipFill>
+          <a:blip r:embed="rId2"/>
+          <a:stretch>
+            <a:fillRect/>
+          </a:stretch>
+        </p:blipFill>
+        <p:spPr>
+          <a:xfrm>
+            <a:off x="304800" y="533400"/>
+            <a:ext cx="5158363" cy="1828800"/>
+          </a:xfrm>
+          <a:prstGeom prst="rect">
+            <a:avLst/>
+          </a:prstGeom>
+        </p:spPr>
+      </p:pic>
+      <p:pic>
+        <p:nvPicPr>
+          <p:cNvPr id="3" name="그림 2"/>
+          <p:cNvPicPr>
+            <a:picLocks noChangeAspect="1"/>
+          </p:cNvPicPr>
+          <p:nvPr/>
+        </p:nvPicPr>
+        <p:blipFill>
+          <a:blip r:embed="rId3"/>
+          <a:stretch>
+            <a:fillRect/>
+          </a:stretch>
+        </p:blipFill>
+        <p:spPr>
+          <a:xfrm>
+            <a:off x="304800" y="2514600"/>
+            <a:ext cx="3508661" cy="580570"/>
+          </a:xfrm>
+          <a:prstGeom prst="rect">
+            <a:avLst/>
+          </a:prstGeom>
+        </p:spPr>
+      </p:pic>
+      <p:pic>
+        <p:nvPicPr>
+          <p:cNvPr id="4" name="그림 3"/>
+          <p:cNvPicPr>
+            <a:picLocks noChangeAspect="1"/>
+          </p:cNvPicPr>
+          <p:nvPr/>
+        </p:nvPicPr>
+        <p:blipFill>
+          <a:blip r:embed="rId4"/>
+          <a:stretch>
+            <a:fillRect/>
+          </a:stretch>
+        </p:blipFill>
+        <p:spPr>
+          <a:xfrm>
+            <a:off x="685800" y="4495800"/>
+            <a:ext cx="3405663" cy="2114845"/>
+          </a:xfrm>
+          <a:prstGeom prst="rect">
+            <a:avLst/>
+          </a:prstGeom>
+        </p:spPr>
+      </p:pic>
+      <p:pic>
+        <p:nvPicPr>
+          <p:cNvPr id="5" name="그림 4"/>
+          <p:cNvPicPr>
+            <a:picLocks noChangeAspect="1"/>
+          </p:cNvPicPr>
+          <p:nvPr/>
+        </p:nvPicPr>
+        <p:blipFill>
+          <a:blip r:embed="rId5"/>
+          <a:stretch>
+            <a:fillRect/>
+          </a:stretch>
+        </p:blipFill>
+        <p:spPr>
+          <a:xfrm>
+            <a:off x="5791200" y="1600200"/>
+            <a:ext cx="2450649" cy="2006883"/>
+          </a:xfrm>
+          <a:prstGeom prst="rect">
+            <a:avLst/>
+          </a:prstGeom>
+        </p:spPr>
+      </p:pic>
+      <p:pic>
+        <p:nvPicPr>
+          <p:cNvPr id="6" name="그림 5"/>
+          <p:cNvPicPr>
+            <a:picLocks noChangeAspect="1"/>
+          </p:cNvPicPr>
+          <p:nvPr/>
+        </p:nvPicPr>
+        <p:blipFill>
+          <a:blip r:embed="rId6"/>
+          <a:stretch>
+            <a:fillRect/>
+          </a:stretch>
+        </p:blipFill>
+        <p:spPr>
+          <a:xfrm>
+            <a:off x="5782408" y="3962400"/>
+            <a:ext cx="2667000" cy="2440984"/>
+          </a:xfrm>
+          <a:prstGeom prst="rect">
+            <a:avLst/>
+          </a:prstGeom>
+        </p:spPr>
+      </p:pic>
+      <p:pic>
+        <p:nvPicPr>
+          <p:cNvPr id="7" name="그림 6"/>
+          <p:cNvPicPr>
+            <a:picLocks noChangeAspect="1"/>
+          </p:cNvPicPr>
+          <p:nvPr/>
+        </p:nvPicPr>
+        <p:blipFill>
+          <a:blip r:embed="rId7"/>
+          <a:stretch>
+            <a:fillRect/>
+          </a:stretch>
+        </p:blipFill>
+        <p:spPr>
+          <a:xfrm>
+            <a:off x="458931" y="3095170"/>
+            <a:ext cx="2895600" cy="455023"/>
+          </a:xfrm>
+          <a:prstGeom prst="rect">
+            <a:avLst/>
+          </a:prstGeom>
+        </p:spPr>
+      </p:pic>
+      <p:pic>
+        <p:nvPicPr>
+          <p:cNvPr id="8" name="그림 7"/>
+          <p:cNvPicPr>
+            <a:picLocks noChangeAspect="1"/>
+          </p:cNvPicPr>
+          <p:nvPr/>
+        </p:nvPicPr>
+        <p:blipFill>
+          <a:blip r:embed="rId8"/>
+          <a:stretch>
+            <a:fillRect/>
+          </a:stretch>
+        </p:blipFill>
+        <p:spPr>
+          <a:xfrm>
+            <a:off x="475107" y="3645434"/>
+            <a:ext cx="1733792" cy="395343"/>
+          </a:xfrm>
+          <a:prstGeom prst="rect">
+            <a:avLst/>
+          </a:prstGeom>
+        </p:spPr>
+      </p:pic>
     </p:spTree>
     <p:extLst>
       <p:ext uri="{BB962C8B-B14F-4D97-AF65-F5344CB8AC3E}">
-        <p14:creationId xmlns:p14="http://schemas.microsoft.com/office/powerpoint/2010/main" val="3803415619"/>
+        <p14:creationId xmlns:p14="http://schemas.microsoft.com/office/powerpoint/2010/main" val="2125197513"/>
       </p:ext>
     </p:extLst>
   </p:cSld>
@@ -5809,7 +5698,7 @@
 </p:sld>
 </file>
 
-<file path=ppt/slides/slide3.xml><?xml version="1.0" encoding="utf-8"?>
+<file path=ppt/slides/slide21.xml><?xml version="1.0" encoding="utf-8"?>
 <p:sld xmlns:a="http://schemas.openxmlformats.org/drawingml/2006/main" xmlns:r="http://schemas.openxmlformats.org/officeDocument/2006/relationships" xmlns:p="http://schemas.openxmlformats.org/presentationml/2006/main">
   <p:cSld>
     <p:spTree>
@@ -5940,10 +5829,17 @@
   <p:clrMapOvr>
     <a:masterClrMapping/>
   </p:clrMapOvr>
+  <p:timing>
+    <p:tnLst>
+      <p:par>
+        <p:cTn id="1" dur="indefinite" restart="never" nodeType="tmRoot"/>
+      </p:par>
+    </p:tnLst>
+  </p:timing>
 </p:sld>
 </file>
 
-<file path=ppt/slides/slide4.xml><?xml version="1.0" encoding="utf-8"?>
+<file path=ppt/slides/slide22.xml><?xml version="1.0" encoding="utf-8"?>
 <p:sld xmlns:a="http://schemas.openxmlformats.org/drawingml/2006/main" xmlns:r="http://schemas.openxmlformats.org/officeDocument/2006/relationships" xmlns:p="http://schemas.openxmlformats.org/presentationml/2006/main">
   <p:cSld>
     <p:spTree>
@@ -6224,6 +6120,2355 @@
   <p:clrMapOvr>
     <a:masterClrMapping/>
   </p:clrMapOvr>
+  <p:timing>
+    <p:tnLst>
+      <p:par>
+        <p:cTn id="1" dur="indefinite" restart="never" nodeType="tmRoot"/>
+      </p:par>
+    </p:tnLst>
+  </p:timing>
+</p:sld>
+</file>
+
+<file path=ppt/slides/slide23.xml><?xml version="1.0" encoding="utf-8"?>
+<p:sld xmlns:a="http://schemas.openxmlformats.org/drawingml/2006/main" xmlns:r="http://schemas.openxmlformats.org/officeDocument/2006/relationships" xmlns:p="http://schemas.openxmlformats.org/presentationml/2006/main">
+  <p:cSld>
+    <p:spTree>
+      <p:nvGrpSpPr>
+        <p:cNvPr id="1" name=""/>
+        <p:cNvGrpSpPr/>
+        <p:nvPr/>
+      </p:nvGrpSpPr>
+      <p:grpSpPr>
+        <a:xfrm>
+          <a:off x="0" y="0"/>
+          <a:ext cx="0" cy="0"/>
+          <a:chOff x="0" y="0"/>
+          <a:chExt cx="0" cy="0"/>
+        </a:xfrm>
+      </p:grpSpPr>
+      <p:sp>
+        <p:nvSpPr>
+          <p:cNvPr id="2" name="제목 1"/>
+          <p:cNvSpPr>
+            <a:spLocks noGrp="1"/>
+          </p:cNvSpPr>
+          <p:nvPr>
+            <p:ph type="title"/>
+          </p:nvPr>
+        </p:nvSpPr>
+        <p:spPr/>
+        <p:txBody>
+          <a:bodyPr/>
+          <a:lstStyle/>
+          <a:p>
+            <a:r>
+              <a:rPr lang="en-US" altLang="ko-KR" dirty="0" smtClean="0"/>
+              <a:t>Unitary Fermion Gas in BCC lattice</a:t>
+            </a:r>
+            <a:endParaRPr lang="ko-KR" altLang="en-US" dirty="0"/>
+          </a:p>
+        </p:txBody>
+      </p:sp>
+      <p:sp>
+        <p:nvSpPr>
+          <p:cNvPr id="3" name="내용 개체 틀 2"/>
+          <p:cNvSpPr>
+            <a:spLocks noGrp="1"/>
+          </p:cNvSpPr>
+          <p:nvPr>
+            <p:ph idx="1"/>
+          </p:nvPr>
+        </p:nvSpPr>
+        <p:spPr/>
+        <p:txBody>
+          <a:bodyPr>
+            <a:normAutofit/>
+          </a:bodyPr>
+          <a:lstStyle/>
+          <a:p>
+            <a:endParaRPr lang="en-US" altLang="ko-KR" dirty="0" smtClean="0">
+              <a:sym typeface="Wingdings" panose="05000000000000000000" pitchFamily="2" charset="2"/>
+            </a:endParaRPr>
+          </a:p>
+          <a:p>
+            <a:endParaRPr lang="ko-KR" altLang="en-US" dirty="0"/>
+          </a:p>
+        </p:txBody>
+      </p:sp>
+      <p:pic>
+        <p:nvPicPr>
+          <p:cNvPr id="6" name="그림 5"/>
+          <p:cNvPicPr>
+            <a:picLocks noChangeAspect="1"/>
+          </p:cNvPicPr>
+          <p:nvPr/>
+        </p:nvPicPr>
+        <p:blipFill>
+          <a:blip r:embed="rId2"/>
+          <a:stretch>
+            <a:fillRect/>
+          </a:stretch>
+        </p:blipFill>
+        <p:spPr>
+          <a:xfrm>
+            <a:off x="483577" y="3499925"/>
+            <a:ext cx="4683215" cy="1667009"/>
+          </a:xfrm>
+          <a:prstGeom prst="rect">
+            <a:avLst/>
+          </a:prstGeom>
+        </p:spPr>
+      </p:pic>
+      <p:pic>
+        <p:nvPicPr>
+          <p:cNvPr id="7" name="그림 6"/>
+          <p:cNvPicPr>
+            <a:picLocks noChangeAspect="1"/>
+          </p:cNvPicPr>
+          <p:nvPr/>
+        </p:nvPicPr>
+        <p:blipFill>
+          <a:blip r:embed="rId3"/>
+          <a:stretch>
+            <a:fillRect/>
+          </a:stretch>
+        </p:blipFill>
+        <p:spPr>
+          <a:xfrm>
+            <a:off x="533400" y="1524000"/>
+            <a:ext cx="2133600" cy="1776195"/>
+          </a:xfrm>
+          <a:prstGeom prst="rect">
+            <a:avLst/>
+          </a:prstGeom>
+        </p:spPr>
+      </p:pic>
+      <p:pic>
+        <p:nvPicPr>
+          <p:cNvPr id="9" name="그림 8"/>
+          <p:cNvPicPr>
+            <a:picLocks noChangeAspect="1"/>
+          </p:cNvPicPr>
+          <p:nvPr/>
+        </p:nvPicPr>
+        <p:blipFill>
+          <a:blip r:embed="rId4"/>
+          <a:stretch>
+            <a:fillRect/>
+          </a:stretch>
+        </p:blipFill>
+        <p:spPr>
+          <a:xfrm>
+            <a:off x="6477000" y="1488767"/>
+            <a:ext cx="1828800" cy="1571222"/>
+          </a:xfrm>
+          <a:prstGeom prst="rect">
+            <a:avLst/>
+          </a:prstGeom>
+        </p:spPr>
+      </p:pic>
+      <p:sp>
+        <p:nvSpPr>
+          <p:cNvPr id="10" name="TextBox 9"/>
+          <p:cNvSpPr txBox="1"/>
+          <p:nvPr/>
+        </p:nvSpPr>
+        <p:spPr>
+          <a:xfrm>
+            <a:off x="3383513" y="1488767"/>
+            <a:ext cx="2864887" cy="923330"/>
+          </a:xfrm>
+          <a:prstGeom prst="rect">
+            <a:avLst/>
+          </a:prstGeom>
+          <a:noFill/>
+        </p:spPr>
+        <p:txBody>
+          <a:bodyPr wrap="none" rtlCol="0">
+            <a:spAutoFit/>
+          </a:bodyPr>
+          <a:lstStyle/>
+          <a:p>
+            <a:r>
+              <a:rPr lang="en-US" altLang="ko-KR" dirty="0" smtClean="0"/>
+              <a:t>Universality of unitary limit</a:t>
+            </a:r>
+          </a:p>
+          <a:p>
+            <a:r>
+              <a:rPr lang="en-US" altLang="ko-KR" dirty="0" smtClean="0"/>
+              <a:t>Of many fermion system</a:t>
+            </a:r>
+          </a:p>
+          <a:p>
+            <a:r>
+              <a:rPr lang="en-US" altLang="ko-KR" dirty="0" smtClean="0">
+                <a:sym typeface="Wingdings" panose="05000000000000000000" pitchFamily="2" charset="2"/>
+              </a:rPr>
+              <a:t> </a:t>
+            </a:r>
+            <a:r>
+              <a:rPr lang="en-US" altLang="ko-KR" dirty="0" err="1" smtClean="0">
+                <a:sym typeface="Wingdings" panose="05000000000000000000" pitchFamily="2" charset="2"/>
+              </a:rPr>
+              <a:t>Bertsch</a:t>
+            </a:r>
+            <a:r>
+              <a:rPr lang="en-US" altLang="ko-KR" dirty="0" smtClean="0">
+                <a:sym typeface="Wingdings" panose="05000000000000000000" pitchFamily="2" charset="2"/>
+              </a:rPr>
+              <a:t> Parameter</a:t>
+            </a:r>
+            <a:endParaRPr lang="ko-KR" altLang="en-US" dirty="0"/>
+          </a:p>
+        </p:txBody>
+      </p:sp>
+      <p:sp>
+        <p:nvSpPr>
+          <p:cNvPr id="12" name="TextBox 11"/>
+          <p:cNvSpPr txBox="1"/>
+          <p:nvPr/>
+        </p:nvSpPr>
+        <p:spPr>
+          <a:xfrm>
+            <a:off x="5638800" y="3499925"/>
+            <a:ext cx="3276600" cy="1477328"/>
+          </a:xfrm>
+          <a:prstGeom prst="rect">
+            <a:avLst/>
+          </a:prstGeom>
+          <a:noFill/>
+        </p:spPr>
+        <p:txBody>
+          <a:bodyPr wrap="square" rtlCol="0">
+            <a:spAutoFit/>
+          </a:bodyPr>
+          <a:lstStyle/>
+          <a:p>
+            <a:r>
+              <a:rPr lang="en-US" altLang="ko-KR" dirty="0" smtClean="0"/>
+              <a:t>Experiment in</a:t>
+            </a:r>
+          </a:p>
+          <a:p>
+            <a:r>
+              <a:rPr lang="en-US" altLang="ko-KR" dirty="0" err="1" smtClean="0"/>
+              <a:t>Ultracold</a:t>
+            </a:r>
+            <a:r>
+              <a:rPr lang="en-US" altLang="ko-KR" dirty="0" smtClean="0"/>
+              <a:t> trapped atoms</a:t>
+            </a:r>
+          </a:p>
+          <a:p>
+            <a:r>
+              <a:rPr lang="en-US" altLang="ko-KR" dirty="0" smtClean="0"/>
+              <a:t>(</a:t>
+            </a:r>
+            <a:r>
+              <a:rPr lang="en-US" altLang="ko-KR" dirty="0"/>
+              <a:t>M. J. H. </a:t>
+            </a:r>
+            <a:r>
+              <a:rPr lang="en-US" altLang="ko-KR" dirty="0" smtClean="0"/>
+              <a:t>Ku et al, </a:t>
+            </a:r>
+            <a:r>
+              <a:rPr lang="en-US" altLang="ko-KR" dirty="0"/>
+              <a:t>Science 335, 563-567 (2012</a:t>
+            </a:r>
+            <a:r>
+              <a:rPr lang="en-US" altLang="ko-KR" dirty="0" smtClean="0"/>
+              <a:t>).)</a:t>
+            </a:r>
+          </a:p>
+          <a:p>
+            <a:r>
+              <a:rPr lang="en-US" altLang="ko-KR" dirty="0" err="1" smtClean="0"/>
+              <a:t>Bertch</a:t>
+            </a:r>
+            <a:r>
+              <a:rPr lang="en-US" altLang="ko-KR" dirty="0" smtClean="0"/>
+              <a:t> parameter ~ 0.376(4)</a:t>
+            </a:r>
+            <a:endParaRPr lang="ko-KR" altLang="en-US" dirty="0"/>
+          </a:p>
+        </p:txBody>
+      </p:sp>
+      <p:sp>
+        <p:nvSpPr>
+          <p:cNvPr id="13" name="TextBox 12"/>
+          <p:cNvSpPr txBox="1"/>
+          <p:nvPr/>
+        </p:nvSpPr>
+        <p:spPr>
+          <a:xfrm>
+            <a:off x="807751" y="5455142"/>
+            <a:ext cx="5720477" cy="923330"/>
+          </a:xfrm>
+          <a:prstGeom prst="rect">
+            <a:avLst/>
+          </a:prstGeom>
+          <a:noFill/>
+        </p:spPr>
+        <p:txBody>
+          <a:bodyPr wrap="none" rtlCol="0">
+            <a:spAutoFit/>
+          </a:bodyPr>
+          <a:lstStyle/>
+          <a:p>
+            <a:r>
+              <a:rPr lang="en-US" altLang="ko-KR" dirty="0" smtClean="0"/>
+              <a:t>Many theoretical calculation exists including NLEFT.</a:t>
+            </a:r>
+          </a:p>
+          <a:p>
+            <a:r>
+              <a:rPr lang="en-US" altLang="ko-KR" dirty="0" smtClean="0"/>
+              <a:t>Previous NLEFT calculation was done in cubic lattice. </a:t>
+            </a:r>
+          </a:p>
+          <a:p>
+            <a:r>
+              <a:rPr lang="en-US" altLang="ko-KR" dirty="0" smtClean="0"/>
+              <a:t>Here we applied NLEFT in BCC lattice . </a:t>
+            </a:r>
+            <a:endParaRPr lang="ko-KR" altLang="en-US" dirty="0"/>
+          </a:p>
+        </p:txBody>
+      </p:sp>
+    </p:spTree>
+    <p:extLst>
+      <p:ext uri="{BB962C8B-B14F-4D97-AF65-F5344CB8AC3E}">
+        <p14:creationId xmlns:p14="http://schemas.microsoft.com/office/powerpoint/2010/main" val="3407700620"/>
+      </p:ext>
+    </p:extLst>
+  </p:cSld>
+  <p:clrMapOvr>
+    <a:masterClrMapping/>
+  </p:clrMapOvr>
+  <p:timing>
+    <p:tnLst>
+      <p:par>
+        <p:cTn id="1" dur="indefinite" restart="never" nodeType="tmRoot"/>
+      </p:par>
+    </p:tnLst>
+  </p:timing>
+</p:sld>
+</file>
+
+<file path=ppt/slides/slide24.xml><?xml version="1.0" encoding="utf-8"?>
+<p:sld xmlns:a="http://schemas.openxmlformats.org/drawingml/2006/main" xmlns:r="http://schemas.openxmlformats.org/officeDocument/2006/relationships" xmlns:p="http://schemas.openxmlformats.org/presentationml/2006/main">
+  <p:cSld>
+    <p:spTree>
+      <p:nvGrpSpPr>
+        <p:cNvPr id="1" name=""/>
+        <p:cNvGrpSpPr/>
+        <p:nvPr/>
+      </p:nvGrpSpPr>
+      <p:grpSpPr>
+        <a:xfrm>
+          <a:off x="0" y="0"/>
+          <a:ext cx="0" cy="0"/>
+          <a:chOff x="0" y="0"/>
+          <a:chExt cx="0" cy="0"/>
+        </a:xfrm>
+      </p:grpSpPr>
+      <p:sp>
+        <p:nvSpPr>
+          <p:cNvPr id="2" name="제목 1"/>
+          <p:cNvSpPr>
+            <a:spLocks noGrp="1"/>
+          </p:cNvSpPr>
+          <p:nvPr>
+            <p:ph type="title"/>
+          </p:nvPr>
+        </p:nvSpPr>
+        <p:spPr/>
+        <p:txBody>
+          <a:bodyPr>
+            <a:normAutofit/>
+          </a:bodyPr>
+          <a:lstStyle/>
+          <a:p>
+            <a:r>
+              <a:rPr lang="en-US" altLang="ko-KR" dirty="0"/>
+              <a:t>BCC </a:t>
+            </a:r>
+            <a:r>
+              <a:rPr lang="en-US" altLang="ko-KR" dirty="0" smtClean="0"/>
+              <a:t>lattice</a:t>
+            </a:r>
+            <a:endParaRPr lang="ko-KR" altLang="en-US" dirty="0"/>
+          </a:p>
+        </p:txBody>
+      </p:sp>
+      <p:sp>
+        <p:nvSpPr>
+          <p:cNvPr id="4" name="내용 개체 틀 3"/>
+          <p:cNvSpPr>
+            <a:spLocks noGrp="1"/>
+          </p:cNvSpPr>
+          <p:nvPr>
+            <p:ph idx="1"/>
+          </p:nvPr>
+        </p:nvSpPr>
+        <p:spPr/>
+        <p:txBody>
+          <a:bodyPr/>
+          <a:lstStyle/>
+          <a:p>
+            <a:r>
+              <a:rPr lang="en-US" altLang="ko-KR" dirty="0" smtClean="0"/>
+              <a:t>Because of convenience, all NLEFT calculation has been done on cubic lattice </a:t>
+            </a:r>
+          </a:p>
+          <a:p>
+            <a:r>
+              <a:rPr lang="en-US" altLang="ko-KR" dirty="0"/>
+              <a:t>Physical result should not depends on the specific lattice</a:t>
+            </a:r>
+          </a:p>
+          <a:p>
+            <a:pPr marL="0" indent="0">
+              <a:buNone/>
+            </a:pPr>
+            <a:r>
+              <a:rPr lang="en-US" altLang="ko-KR" dirty="0"/>
+              <a:t>  structure. (lattice size, spacing, type)</a:t>
+            </a:r>
+            <a:endParaRPr lang="ko-KR" altLang="en-US" dirty="0"/>
+          </a:p>
+        </p:txBody>
+      </p:sp>
+      <p:pic>
+        <p:nvPicPr>
+          <p:cNvPr id="3" name="그림 2"/>
+          <p:cNvPicPr>
+            <a:picLocks noChangeAspect="1"/>
+          </p:cNvPicPr>
+          <p:nvPr/>
+        </p:nvPicPr>
+        <p:blipFill>
+          <a:blip r:embed="rId2"/>
+          <a:stretch>
+            <a:fillRect/>
+          </a:stretch>
+        </p:blipFill>
+        <p:spPr>
+          <a:xfrm>
+            <a:off x="424962" y="3411415"/>
+            <a:ext cx="3657600" cy="2650211"/>
+          </a:xfrm>
+          <a:prstGeom prst="rect">
+            <a:avLst/>
+          </a:prstGeom>
+        </p:spPr>
+      </p:pic>
+      <p:sp>
+        <p:nvSpPr>
+          <p:cNvPr id="6" name="TextBox 5"/>
+          <p:cNvSpPr txBox="1"/>
+          <p:nvPr/>
+        </p:nvSpPr>
+        <p:spPr>
+          <a:xfrm>
+            <a:off x="4572000" y="3576935"/>
+            <a:ext cx="4006290" cy="1754326"/>
+          </a:xfrm>
+          <a:prstGeom prst="rect">
+            <a:avLst/>
+          </a:prstGeom>
+          <a:noFill/>
+        </p:spPr>
+        <p:txBody>
+          <a:bodyPr wrap="none" rtlCol="0">
+            <a:spAutoFit/>
+          </a:bodyPr>
+          <a:lstStyle/>
+          <a:p>
+            <a:r>
+              <a:rPr lang="en-US" altLang="ko-KR" dirty="0" smtClean="0"/>
+              <a:t>BCC lattice is constructed as </a:t>
+            </a:r>
+          </a:p>
+          <a:p>
+            <a:r>
+              <a:rPr lang="en-US" altLang="ko-KR" dirty="0" smtClean="0"/>
+              <a:t>Two cubic lattice</a:t>
+            </a:r>
+          </a:p>
+          <a:p>
+            <a:endParaRPr lang="en-US" altLang="ko-KR" dirty="0"/>
+          </a:p>
+          <a:p>
+            <a:r>
+              <a:rPr lang="en-US" altLang="ko-KR" dirty="0" smtClean="0"/>
+              <a:t>Lattice spacing a=1/100 MeV^-1</a:t>
+            </a:r>
+          </a:p>
+          <a:p>
+            <a:r>
+              <a:rPr lang="en-US" altLang="ko-KR" dirty="0" smtClean="0"/>
+              <a:t>Lattice Time step at = 1/1000 MeV^-1</a:t>
+            </a:r>
+          </a:p>
+          <a:p>
+            <a:r>
+              <a:rPr lang="en-US" altLang="ko-KR" dirty="0" smtClean="0"/>
+              <a:t>(For outer region at’=1/200 MeV^-1)</a:t>
+            </a:r>
+            <a:endParaRPr lang="ko-KR" altLang="en-US" dirty="0"/>
+          </a:p>
+        </p:txBody>
+      </p:sp>
+    </p:spTree>
+    <p:extLst>
+      <p:ext uri="{BB962C8B-B14F-4D97-AF65-F5344CB8AC3E}">
+        <p14:creationId xmlns:p14="http://schemas.microsoft.com/office/powerpoint/2010/main" val="2028665360"/>
+      </p:ext>
+    </p:extLst>
+  </p:cSld>
+  <p:clrMapOvr>
+    <a:masterClrMapping/>
+  </p:clrMapOvr>
+  <p:timing>
+    <p:tnLst>
+      <p:par>
+        <p:cTn id="1" dur="indefinite" restart="never" nodeType="tmRoot"/>
+      </p:par>
+    </p:tnLst>
+  </p:timing>
+</p:sld>
+</file>
+
+<file path=ppt/slides/slide25.xml><?xml version="1.0" encoding="utf-8"?>
+<p:sld xmlns:a="http://schemas.openxmlformats.org/drawingml/2006/main" xmlns:r="http://schemas.openxmlformats.org/officeDocument/2006/relationships" xmlns:p="http://schemas.openxmlformats.org/presentationml/2006/main">
+  <p:cSld>
+    <p:spTree>
+      <p:nvGrpSpPr>
+        <p:cNvPr id="1" name=""/>
+        <p:cNvGrpSpPr/>
+        <p:nvPr/>
+      </p:nvGrpSpPr>
+      <p:grpSpPr>
+        <a:xfrm>
+          <a:off x="0" y="0"/>
+          <a:ext cx="0" cy="0"/>
+          <a:chOff x="0" y="0"/>
+          <a:chExt cx="0" cy="0"/>
+        </a:xfrm>
+      </p:grpSpPr>
+      <p:sp>
+        <p:nvSpPr>
+          <p:cNvPr id="2" name="제목 1"/>
+          <p:cNvSpPr>
+            <a:spLocks noGrp="1"/>
+          </p:cNvSpPr>
+          <p:nvPr>
+            <p:ph type="title"/>
+          </p:nvPr>
+        </p:nvSpPr>
+        <p:spPr/>
+        <p:txBody>
+          <a:bodyPr/>
+          <a:lstStyle/>
+          <a:p>
+            <a:r>
+              <a:rPr lang="en-US" altLang="ko-KR" dirty="0" smtClean="0"/>
+              <a:t>Unitary limit Hamiltonian in BCC</a:t>
+            </a:r>
+            <a:endParaRPr lang="ko-KR" altLang="en-US" dirty="0"/>
+          </a:p>
+        </p:txBody>
+      </p:sp>
+      <p:pic>
+        <p:nvPicPr>
+          <p:cNvPr id="5" name="내용 개체 틀 4"/>
+          <p:cNvPicPr>
+            <a:picLocks noGrp="1" noChangeAspect="1"/>
+          </p:cNvPicPr>
+          <p:nvPr>
+            <p:ph idx="1"/>
+          </p:nvPr>
+        </p:nvPicPr>
+        <p:blipFill>
+          <a:blip r:embed="rId2"/>
+          <a:stretch>
+            <a:fillRect/>
+          </a:stretch>
+        </p:blipFill>
+        <p:spPr>
+          <a:xfrm>
+            <a:off x="685800" y="2170286"/>
+            <a:ext cx="3620005" cy="666843"/>
+          </a:xfrm>
+          <a:prstGeom prst="rect">
+            <a:avLst/>
+          </a:prstGeom>
+        </p:spPr>
+      </p:pic>
+      <p:pic>
+        <p:nvPicPr>
+          <p:cNvPr id="4" name="그림 3"/>
+          <p:cNvPicPr>
+            <a:picLocks noChangeAspect="1"/>
+          </p:cNvPicPr>
+          <p:nvPr/>
+        </p:nvPicPr>
+        <p:blipFill>
+          <a:blip r:embed="rId3"/>
+          <a:stretch>
+            <a:fillRect/>
+          </a:stretch>
+        </p:blipFill>
+        <p:spPr>
+          <a:xfrm>
+            <a:off x="762000" y="1676400"/>
+            <a:ext cx="1257475" cy="362001"/>
+          </a:xfrm>
+          <a:prstGeom prst="rect">
+            <a:avLst/>
+          </a:prstGeom>
+        </p:spPr>
+      </p:pic>
+      <p:pic>
+        <p:nvPicPr>
+          <p:cNvPr id="6" name="그림 5"/>
+          <p:cNvPicPr>
+            <a:picLocks noChangeAspect="1"/>
+          </p:cNvPicPr>
+          <p:nvPr/>
+        </p:nvPicPr>
+        <p:blipFill>
+          <a:blip r:embed="rId4"/>
+          <a:stretch>
+            <a:fillRect/>
+          </a:stretch>
+        </p:blipFill>
+        <p:spPr>
+          <a:xfrm>
+            <a:off x="5181600" y="1639130"/>
+            <a:ext cx="3296110" cy="476316"/>
+          </a:xfrm>
+          <a:prstGeom prst="rect">
+            <a:avLst/>
+          </a:prstGeom>
+        </p:spPr>
+      </p:pic>
+      <p:pic>
+        <p:nvPicPr>
+          <p:cNvPr id="7" name="그림 6"/>
+          <p:cNvPicPr>
+            <a:picLocks noChangeAspect="1"/>
+          </p:cNvPicPr>
+          <p:nvPr/>
+        </p:nvPicPr>
+        <p:blipFill>
+          <a:blip r:embed="rId5"/>
+          <a:stretch>
+            <a:fillRect/>
+          </a:stretch>
+        </p:blipFill>
+        <p:spPr>
+          <a:xfrm>
+            <a:off x="1390737" y="3034517"/>
+            <a:ext cx="1733792" cy="485843"/>
+          </a:xfrm>
+          <a:prstGeom prst="rect">
+            <a:avLst/>
+          </a:prstGeom>
+        </p:spPr>
+      </p:pic>
+      <p:pic>
+        <p:nvPicPr>
+          <p:cNvPr id="8" name="그림 7"/>
+          <p:cNvPicPr>
+            <a:picLocks noChangeAspect="1"/>
+          </p:cNvPicPr>
+          <p:nvPr/>
+        </p:nvPicPr>
+        <p:blipFill>
+          <a:blip r:embed="rId6"/>
+          <a:stretch>
+            <a:fillRect/>
+          </a:stretch>
+        </p:blipFill>
+        <p:spPr>
+          <a:xfrm>
+            <a:off x="5020626" y="2376176"/>
+            <a:ext cx="3686689" cy="1495634"/>
+          </a:xfrm>
+          <a:prstGeom prst="rect">
+            <a:avLst/>
+          </a:prstGeom>
+        </p:spPr>
+      </p:pic>
+      <p:pic>
+        <p:nvPicPr>
+          <p:cNvPr id="9" name="그림 8"/>
+          <p:cNvPicPr>
+            <a:picLocks noChangeAspect="1"/>
+          </p:cNvPicPr>
+          <p:nvPr/>
+        </p:nvPicPr>
+        <p:blipFill>
+          <a:blip r:embed="rId7"/>
+          <a:stretch>
+            <a:fillRect/>
+          </a:stretch>
+        </p:blipFill>
+        <p:spPr>
+          <a:xfrm>
+            <a:off x="3962400" y="4113476"/>
+            <a:ext cx="4953691" cy="466790"/>
+          </a:xfrm>
+          <a:prstGeom prst="rect">
+            <a:avLst/>
+          </a:prstGeom>
+        </p:spPr>
+      </p:pic>
+      <p:pic>
+        <p:nvPicPr>
+          <p:cNvPr id="10" name="그림 9"/>
+          <p:cNvPicPr>
+            <a:picLocks noChangeAspect="1"/>
+          </p:cNvPicPr>
+          <p:nvPr/>
+        </p:nvPicPr>
+        <p:blipFill>
+          <a:blip r:embed="rId8"/>
+          <a:stretch>
+            <a:fillRect/>
+          </a:stretch>
+        </p:blipFill>
+        <p:spPr>
+          <a:xfrm>
+            <a:off x="768037" y="4724400"/>
+            <a:ext cx="2524477" cy="685896"/>
+          </a:xfrm>
+          <a:prstGeom prst="rect">
+            <a:avLst/>
+          </a:prstGeom>
+        </p:spPr>
+      </p:pic>
+      <p:pic>
+        <p:nvPicPr>
+          <p:cNvPr id="11" name="그림 10"/>
+          <p:cNvPicPr>
+            <a:picLocks noChangeAspect="1"/>
+          </p:cNvPicPr>
+          <p:nvPr/>
+        </p:nvPicPr>
+        <p:blipFill>
+          <a:blip r:embed="rId9"/>
+          <a:stretch>
+            <a:fillRect/>
+          </a:stretch>
+        </p:blipFill>
+        <p:spPr>
+          <a:xfrm>
+            <a:off x="3810000" y="4920957"/>
+            <a:ext cx="2924583" cy="1505160"/>
+          </a:xfrm>
+          <a:prstGeom prst="rect">
+            <a:avLst/>
+          </a:prstGeom>
+        </p:spPr>
+      </p:pic>
+    </p:spTree>
+    <p:extLst>
+      <p:ext uri="{BB962C8B-B14F-4D97-AF65-F5344CB8AC3E}">
+        <p14:creationId xmlns:p14="http://schemas.microsoft.com/office/powerpoint/2010/main" val="3071628708"/>
+      </p:ext>
+    </p:extLst>
+  </p:cSld>
+  <p:clrMapOvr>
+    <a:masterClrMapping/>
+  </p:clrMapOvr>
+  <p:timing>
+    <p:tnLst>
+      <p:par>
+        <p:cTn id="1" dur="indefinite" restart="never" nodeType="tmRoot"/>
+      </p:par>
+    </p:tnLst>
+  </p:timing>
+</p:sld>
+</file>
+
+<file path=ppt/slides/slide26.xml><?xml version="1.0" encoding="utf-8"?>
+<p:sld xmlns:a="http://schemas.openxmlformats.org/drawingml/2006/main" xmlns:r="http://schemas.openxmlformats.org/officeDocument/2006/relationships" xmlns:p="http://schemas.openxmlformats.org/presentationml/2006/main">
+  <p:cSld>
+    <p:spTree>
+      <p:nvGrpSpPr>
+        <p:cNvPr id="1" name=""/>
+        <p:cNvGrpSpPr/>
+        <p:nvPr/>
+      </p:nvGrpSpPr>
+      <p:grpSpPr>
+        <a:xfrm>
+          <a:off x="0" y="0"/>
+          <a:ext cx="0" cy="0"/>
+          <a:chOff x="0" y="0"/>
+          <a:chExt cx="0" cy="0"/>
+        </a:xfrm>
+      </p:grpSpPr>
+      <p:sp>
+        <p:nvSpPr>
+          <p:cNvPr id="2" name="제목 1"/>
+          <p:cNvSpPr>
+            <a:spLocks noGrp="1"/>
+          </p:cNvSpPr>
+          <p:nvPr>
+            <p:ph type="title"/>
+          </p:nvPr>
+        </p:nvSpPr>
+        <p:spPr/>
+        <p:txBody>
+          <a:bodyPr/>
+          <a:lstStyle/>
+          <a:p>
+            <a:r>
+              <a:rPr lang="en-US" altLang="ko-KR" dirty="0" smtClean="0"/>
+              <a:t>Unitary limit Hamiltonian in BCC</a:t>
+            </a:r>
+            <a:endParaRPr lang="ko-KR" altLang="en-US" dirty="0"/>
+          </a:p>
+        </p:txBody>
+      </p:sp>
+      <p:pic>
+        <p:nvPicPr>
+          <p:cNvPr id="10" name="그림 9"/>
+          <p:cNvPicPr>
+            <a:picLocks noChangeAspect="1"/>
+          </p:cNvPicPr>
+          <p:nvPr/>
+        </p:nvPicPr>
+        <p:blipFill>
+          <a:blip r:embed="rId2"/>
+          <a:stretch>
+            <a:fillRect/>
+          </a:stretch>
+        </p:blipFill>
+        <p:spPr>
+          <a:xfrm>
+            <a:off x="533400" y="1524000"/>
+            <a:ext cx="2524477" cy="685896"/>
+          </a:xfrm>
+          <a:prstGeom prst="rect">
+            <a:avLst/>
+          </a:prstGeom>
+        </p:spPr>
+      </p:pic>
+      <p:pic>
+        <p:nvPicPr>
+          <p:cNvPr id="11" name="그림 10"/>
+          <p:cNvPicPr>
+            <a:picLocks noChangeAspect="1"/>
+          </p:cNvPicPr>
+          <p:nvPr/>
+        </p:nvPicPr>
+        <p:blipFill>
+          <a:blip r:embed="rId3"/>
+          <a:stretch>
+            <a:fillRect/>
+          </a:stretch>
+        </p:blipFill>
+        <p:spPr>
+          <a:xfrm>
+            <a:off x="3429000" y="1600200"/>
+            <a:ext cx="2924583" cy="1505160"/>
+          </a:xfrm>
+          <a:prstGeom prst="rect">
+            <a:avLst/>
+          </a:prstGeom>
+        </p:spPr>
+      </p:pic>
+      <p:pic>
+        <p:nvPicPr>
+          <p:cNvPr id="13" name="그림 12"/>
+          <p:cNvPicPr>
+            <a:picLocks noChangeAspect="1"/>
+          </p:cNvPicPr>
+          <p:nvPr/>
+        </p:nvPicPr>
+        <p:blipFill>
+          <a:blip r:embed="rId4"/>
+          <a:stretch>
+            <a:fillRect/>
+          </a:stretch>
+        </p:blipFill>
+        <p:spPr>
+          <a:xfrm>
+            <a:off x="304800" y="3420208"/>
+            <a:ext cx="3439090" cy="2516605"/>
+          </a:xfrm>
+          <a:prstGeom prst="rect">
+            <a:avLst/>
+          </a:prstGeom>
+        </p:spPr>
+      </p:pic>
+      <p:sp>
+        <p:nvSpPr>
+          <p:cNvPr id="14" name="TextBox 13"/>
+          <p:cNvSpPr txBox="1"/>
+          <p:nvPr/>
+        </p:nvSpPr>
+        <p:spPr>
+          <a:xfrm>
+            <a:off x="3886200" y="3623359"/>
+            <a:ext cx="4031873" cy="2031325"/>
+          </a:xfrm>
+          <a:prstGeom prst="rect">
+            <a:avLst/>
+          </a:prstGeom>
+          <a:noFill/>
+        </p:spPr>
+        <p:txBody>
+          <a:bodyPr wrap="none" rtlCol="0">
+            <a:spAutoFit/>
+          </a:bodyPr>
+          <a:lstStyle/>
+          <a:p>
+            <a:r>
+              <a:rPr lang="en-US" altLang="ko-KR" dirty="0" smtClean="0"/>
+              <a:t>1S0 NN scattering phase shift is fitted</a:t>
+            </a:r>
+          </a:p>
+          <a:p>
+            <a:r>
+              <a:rPr lang="en-US" altLang="ko-KR" dirty="0" smtClean="0"/>
+              <a:t>For unitary limit .</a:t>
+            </a:r>
+          </a:p>
+          <a:p>
+            <a:endParaRPr lang="en-US" altLang="ko-KR" dirty="0"/>
+          </a:p>
+          <a:p>
+            <a:r>
+              <a:rPr lang="en-US" altLang="ko-KR" dirty="0" smtClean="0"/>
+              <a:t>C0= -0.7449172 [</a:t>
+            </a:r>
+            <a:r>
+              <a:rPr lang="en-US" altLang="ko-KR" dirty="0" err="1" smtClean="0"/>
+              <a:t>l.u</a:t>
+            </a:r>
+            <a:r>
+              <a:rPr lang="en-US" altLang="ko-KR" dirty="0" smtClean="0"/>
+              <a:t>.]</a:t>
+            </a:r>
+          </a:p>
+          <a:p>
+            <a:r>
+              <a:rPr lang="en-US" altLang="ko-KR" dirty="0" err="1" smtClean="0"/>
+              <a:t>sNL</a:t>
+            </a:r>
+            <a:r>
+              <a:rPr lang="en-US" altLang="ko-KR" dirty="0" smtClean="0"/>
+              <a:t> = - 0.0009533729</a:t>
+            </a:r>
+          </a:p>
+          <a:p>
+            <a:r>
+              <a:rPr lang="en-US" altLang="ko-KR" dirty="0" smtClean="0">
+                <a:sym typeface="Wingdings" panose="05000000000000000000" pitchFamily="2" charset="2"/>
+              </a:rPr>
+              <a:t></a:t>
+            </a:r>
+          </a:p>
+          <a:p>
+            <a:r>
+              <a:rPr lang="en-US" altLang="ko-KR" dirty="0">
+                <a:sym typeface="Wingdings" panose="05000000000000000000" pitchFamily="2" charset="2"/>
+              </a:rPr>
+              <a:t>a</a:t>
+            </a:r>
+            <a:r>
+              <a:rPr lang="en-US" altLang="ko-KR" dirty="0" smtClean="0">
+                <a:sym typeface="Wingdings" panose="05000000000000000000" pitchFamily="2" charset="2"/>
+              </a:rPr>
+              <a:t>0 = 125658 </a:t>
+            </a:r>
+            <a:r>
+              <a:rPr lang="en-US" altLang="ko-KR" dirty="0" err="1" smtClean="0">
+                <a:sym typeface="Wingdings" panose="05000000000000000000" pitchFamily="2" charset="2"/>
+              </a:rPr>
+              <a:t>fm</a:t>
+            </a:r>
+            <a:r>
+              <a:rPr lang="en-US" altLang="ko-KR" dirty="0" smtClean="0">
+                <a:sym typeface="Wingdings" panose="05000000000000000000" pitchFamily="2" charset="2"/>
+              </a:rPr>
+              <a:t>, r0 = 0.110 </a:t>
+            </a:r>
+            <a:r>
+              <a:rPr lang="en-US" altLang="ko-KR" dirty="0" err="1" smtClean="0">
+                <a:sym typeface="Wingdings" panose="05000000000000000000" pitchFamily="2" charset="2"/>
+              </a:rPr>
+              <a:t>fm</a:t>
+            </a:r>
+            <a:r>
+              <a:rPr lang="en-US" altLang="ko-KR" dirty="0" smtClean="0">
+                <a:sym typeface="Wingdings" panose="05000000000000000000" pitchFamily="2" charset="2"/>
+              </a:rPr>
+              <a:t> </a:t>
+            </a:r>
+            <a:endParaRPr lang="ko-KR" altLang="en-US" dirty="0"/>
+          </a:p>
+        </p:txBody>
+      </p:sp>
+    </p:spTree>
+    <p:extLst>
+      <p:ext uri="{BB962C8B-B14F-4D97-AF65-F5344CB8AC3E}">
+        <p14:creationId xmlns:p14="http://schemas.microsoft.com/office/powerpoint/2010/main" val="376425969"/>
+      </p:ext>
+    </p:extLst>
+  </p:cSld>
+  <p:clrMapOvr>
+    <a:masterClrMapping/>
+  </p:clrMapOvr>
+  <p:timing>
+    <p:tnLst>
+      <p:par>
+        <p:cTn id="1" dur="indefinite" restart="never" nodeType="tmRoot"/>
+      </p:par>
+    </p:tnLst>
+  </p:timing>
+</p:sld>
+</file>
+
+<file path=ppt/slides/slide27.xml><?xml version="1.0" encoding="utf-8"?>
+<p:sld xmlns:a="http://schemas.openxmlformats.org/drawingml/2006/main" xmlns:r="http://schemas.openxmlformats.org/officeDocument/2006/relationships" xmlns:p="http://schemas.openxmlformats.org/presentationml/2006/main">
+  <p:cSld>
+    <p:spTree>
+      <p:nvGrpSpPr>
+        <p:cNvPr id="1" name=""/>
+        <p:cNvGrpSpPr/>
+        <p:nvPr/>
+      </p:nvGrpSpPr>
+      <p:grpSpPr>
+        <a:xfrm>
+          <a:off x="0" y="0"/>
+          <a:ext cx="0" cy="0"/>
+          <a:chOff x="0" y="0"/>
+          <a:chExt cx="0" cy="0"/>
+        </a:xfrm>
+      </p:grpSpPr>
+      <p:sp>
+        <p:nvSpPr>
+          <p:cNvPr id="2" name="제목 1"/>
+          <p:cNvSpPr>
+            <a:spLocks noGrp="1"/>
+          </p:cNvSpPr>
+          <p:nvPr>
+            <p:ph type="title"/>
+          </p:nvPr>
+        </p:nvSpPr>
+        <p:spPr/>
+        <p:txBody>
+          <a:bodyPr/>
+          <a:lstStyle/>
+          <a:p>
+            <a:r>
+              <a:rPr lang="en-US" altLang="ko-KR" dirty="0" smtClean="0"/>
+              <a:t>Results</a:t>
+            </a:r>
+            <a:endParaRPr lang="ko-KR" altLang="en-US" dirty="0"/>
+          </a:p>
+        </p:txBody>
+      </p:sp>
+      <p:sp>
+        <p:nvSpPr>
+          <p:cNvPr id="3" name="내용 개체 틀 2"/>
+          <p:cNvSpPr>
+            <a:spLocks noGrp="1"/>
+          </p:cNvSpPr>
+          <p:nvPr>
+            <p:ph idx="1"/>
+          </p:nvPr>
+        </p:nvSpPr>
+        <p:spPr/>
+        <p:txBody>
+          <a:bodyPr>
+            <a:normAutofit lnSpcReduction="10000"/>
+          </a:bodyPr>
+          <a:lstStyle/>
+          <a:p>
+            <a:r>
+              <a:rPr lang="en-US" altLang="ko-KR" dirty="0" smtClean="0"/>
+              <a:t>N=66 neutrons (33 spin up, 33 spin down)</a:t>
+            </a:r>
+          </a:p>
+          <a:p>
+            <a:r>
+              <a:rPr lang="en-US" altLang="ko-KR" dirty="0" smtClean="0"/>
+              <a:t>Ground state energy are calculated by using transfer matrix formalism</a:t>
+            </a:r>
+          </a:p>
+          <a:p>
+            <a:endParaRPr lang="en-US" altLang="ko-KR" dirty="0"/>
+          </a:p>
+          <a:p>
+            <a:endParaRPr lang="en-US" altLang="ko-KR" dirty="0" smtClean="0"/>
+          </a:p>
+          <a:p>
+            <a:r>
+              <a:rPr lang="en-US" altLang="ko-KR" dirty="0" smtClean="0"/>
+              <a:t>Euclidean time extrapolation</a:t>
+            </a:r>
+          </a:p>
+          <a:p>
+            <a:endParaRPr lang="en-US" altLang="ko-KR" dirty="0"/>
+          </a:p>
+          <a:p>
+            <a:r>
+              <a:rPr lang="en-US" altLang="ko-KR" dirty="0" smtClean="0"/>
+              <a:t>Free fermion gas energy can be defined in two way.</a:t>
+            </a:r>
+          </a:p>
+          <a:p>
+            <a:pPr lvl="1"/>
+            <a:r>
+              <a:rPr lang="en-US" altLang="ko-KR" dirty="0" smtClean="0"/>
+              <a:t>‘Finite’ : NLEFT result of free fermions</a:t>
+            </a:r>
+          </a:p>
+          <a:p>
+            <a:pPr lvl="1"/>
+            <a:r>
+              <a:rPr lang="en-US" altLang="ko-KR" dirty="0" smtClean="0"/>
+              <a:t>‘</a:t>
+            </a:r>
+            <a:r>
+              <a:rPr lang="en-US" altLang="ko-KR" dirty="0" err="1" smtClean="0"/>
+              <a:t>thermo</a:t>
+            </a:r>
+            <a:r>
+              <a:rPr lang="en-US" altLang="ko-KR" dirty="0" smtClean="0"/>
+              <a:t>’ :  Thermodynamic limit expression of free fermion gas</a:t>
+            </a:r>
+          </a:p>
+          <a:p>
+            <a:pPr lvl="1"/>
+            <a:endParaRPr lang="en-US" altLang="ko-KR" dirty="0" smtClean="0"/>
+          </a:p>
+          <a:p>
+            <a:r>
+              <a:rPr lang="en-US" altLang="ko-KR" dirty="0" smtClean="0"/>
+              <a:t> </a:t>
+            </a:r>
+            <a:endParaRPr lang="ko-KR" altLang="en-US" dirty="0"/>
+          </a:p>
+        </p:txBody>
+      </p:sp>
+      <p:pic>
+        <p:nvPicPr>
+          <p:cNvPr id="4" name="그림 3"/>
+          <p:cNvPicPr>
+            <a:picLocks noChangeAspect="1"/>
+          </p:cNvPicPr>
+          <p:nvPr/>
+        </p:nvPicPr>
+        <p:blipFill>
+          <a:blip r:embed="rId2"/>
+          <a:stretch>
+            <a:fillRect/>
+          </a:stretch>
+        </p:blipFill>
+        <p:spPr>
+          <a:xfrm>
+            <a:off x="4038600" y="2541814"/>
+            <a:ext cx="3604376" cy="810985"/>
+          </a:xfrm>
+          <a:prstGeom prst="rect">
+            <a:avLst/>
+          </a:prstGeom>
+        </p:spPr>
+      </p:pic>
+      <p:pic>
+        <p:nvPicPr>
+          <p:cNvPr id="5" name="그림 4"/>
+          <p:cNvPicPr>
+            <a:picLocks noChangeAspect="1"/>
+          </p:cNvPicPr>
+          <p:nvPr/>
+        </p:nvPicPr>
+        <p:blipFill>
+          <a:blip r:embed="rId3"/>
+          <a:stretch>
+            <a:fillRect/>
+          </a:stretch>
+        </p:blipFill>
+        <p:spPr>
+          <a:xfrm>
+            <a:off x="5143500" y="3428999"/>
+            <a:ext cx="2057400" cy="514350"/>
+          </a:xfrm>
+          <a:prstGeom prst="rect">
+            <a:avLst/>
+          </a:prstGeom>
+        </p:spPr>
+      </p:pic>
+      <p:pic>
+        <p:nvPicPr>
+          <p:cNvPr id="6" name="그림 5"/>
+          <p:cNvPicPr>
+            <a:picLocks noChangeAspect="1"/>
+          </p:cNvPicPr>
+          <p:nvPr/>
+        </p:nvPicPr>
+        <p:blipFill>
+          <a:blip r:embed="rId4"/>
+          <a:stretch>
+            <a:fillRect/>
+          </a:stretch>
+        </p:blipFill>
+        <p:spPr>
+          <a:xfrm>
+            <a:off x="688731" y="5502367"/>
+            <a:ext cx="5115639" cy="1086002"/>
+          </a:xfrm>
+          <a:prstGeom prst="rect">
+            <a:avLst/>
+          </a:prstGeom>
+        </p:spPr>
+      </p:pic>
+      <p:pic>
+        <p:nvPicPr>
+          <p:cNvPr id="8" name="그림 7"/>
+          <p:cNvPicPr>
+            <a:picLocks noChangeAspect="1"/>
+          </p:cNvPicPr>
+          <p:nvPr/>
+        </p:nvPicPr>
+        <p:blipFill>
+          <a:blip r:embed="rId5"/>
+          <a:stretch>
+            <a:fillRect/>
+          </a:stretch>
+        </p:blipFill>
+        <p:spPr>
+          <a:xfrm>
+            <a:off x="6172200" y="5897710"/>
+            <a:ext cx="1857634" cy="295316"/>
+          </a:xfrm>
+          <a:prstGeom prst="rect">
+            <a:avLst/>
+          </a:prstGeom>
+        </p:spPr>
+      </p:pic>
+    </p:spTree>
+    <p:extLst>
+      <p:ext uri="{BB962C8B-B14F-4D97-AF65-F5344CB8AC3E}">
+        <p14:creationId xmlns:p14="http://schemas.microsoft.com/office/powerpoint/2010/main" val="969077185"/>
+      </p:ext>
+    </p:extLst>
+  </p:cSld>
+  <p:clrMapOvr>
+    <a:masterClrMapping/>
+  </p:clrMapOvr>
+  <p:timing>
+    <p:tnLst>
+      <p:par>
+        <p:cTn id="1" dur="indefinite" restart="never" nodeType="tmRoot"/>
+      </p:par>
+    </p:tnLst>
+  </p:timing>
+</p:sld>
+</file>
+
+<file path=ppt/slides/slide28.xml><?xml version="1.0" encoding="utf-8"?>
+<p:sld xmlns:a="http://schemas.openxmlformats.org/drawingml/2006/main" xmlns:r="http://schemas.openxmlformats.org/officeDocument/2006/relationships" xmlns:p="http://schemas.openxmlformats.org/presentationml/2006/main">
+  <p:cSld>
+    <p:spTree>
+      <p:nvGrpSpPr>
+        <p:cNvPr id="1" name=""/>
+        <p:cNvGrpSpPr/>
+        <p:nvPr/>
+      </p:nvGrpSpPr>
+      <p:grpSpPr>
+        <a:xfrm>
+          <a:off x="0" y="0"/>
+          <a:ext cx="0" cy="0"/>
+          <a:chOff x="0" y="0"/>
+          <a:chExt cx="0" cy="0"/>
+        </a:xfrm>
+      </p:grpSpPr>
+      <p:sp>
+        <p:nvSpPr>
+          <p:cNvPr id="2" name="제목 1"/>
+          <p:cNvSpPr>
+            <a:spLocks noGrp="1"/>
+          </p:cNvSpPr>
+          <p:nvPr>
+            <p:ph type="title"/>
+          </p:nvPr>
+        </p:nvSpPr>
+        <p:spPr/>
+        <p:txBody>
+          <a:bodyPr/>
+          <a:lstStyle/>
+          <a:p>
+            <a:r>
+              <a:rPr lang="en-US" altLang="ko-KR" dirty="0" smtClean="0"/>
+              <a:t>Results : Lt extrapolation</a:t>
+            </a:r>
+            <a:endParaRPr lang="ko-KR" altLang="en-US" dirty="0"/>
+          </a:p>
+        </p:txBody>
+      </p:sp>
+      <p:sp>
+        <p:nvSpPr>
+          <p:cNvPr id="3" name="내용 개체 틀 2"/>
+          <p:cNvSpPr>
+            <a:spLocks noGrp="1"/>
+          </p:cNvSpPr>
+          <p:nvPr>
+            <p:ph idx="1"/>
+          </p:nvPr>
+        </p:nvSpPr>
+        <p:spPr/>
+        <p:txBody>
+          <a:bodyPr/>
+          <a:lstStyle/>
+          <a:p>
+            <a:endParaRPr lang="ko-KR" altLang="en-US" dirty="0"/>
+          </a:p>
+        </p:txBody>
+      </p:sp>
+      <p:pic>
+        <p:nvPicPr>
+          <p:cNvPr id="4" name="그림 3"/>
+          <p:cNvPicPr>
+            <a:picLocks noChangeAspect="1"/>
+          </p:cNvPicPr>
+          <p:nvPr/>
+        </p:nvPicPr>
+        <p:blipFill>
+          <a:blip r:embed="rId2"/>
+          <a:stretch>
+            <a:fillRect/>
+          </a:stretch>
+        </p:blipFill>
+        <p:spPr>
+          <a:xfrm>
+            <a:off x="533400" y="1790493"/>
+            <a:ext cx="3458626" cy="2248107"/>
+          </a:xfrm>
+          <a:prstGeom prst="rect">
+            <a:avLst/>
+          </a:prstGeom>
+        </p:spPr>
+      </p:pic>
+      <p:pic>
+        <p:nvPicPr>
+          <p:cNvPr id="5" name="그림 4"/>
+          <p:cNvPicPr>
+            <a:picLocks noChangeAspect="1"/>
+          </p:cNvPicPr>
+          <p:nvPr/>
+        </p:nvPicPr>
+        <p:blipFill>
+          <a:blip r:embed="rId3"/>
+          <a:stretch>
+            <a:fillRect/>
+          </a:stretch>
+        </p:blipFill>
+        <p:spPr>
+          <a:xfrm>
+            <a:off x="4581845" y="1752600"/>
+            <a:ext cx="3448691" cy="2239502"/>
+          </a:xfrm>
+          <a:prstGeom prst="rect">
+            <a:avLst/>
+          </a:prstGeom>
+        </p:spPr>
+      </p:pic>
+      <p:pic>
+        <p:nvPicPr>
+          <p:cNvPr id="6" name="그림 5"/>
+          <p:cNvPicPr>
+            <a:picLocks noChangeAspect="1"/>
+          </p:cNvPicPr>
+          <p:nvPr/>
+        </p:nvPicPr>
+        <p:blipFill>
+          <a:blip r:embed="rId4"/>
+          <a:stretch>
+            <a:fillRect/>
+          </a:stretch>
+        </p:blipFill>
+        <p:spPr>
+          <a:xfrm>
+            <a:off x="705056" y="4349306"/>
+            <a:ext cx="3286969" cy="2110110"/>
+          </a:xfrm>
+          <a:prstGeom prst="rect">
+            <a:avLst/>
+          </a:prstGeom>
+        </p:spPr>
+      </p:pic>
+      <p:pic>
+        <p:nvPicPr>
+          <p:cNvPr id="7" name="그림 6"/>
+          <p:cNvPicPr>
+            <a:picLocks noChangeAspect="1"/>
+          </p:cNvPicPr>
+          <p:nvPr/>
+        </p:nvPicPr>
+        <p:blipFill>
+          <a:blip r:embed="rId5"/>
+          <a:stretch>
+            <a:fillRect/>
+          </a:stretch>
+        </p:blipFill>
+        <p:spPr>
+          <a:xfrm>
+            <a:off x="4785648" y="4339974"/>
+            <a:ext cx="3244887" cy="2113580"/>
+          </a:xfrm>
+          <a:prstGeom prst="rect">
+            <a:avLst/>
+          </a:prstGeom>
+        </p:spPr>
+      </p:pic>
+    </p:spTree>
+    <p:extLst>
+      <p:ext uri="{BB962C8B-B14F-4D97-AF65-F5344CB8AC3E}">
+        <p14:creationId xmlns:p14="http://schemas.microsoft.com/office/powerpoint/2010/main" val="546049659"/>
+      </p:ext>
+    </p:extLst>
+  </p:cSld>
+  <p:clrMapOvr>
+    <a:masterClrMapping/>
+  </p:clrMapOvr>
+  <p:timing>
+    <p:tnLst>
+      <p:par>
+        <p:cTn id="1" dur="indefinite" restart="never" nodeType="tmRoot"/>
+      </p:par>
+    </p:tnLst>
+  </p:timing>
+</p:sld>
+</file>
+
+<file path=ppt/slides/slide29.xml><?xml version="1.0" encoding="utf-8"?>
+<p:sld xmlns:a="http://schemas.openxmlformats.org/drawingml/2006/main" xmlns:r="http://schemas.openxmlformats.org/officeDocument/2006/relationships" xmlns:p="http://schemas.openxmlformats.org/presentationml/2006/main">
+  <p:cSld>
+    <p:spTree>
+      <p:nvGrpSpPr>
+        <p:cNvPr id="1" name=""/>
+        <p:cNvGrpSpPr/>
+        <p:nvPr/>
+      </p:nvGrpSpPr>
+      <p:grpSpPr>
+        <a:xfrm>
+          <a:off x="0" y="0"/>
+          <a:ext cx="0" cy="0"/>
+          <a:chOff x="0" y="0"/>
+          <a:chExt cx="0" cy="0"/>
+        </a:xfrm>
+      </p:grpSpPr>
+      <p:sp>
+        <p:nvSpPr>
+          <p:cNvPr id="2" name="제목 1"/>
+          <p:cNvSpPr>
+            <a:spLocks noGrp="1"/>
+          </p:cNvSpPr>
+          <p:nvPr>
+            <p:ph type="title"/>
+          </p:nvPr>
+        </p:nvSpPr>
+        <p:spPr/>
+        <p:txBody>
+          <a:bodyPr/>
+          <a:lstStyle/>
+          <a:p>
+            <a:r>
+              <a:rPr lang="en-US" altLang="ko-KR" dirty="0" smtClean="0"/>
+              <a:t>Results : Lt extrapolation</a:t>
+            </a:r>
+            <a:endParaRPr lang="ko-KR" altLang="en-US" dirty="0"/>
+          </a:p>
+        </p:txBody>
+      </p:sp>
+      <p:pic>
+        <p:nvPicPr>
+          <p:cNvPr id="8" name="그림 7"/>
+          <p:cNvPicPr>
+            <a:picLocks noChangeAspect="1"/>
+          </p:cNvPicPr>
+          <p:nvPr/>
+        </p:nvPicPr>
+        <p:blipFill>
+          <a:blip r:embed="rId2"/>
+          <a:stretch>
+            <a:fillRect/>
+          </a:stretch>
+        </p:blipFill>
+        <p:spPr>
+          <a:xfrm>
+            <a:off x="17585" y="1371600"/>
+            <a:ext cx="4436527" cy="2913820"/>
+          </a:xfrm>
+          <a:prstGeom prst="rect">
+            <a:avLst/>
+          </a:prstGeom>
+        </p:spPr>
+      </p:pic>
+      <p:pic>
+        <p:nvPicPr>
+          <p:cNvPr id="12" name="그림 11"/>
+          <p:cNvPicPr>
+            <a:picLocks noChangeAspect="1"/>
+          </p:cNvPicPr>
+          <p:nvPr/>
+        </p:nvPicPr>
+        <p:blipFill>
+          <a:blip r:embed="rId3"/>
+          <a:stretch>
+            <a:fillRect/>
+          </a:stretch>
+        </p:blipFill>
+        <p:spPr>
+          <a:xfrm>
+            <a:off x="4454112" y="1421270"/>
+            <a:ext cx="4648200" cy="3019634"/>
+          </a:xfrm>
+          <a:prstGeom prst="rect">
+            <a:avLst/>
+          </a:prstGeom>
+        </p:spPr>
+      </p:pic>
+    </p:spTree>
+    <p:extLst>
+      <p:ext uri="{BB962C8B-B14F-4D97-AF65-F5344CB8AC3E}">
+        <p14:creationId xmlns:p14="http://schemas.microsoft.com/office/powerpoint/2010/main" val="2128489515"/>
+      </p:ext>
+    </p:extLst>
+  </p:cSld>
+  <p:clrMapOvr>
+    <a:masterClrMapping/>
+  </p:clrMapOvr>
+  <p:timing>
+    <p:tnLst>
+      <p:par>
+        <p:cTn id="1" dur="indefinite" restart="never" nodeType="tmRoot"/>
+      </p:par>
+    </p:tnLst>
+  </p:timing>
+</p:sld>
+</file>
+
+<file path=ppt/slides/slide3.xml><?xml version="1.0" encoding="utf-8"?>
+<p:sld xmlns:a="http://schemas.openxmlformats.org/drawingml/2006/main" xmlns:r="http://schemas.openxmlformats.org/officeDocument/2006/relationships" xmlns:p="http://schemas.openxmlformats.org/presentationml/2006/main">
+  <p:cSld>
+    <p:spTree>
+      <p:nvGrpSpPr>
+        <p:cNvPr id="1" name=""/>
+        <p:cNvGrpSpPr/>
+        <p:nvPr/>
+      </p:nvGrpSpPr>
+      <p:grpSpPr>
+        <a:xfrm>
+          <a:off x="0" y="0"/>
+          <a:ext cx="0" cy="0"/>
+          <a:chOff x="0" y="0"/>
+          <a:chExt cx="0" cy="0"/>
+        </a:xfrm>
+      </p:grpSpPr>
+      <p:sp>
+        <p:nvSpPr>
+          <p:cNvPr id="2" name="제목 1"/>
+          <p:cNvSpPr>
+            <a:spLocks noGrp="1"/>
+          </p:cNvSpPr>
+          <p:nvPr>
+            <p:ph type="title"/>
+          </p:nvPr>
+        </p:nvSpPr>
+        <p:spPr/>
+        <p:txBody>
+          <a:bodyPr/>
+          <a:lstStyle/>
+          <a:p>
+            <a:endParaRPr lang="ko-KR" altLang="en-US"/>
+          </a:p>
+        </p:txBody>
+      </p:sp>
+      <p:pic>
+        <p:nvPicPr>
+          <p:cNvPr id="4" name="내용 개체 틀 3"/>
+          <p:cNvPicPr>
+            <a:picLocks noGrp="1" noChangeAspect="1"/>
+          </p:cNvPicPr>
+          <p:nvPr>
+            <p:ph idx="1"/>
+          </p:nvPr>
+        </p:nvPicPr>
+        <p:blipFill>
+          <a:blip r:embed="rId2"/>
+          <a:stretch>
+            <a:fillRect/>
+          </a:stretch>
+        </p:blipFill>
+        <p:spPr>
+          <a:xfrm>
+            <a:off x="457200" y="457200"/>
+            <a:ext cx="8241145" cy="6060411"/>
+          </a:xfrm>
+          <a:prstGeom prst="rect">
+            <a:avLst/>
+          </a:prstGeom>
+        </p:spPr>
+      </p:pic>
+    </p:spTree>
+    <p:extLst>
+      <p:ext uri="{BB962C8B-B14F-4D97-AF65-F5344CB8AC3E}">
+        <p14:creationId xmlns:p14="http://schemas.microsoft.com/office/powerpoint/2010/main" val="56011455"/>
+      </p:ext>
+    </p:extLst>
+  </p:cSld>
+  <p:clrMapOvr>
+    <a:masterClrMapping/>
+  </p:clrMapOvr>
+  <p:timing>
+    <p:tnLst>
+      <p:par>
+        <p:cTn id="1" dur="indefinite" restart="never" nodeType="tmRoot"/>
+      </p:par>
+    </p:tnLst>
+  </p:timing>
+</p:sld>
+</file>
+
+<file path=ppt/slides/slide30.xml><?xml version="1.0" encoding="utf-8"?>
+<p:sld xmlns:a="http://schemas.openxmlformats.org/drawingml/2006/main" xmlns:r="http://schemas.openxmlformats.org/officeDocument/2006/relationships" xmlns:p="http://schemas.openxmlformats.org/presentationml/2006/main">
+  <p:cSld>
+    <p:spTree>
+      <p:nvGrpSpPr>
+        <p:cNvPr id="1" name=""/>
+        <p:cNvGrpSpPr/>
+        <p:nvPr/>
+      </p:nvGrpSpPr>
+      <p:grpSpPr>
+        <a:xfrm>
+          <a:off x="0" y="0"/>
+          <a:ext cx="0" cy="0"/>
+          <a:chOff x="0" y="0"/>
+          <a:chExt cx="0" cy="0"/>
+        </a:xfrm>
+      </p:grpSpPr>
+      <p:sp>
+        <p:nvSpPr>
+          <p:cNvPr id="2" name="제목 1"/>
+          <p:cNvSpPr>
+            <a:spLocks noGrp="1"/>
+          </p:cNvSpPr>
+          <p:nvPr>
+            <p:ph type="title"/>
+          </p:nvPr>
+        </p:nvSpPr>
+        <p:spPr/>
+        <p:txBody>
+          <a:bodyPr/>
+          <a:lstStyle/>
+          <a:p>
+            <a:r>
+              <a:rPr lang="en-US" altLang="ko-KR" dirty="0" smtClean="0"/>
+              <a:t>Results: L dependence</a:t>
+            </a:r>
+            <a:endParaRPr lang="ko-KR" altLang="en-US" dirty="0"/>
+          </a:p>
+        </p:txBody>
+      </p:sp>
+      <p:pic>
+        <p:nvPicPr>
+          <p:cNvPr id="5" name="내용 개체 틀 4"/>
+          <p:cNvPicPr>
+            <a:picLocks noGrp="1" noChangeAspect="1"/>
+          </p:cNvPicPr>
+          <p:nvPr>
+            <p:ph idx="1"/>
+          </p:nvPr>
+        </p:nvPicPr>
+        <p:blipFill>
+          <a:blip r:embed="rId2"/>
+          <a:stretch>
+            <a:fillRect/>
+          </a:stretch>
+        </p:blipFill>
+        <p:spPr>
+          <a:xfrm>
+            <a:off x="4724400" y="1676400"/>
+            <a:ext cx="4062527" cy="2607674"/>
+          </a:xfrm>
+          <a:prstGeom prst="rect">
+            <a:avLst/>
+          </a:prstGeom>
+        </p:spPr>
+      </p:pic>
+      <p:pic>
+        <p:nvPicPr>
+          <p:cNvPr id="4" name="그림 3"/>
+          <p:cNvPicPr>
+            <a:picLocks noChangeAspect="1"/>
+          </p:cNvPicPr>
+          <p:nvPr/>
+        </p:nvPicPr>
+        <p:blipFill>
+          <a:blip r:embed="rId3"/>
+          <a:stretch>
+            <a:fillRect/>
+          </a:stretch>
+        </p:blipFill>
+        <p:spPr>
+          <a:xfrm>
+            <a:off x="228600" y="1676400"/>
+            <a:ext cx="4089598" cy="2721973"/>
+          </a:xfrm>
+          <a:prstGeom prst="rect">
+            <a:avLst/>
+          </a:prstGeom>
+        </p:spPr>
+      </p:pic>
+      <p:sp>
+        <p:nvSpPr>
+          <p:cNvPr id="6" name="TextBox 5"/>
+          <p:cNvSpPr txBox="1"/>
+          <p:nvPr/>
+        </p:nvSpPr>
+        <p:spPr>
+          <a:xfrm>
+            <a:off x="979455" y="4724400"/>
+            <a:ext cx="1293944" cy="369332"/>
+          </a:xfrm>
+          <a:prstGeom prst="rect">
+            <a:avLst/>
+          </a:prstGeom>
+          <a:noFill/>
+        </p:spPr>
+        <p:txBody>
+          <a:bodyPr wrap="none" rtlCol="0">
+            <a:spAutoFit/>
+          </a:bodyPr>
+          <a:lstStyle/>
+          <a:p>
+            <a:r>
+              <a:rPr lang="en-US" altLang="ko-KR" dirty="0" err="1" smtClean="0"/>
+              <a:t>Lt_outer</a:t>
+            </a:r>
+            <a:r>
+              <a:rPr lang="en-US" altLang="ko-KR" dirty="0" smtClean="0"/>
+              <a:t>=0</a:t>
+            </a:r>
+            <a:endParaRPr lang="ko-KR" altLang="en-US" dirty="0"/>
+          </a:p>
+        </p:txBody>
+      </p:sp>
+      <p:sp>
+        <p:nvSpPr>
+          <p:cNvPr id="7" name="TextBox 6"/>
+          <p:cNvSpPr txBox="1"/>
+          <p:nvPr/>
+        </p:nvSpPr>
+        <p:spPr>
+          <a:xfrm>
+            <a:off x="5335456" y="4659868"/>
+            <a:ext cx="1293944" cy="369332"/>
+          </a:xfrm>
+          <a:prstGeom prst="rect">
+            <a:avLst/>
+          </a:prstGeom>
+          <a:noFill/>
+        </p:spPr>
+        <p:txBody>
+          <a:bodyPr wrap="none" rtlCol="0">
+            <a:spAutoFit/>
+          </a:bodyPr>
+          <a:lstStyle/>
+          <a:p>
+            <a:r>
+              <a:rPr lang="en-US" altLang="ko-KR" dirty="0" err="1" smtClean="0"/>
+              <a:t>Lt_outer</a:t>
+            </a:r>
+            <a:r>
+              <a:rPr lang="en-US" altLang="ko-KR" dirty="0" smtClean="0"/>
+              <a:t>=5</a:t>
+            </a:r>
+            <a:endParaRPr lang="ko-KR" altLang="en-US" dirty="0"/>
+          </a:p>
+        </p:txBody>
+      </p:sp>
+    </p:spTree>
+    <p:extLst>
+      <p:ext uri="{BB962C8B-B14F-4D97-AF65-F5344CB8AC3E}">
+        <p14:creationId xmlns:p14="http://schemas.microsoft.com/office/powerpoint/2010/main" val="1932132422"/>
+      </p:ext>
+    </p:extLst>
+  </p:cSld>
+  <p:clrMapOvr>
+    <a:masterClrMapping/>
+  </p:clrMapOvr>
+  <p:timing>
+    <p:tnLst>
+      <p:par>
+        <p:cTn id="1" dur="indefinite" restart="never" nodeType="tmRoot"/>
+      </p:par>
+    </p:tnLst>
+  </p:timing>
+</p:sld>
+</file>
+
+<file path=ppt/slides/slide31.xml><?xml version="1.0" encoding="utf-8"?>
+<p:sld xmlns:a="http://schemas.openxmlformats.org/drawingml/2006/main" xmlns:r="http://schemas.openxmlformats.org/officeDocument/2006/relationships" xmlns:p="http://schemas.openxmlformats.org/presentationml/2006/main">
+  <p:cSld>
+    <p:spTree>
+      <p:nvGrpSpPr>
+        <p:cNvPr id="1" name=""/>
+        <p:cNvGrpSpPr/>
+        <p:nvPr/>
+      </p:nvGrpSpPr>
+      <p:grpSpPr>
+        <a:xfrm>
+          <a:off x="0" y="0"/>
+          <a:ext cx="0" cy="0"/>
+          <a:chOff x="0" y="0"/>
+          <a:chExt cx="0" cy="0"/>
+        </a:xfrm>
+      </p:grpSpPr>
+      <p:sp>
+        <p:nvSpPr>
+          <p:cNvPr id="2" name="제목 1"/>
+          <p:cNvSpPr>
+            <a:spLocks noGrp="1"/>
+          </p:cNvSpPr>
+          <p:nvPr>
+            <p:ph type="title"/>
+          </p:nvPr>
+        </p:nvSpPr>
+        <p:spPr/>
+        <p:txBody>
+          <a:bodyPr/>
+          <a:lstStyle/>
+          <a:p>
+            <a:r>
+              <a:rPr lang="en-US" altLang="ko-KR" dirty="0" smtClean="0"/>
+              <a:t>Results</a:t>
+            </a:r>
+            <a:endParaRPr lang="ko-KR" altLang="en-US" dirty="0"/>
+          </a:p>
+        </p:txBody>
+      </p:sp>
+      <p:pic>
+        <p:nvPicPr>
+          <p:cNvPr id="4" name="그림 3"/>
+          <p:cNvPicPr>
+            <a:picLocks noChangeAspect="1"/>
+          </p:cNvPicPr>
+          <p:nvPr/>
+        </p:nvPicPr>
+        <p:blipFill>
+          <a:blip r:embed="rId2"/>
+          <a:stretch>
+            <a:fillRect/>
+          </a:stretch>
+        </p:blipFill>
+        <p:spPr>
+          <a:xfrm>
+            <a:off x="381000" y="1447800"/>
+            <a:ext cx="4800600" cy="3139825"/>
+          </a:xfrm>
+          <a:prstGeom prst="rect">
+            <a:avLst/>
+          </a:prstGeom>
+        </p:spPr>
+      </p:pic>
+      <p:pic>
+        <p:nvPicPr>
+          <p:cNvPr id="5" name="그림 4"/>
+          <p:cNvPicPr>
+            <a:picLocks noChangeAspect="1"/>
+          </p:cNvPicPr>
+          <p:nvPr/>
+        </p:nvPicPr>
+        <p:blipFill>
+          <a:blip r:embed="rId3"/>
+          <a:stretch>
+            <a:fillRect/>
+          </a:stretch>
+        </p:blipFill>
+        <p:spPr>
+          <a:xfrm>
+            <a:off x="5562600" y="1752600"/>
+            <a:ext cx="2452988" cy="445998"/>
+          </a:xfrm>
+          <a:prstGeom prst="rect">
+            <a:avLst/>
+          </a:prstGeom>
+        </p:spPr>
+      </p:pic>
+      <p:pic>
+        <p:nvPicPr>
+          <p:cNvPr id="6" name="그림 5"/>
+          <p:cNvPicPr>
+            <a:picLocks noChangeAspect="1"/>
+          </p:cNvPicPr>
+          <p:nvPr/>
+        </p:nvPicPr>
+        <p:blipFill>
+          <a:blip r:embed="rId4"/>
+          <a:stretch>
+            <a:fillRect/>
+          </a:stretch>
+        </p:blipFill>
+        <p:spPr>
+          <a:xfrm>
+            <a:off x="5357446" y="2387485"/>
+            <a:ext cx="1752600" cy="384224"/>
+          </a:xfrm>
+          <a:prstGeom prst="rect">
+            <a:avLst/>
+          </a:prstGeom>
+        </p:spPr>
+      </p:pic>
+      <p:pic>
+        <p:nvPicPr>
+          <p:cNvPr id="7" name="그림 6"/>
+          <p:cNvPicPr>
+            <a:picLocks noChangeAspect="1"/>
+          </p:cNvPicPr>
+          <p:nvPr/>
+        </p:nvPicPr>
+        <p:blipFill>
+          <a:blip r:embed="rId5"/>
+          <a:stretch>
+            <a:fillRect/>
+          </a:stretch>
+        </p:blipFill>
+        <p:spPr>
+          <a:xfrm>
+            <a:off x="5357446" y="3602211"/>
+            <a:ext cx="1600200" cy="316389"/>
+          </a:xfrm>
+          <a:prstGeom prst="rect">
+            <a:avLst/>
+          </a:prstGeom>
+        </p:spPr>
+      </p:pic>
+      <p:pic>
+        <p:nvPicPr>
+          <p:cNvPr id="8" name="그림 7"/>
+          <p:cNvPicPr>
+            <a:picLocks noChangeAspect="1"/>
+          </p:cNvPicPr>
+          <p:nvPr/>
+        </p:nvPicPr>
+        <p:blipFill>
+          <a:blip r:embed="rId6"/>
+          <a:stretch>
+            <a:fillRect/>
+          </a:stretch>
+        </p:blipFill>
+        <p:spPr>
+          <a:xfrm>
+            <a:off x="7391400" y="2427198"/>
+            <a:ext cx="1479660" cy="304799"/>
+          </a:xfrm>
+          <a:prstGeom prst="rect">
+            <a:avLst/>
+          </a:prstGeom>
+        </p:spPr>
+      </p:pic>
+      <p:pic>
+        <p:nvPicPr>
+          <p:cNvPr id="9" name="그림 8"/>
+          <p:cNvPicPr>
+            <a:picLocks noChangeAspect="1"/>
+          </p:cNvPicPr>
+          <p:nvPr/>
+        </p:nvPicPr>
+        <p:blipFill>
+          <a:blip r:embed="rId7"/>
+          <a:stretch>
+            <a:fillRect/>
+          </a:stretch>
+        </p:blipFill>
+        <p:spPr>
+          <a:xfrm>
+            <a:off x="7391400" y="3602211"/>
+            <a:ext cx="1597270" cy="287744"/>
+          </a:xfrm>
+          <a:prstGeom prst="rect">
+            <a:avLst/>
+          </a:prstGeom>
+        </p:spPr>
+      </p:pic>
+      <p:sp>
+        <p:nvSpPr>
+          <p:cNvPr id="10" name="TextBox 9"/>
+          <p:cNvSpPr txBox="1"/>
+          <p:nvPr/>
+        </p:nvSpPr>
+        <p:spPr>
+          <a:xfrm>
+            <a:off x="609600" y="4608140"/>
+            <a:ext cx="3822521" cy="369332"/>
+          </a:xfrm>
+          <a:prstGeom prst="rect">
+            <a:avLst/>
+          </a:prstGeom>
+          <a:noFill/>
+        </p:spPr>
+        <p:txBody>
+          <a:bodyPr wrap="none" rtlCol="0">
+            <a:spAutoFit/>
+          </a:bodyPr>
+          <a:lstStyle/>
+          <a:p>
+            <a:r>
+              <a:rPr lang="en-US" altLang="ko-KR" dirty="0" smtClean="0"/>
+              <a:t>NLEFT in Cubic lattice calculation : </a:t>
+            </a:r>
+            <a:endParaRPr lang="ko-KR" altLang="en-US" dirty="0"/>
+          </a:p>
+        </p:txBody>
+      </p:sp>
+      <p:pic>
+        <p:nvPicPr>
+          <p:cNvPr id="11" name="그림 10"/>
+          <p:cNvPicPr>
+            <a:picLocks noChangeAspect="1"/>
+          </p:cNvPicPr>
+          <p:nvPr/>
+        </p:nvPicPr>
+        <p:blipFill>
+          <a:blip r:embed="rId8"/>
+          <a:stretch>
+            <a:fillRect/>
+          </a:stretch>
+        </p:blipFill>
+        <p:spPr>
+          <a:xfrm>
+            <a:off x="5281038" y="4610017"/>
+            <a:ext cx="3658015" cy="357594"/>
+          </a:xfrm>
+          <a:prstGeom prst="rect">
+            <a:avLst/>
+          </a:prstGeom>
+        </p:spPr>
+      </p:pic>
+      <p:sp>
+        <p:nvSpPr>
+          <p:cNvPr id="12" name="TextBox 11"/>
+          <p:cNvSpPr txBox="1"/>
+          <p:nvPr/>
+        </p:nvSpPr>
+        <p:spPr>
+          <a:xfrm>
+            <a:off x="948611" y="5185193"/>
+            <a:ext cx="6442789" cy="1477328"/>
+          </a:xfrm>
+          <a:prstGeom prst="rect">
+            <a:avLst/>
+          </a:prstGeom>
+          <a:noFill/>
+        </p:spPr>
+        <p:txBody>
+          <a:bodyPr wrap="none" rtlCol="0">
+            <a:spAutoFit/>
+          </a:bodyPr>
+          <a:lstStyle/>
+          <a:p>
+            <a:r>
+              <a:rPr lang="en-US" altLang="ko-KR" dirty="0" smtClean="0"/>
+              <a:t>Consistent with </a:t>
+            </a:r>
+          </a:p>
+          <a:p>
+            <a:r>
+              <a:rPr lang="en-US" altLang="ko-KR" dirty="0" smtClean="0"/>
+              <a:t>QMC calculations :   0.366(2) in zero-temperature</a:t>
+            </a:r>
+          </a:p>
+          <a:p>
+            <a:r>
+              <a:rPr lang="en-US" altLang="ko-KR" dirty="0"/>
+              <a:t> </a:t>
+            </a:r>
+            <a:r>
+              <a:rPr lang="en-US" altLang="ko-KR" dirty="0" smtClean="0"/>
+              <a:t>                                0.367(7)  zero-temperature extrapolation</a:t>
+            </a:r>
+          </a:p>
+          <a:p>
+            <a:r>
+              <a:rPr lang="en-US" altLang="ko-KR" dirty="0" smtClean="0"/>
+              <a:t>Fixed node diffusion MC and DFT : upper bound 0.383(1)</a:t>
+            </a:r>
+          </a:p>
+          <a:p>
+            <a:r>
+              <a:rPr lang="en-US" altLang="ko-KR" dirty="0" smtClean="0"/>
+              <a:t>Experiment  : 0.376(4)                                                    </a:t>
+            </a:r>
+            <a:endParaRPr lang="ko-KR" altLang="en-US" dirty="0"/>
+          </a:p>
+        </p:txBody>
+      </p:sp>
+    </p:spTree>
+    <p:extLst>
+      <p:ext uri="{BB962C8B-B14F-4D97-AF65-F5344CB8AC3E}">
+        <p14:creationId xmlns:p14="http://schemas.microsoft.com/office/powerpoint/2010/main" val="432805753"/>
+      </p:ext>
+    </p:extLst>
+  </p:cSld>
+  <p:clrMapOvr>
+    <a:masterClrMapping/>
+  </p:clrMapOvr>
+  <p:timing>
+    <p:tnLst>
+      <p:par>
+        <p:cTn id="1" dur="indefinite" restart="never" nodeType="tmRoot"/>
+      </p:par>
+    </p:tnLst>
+  </p:timing>
+</p:sld>
+</file>
+
+<file path=ppt/slides/slide32.xml><?xml version="1.0" encoding="utf-8"?>
+<p:sld xmlns:a="http://schemas.openxmlformats.org/drawingml/2006/main" xmlns:r="http://schemas.openxmlformats.org/officeDocument/2006/relationships" xmlns:p="http://schemas.openxmlformats.org/presentationml/2006/main">
+  <p:cSld>
+    <p:spTree>
+      <p:nvGrpSpPr>
+        <p:cNvPr id="1" name=""/>
+        <p:cNvGrpSpPr/>
+        <p:nvPr/>
+      </p:nvGrpSpPr>
+      <p:grpSpPr>
+        <a:xfrm>
+          <a:off x="0" y="0"/>
+          <a:ext cx="0" cy="0"/>
+          <a:chOff x="0" y="0"/>
+          <a:chExt cx="0" cy="0"/>
+        </a:xfrm>
+      </p:grpSpPr>
+      <p:sp>
+        <p:nvSpPr>
+          <p:cNvPr id="2" name="제목 1"/>
+          <p:cNvSpPr>
+            <a:spLocks noGrp="1"/>
+          </p:cNvSpPr>
+          <p:nvPr>
+            <p:ph type="title"/>
+          </p:nvPr>
+        </p:nvSpPr>
+        <p:spPr/>
+        <p:txBody>
+          <a:bodyPr/>
+          <a:lstStyle/>
+          <a:p>
+            <a:r>
+              <a:rPr lang="en-US" altLang="ko-KR" dirty="0" smtClean="0"/>
+              <a:t>Discussion</a:t>
+            </a:r>
+            <a:endParaRPr lang="ko-KR" altLang="en-US" dirty="0"/>
+          </a:p>
+        </p:txBody>
+      </p:sp>
+      <p:sp>
+        <p:nvSpPr>
+          <p:cNvPr id="3" name="내용 개체 틀 2"/>
+          <p:cNvSpPr>
+            <a:spLocks noGrp="1"/>
+          </p:cNvSpPr>
+          <p:nvPr>
+            <p:ph idx="1"/>
+          </p:nvPr>
+        </p:nvSpPr>
+        <p:spPr/>
+        <p:txBody>
+          <a:bodyPr>
+            <a:normAutofit/>
+          </a:bodyPr>
+          <a:lstStyle/>
+          <a:p>
+            <a:r>
+              <a:rPr lang="en-US" altLang="ko-KR" dirty="0" smtClean="0"/>
+              <a:t>We confirm the regularization independence of NLEFT calculation for Unitary Fermion Gas. </a:t>
+            </a:r>
+          </a:p>
+          <a:p>
+            <a:r>
+              <a:rPr lang="en-US" altLang="ko-KR" dirty="0" err="1" smtClean="0"/>
+              <a:t>Bertsch</a:t>
+            </a:r>
+            <a:r>
+              <a:rPr lang="en-US" altLang="ko-KR" dirty="0" smtClean="0"/>
+              <a:t> parameter of UFG estimated 0.369(3) ~ 0.373(2)</a:t>
+            </a:r>
+          </a:p>
+          <a:p>
+            <a:r>
+              <a:rPr lang="en-US" altLang="ko-KR" dirty="0" smtClean="0"/>
+              <a:t>BCC lattice calculation shows faster convergence between </a:t>
+            </a:r>
+            <a:r>
+              <a:rPr lang="en-US" altLang="ko-KR" dirty="0" err="1" smtClean="0"/>
+              <a:t>beta^finite</a:t>
+            </a:r>
+            <a:r>
+              <a:rPr lang="en-US" altLang="ko-KR" dirty="0" smtClean="0"/>
+              <a:t> and </a:t>
+            </a:r>
+            <a:r>
+              <a:rPr lang="en-US" altLang="ko-KR" dirty="0" err="1" smtClean="0"/>
+              <a:t>beta^therm</a:t>
+            </a:r>
+            <a:r>
+              <a:rPr lang="en-US" altLang="ko-KR" dirty="0" smtClean="0"/>
+              <a:t>. BCC lattice requires larger number of lattice points for the same lattice size. However, for the similar number of lattice points, computational cost is similar for BCC and cubic lattice. </a:t>
+            </a:r>
+            <a:endParaRPr lang="ko-KR" altLang="en-US" dirty="0"/>
+          </a:p>
+        </p:txBody>
+      </p:sp>
+    </p:spTree>
+    <p:extLst>
+      <p:ext uri="{BB962C8B-B14F-4D97-AF65-F5344CB8AC3E}">
+        <p14:creationId xmlns:p14="http://schemas.microsoft.com/office/powerpoint/2010/main" val="3803415619"/>
+      </p:ext>
+    </p:extLst>
+  </p:cSld>
+  <p:clrMapOvr>
+    <a:masterClrMapping/>
+  </p:clrMapOvr>
+  <p:timing>
+    <p:tnLst>
+      <p:par>
+        <p:cTn id="1" dur="indefinite" restart="never" nodeType="tmRoot"/>
+      </p:par>
+    </p:tnLst>
+  </p:timing>
+</p:sld>
+</file>
+
+<file path=ppt/slides/slide4.xml><?xml version="1.0" encoding="utf-8"?>
+<p:sld xmlns:a="http://schemas.openxmlformats.org/drawingml/2006/main" xmlns:r="http://schemas.openxmlformats.org/officeDocument/2006/relationships" xmlns:p="http://schemas.openxmlformats.org/presentationml/2006/main">
+  <p:cSld>
+    <p:spTree>
+      <p:nvGrpSpPr>
+        <p:cNvPr id="1" name=""/>
+        <p:cNvGrpSpPr/>
+        <p:nvPr/>
+      </p:nvGrpSpPr>
+      <p:grpSpPr>
+        <a:xfrm>
+          <a:off x="0" y="0"/>
+          <a:ext cx="0" cy="0"/>
+          <a:chOff x="0" y="0"/>
+          <a:chExt cx="0" cy="0"/>
+        </a:xfrm>
+      </p:grpSpPr>
+      <p:sp>
+        <p:nvSpPr>
+          <p:cNvPr id="2" name="제목 1"/>
+          <p:cNvSpPr>
+            <a:spLocks noGrp="1"/>
+          </p:cNvSpPr>
+          <p:nvPr>
+            <p:ph type="title"/>
+          </p:nvPr>
+        </p:nvSpPr>
+        <p:spPr/>
+        <p:txBody>
+          <a:bodyPr/>
+          <a:lstStyle/>
+          <a:p>
+            <a:r>
+              <a:rPr lang="en-US" altLang="ko-KR" dirty="0" smtClean="0"/>
+              <a:t>Ab-initio method</a:t>
+            </a:r>
+            <a:endParaRPr lang="ko-KR" altLang="en-US" dirty="0"/>
+          </a:p>
+        </p:txBody>
+      </p:sp>
+      <p:sp>
+        <p:nvSpPr>
+          <p:cNvPr id="3" name="내용 개체 틀 2"/>
+          <p:cNvSpPr>
+            <a:spLocks noGrp="1"/>
+          </p:cNvSpPr>
+          <p:nvPr>
+            <p:ph idx="1"/>
+          </p:nvPr>
+        </p:nvSpPr>
+        <p:spPr>
+          <a:xfrm>
+            <a:off x="5562600" y="1600200"/>
+            <a:ext cx="3124200" cy="4876800"/>
+          </a:xfrm>
+        </p:spPr>
+        <p:txBody>
+          <a:bodyPr/>
+          <a:lstStyle/>
+          <a:p>
+            <a:r>
+              <a:rPr lang="en-US" altLang="ko-KR" dirty="0" smtClean="0"/>
+              <a:t>Ab-initio can mean many different things. </a:t>
+            </a:r>
+          </a:p>
+          <a:p>
+            <a:r>
+              <a:rPr lang="en-US" altLang="ko-KR" dirty="0" smtClean="0"/>
+              <a:t>In nuclear physics, ab-initio means to start from nucleon-nucleon interaction.  </a:t>
+            </a:r>
+            <a:endParaRPr lang="ko-KR" altLang="en-US" dirty="0"/>
+          </a:p>
+        </p:txBody>
+      </p:sp>
+      <p:pic>
+        <p:nvPicPr>
+          <p:cNvPr id="4" name="그림 3"/>
+          <p:cNvPicPr>
+            <a:picLocks noChangeAspect="1"/>
+          </p:cNvPicPr>
+          <p:nvPr/>
+        </p:nvPicPr>
+        <p:blipFill>
+          <a:blip r:embed="rId2"/>
+          <a:stretch>
+            <a:fillRect/>
+          </a:stretch>
+        </p:blipFill>
+        <p:spPr>
+          <a:xfrm>
+            <a:off x="152400" y="1611745"/>
+            <a:ext cx="5029200" cy="4706727"/>
+          </a:xfrm>
+          <a:prstGeom prst="rect">
+            <a:avLst/>
+          </a:prstGeom>
+        </p:spPr>
+      </p:pic>
+    </p:spTree>
+    <p:extLst>
+      <p:ext uri="{BB962C8B-B14F-4D97-AF65-F5344CB8AC3E}">
+        <p14:creationId xmlns:p14="http://schemas.microsoft.com/office/powerpoint/2010/main" val="2066655972"/>
+      </p:ext>
+    </p:extLst>
+  </p:cSld>
+  <p:clrMapOvr>
+    <a:masterClrMapping/>
+  </p:clrMapOvr>
+  <p:timing>
+    <p:tnLst>
+      <p:par>
+        <p:cTn id="1" dur="indefinite" restart="never" nodeType="tmRoot"/>
+      </p:par>
+    </p:tnLst>
+  </p:timing>
 </p:sld>
 </file>
 
@@ -6261,7 +8506,7 @@
           <a:p>
             <a:r>
               <a:rPr lang="en-US" altLang="ko-KR" dirty="0" smtClean="0"/>
-              <a:t>Unitary Fermion Gas in BCC lattice</a:t>
+              <a:t>Non-perturbative many-body problem</a:t>
             </a:r>
             <a:endParaRPr lang="ko-KR" altLang="en-US" dirty="0"/>
           </a:p>
@@ -6279,123 +8524,12 @@
         </p:nvSpPr>
         <p:spPr/>
         <p:txBody>
-          <a:bodyPr>
-            <a:normAutofit/>
-          </a:bodyPr>
-          <a:lstStyle/>
-          <a:p>
-            <a:endParaRPr lang="en-US" altLang="ko-KR" dirty="0" smtClean="0">
-              <a:sym typeface="Wingdings" panose="05000000000000000000" pitchFamily="2" charset="2"/>
-            </a:endParaRPr>
-          </a:p>
-          <a:p>
-            <a:endParaRPr lang="ko-KR" altLang="en-US" dirty="0"/>
-          </a:p>
-        </p:txBody>
-      </p:sp>
-      <p:pic>
-        <p:nvPicPr>
-          <p:cNvPr id="6" name="그림 5"/>
-          <p:cNvPicPr>
-            <a:picLocks noChangeAspect="1"/>
-          </p:cNvPicPr>
-          <p:nvPr/>
-        </p:nvPicPr>
-        <p:blipFill>
-          <a:blip r:embed="rId2"/>
-          <a:stretch>
-            <a:fillRect/>
-          </a:stretch>
-        </p:blipFill>
-        <p:spPr>
-          <a:xfrm>
-            <a:off x="483577" y="3499925"/>
-            <a:ext cx="4683215" cy="1667009"/>
-          </a:xfrm>
-          <a:prstGeom prst="rect">
-            <a:avLst/>
-          </a:prstGeom>
-        </p:spPr>
-      </p:pic>
-      <p:pic>
-        <p:nvPicPr>
-          <p:cNvPr id="7" name="그림 6"/>
-          <p:cNvPicPr>
-            <a:picLocks noChangeAspect="1"/>
-          </p:cNvPicPr>
-          <p:nvPr/>
-        </p:nvPicPr>
-        <p:blipFill>
-          <a:blip r:embed="rId3"/>
-          <a:stretch>
-            <a:fillRect/>
-          </a:stretch>
-        </p:blipFill>
-        <p:spPr>
-          <a:xfrm>
-            <a:off x="533400" y="1524000"/>
-            <a:ext cx="2133600" cy="1776195"/>
-          </a:xfrm>
-          <a:prstGeom prst="rect">
-            <a:avLst/>
-          </a:prstGeom>
-        </p:spPr>
-      </p:pic>
-      <p:pic>
-        <p:nvPicPr>
-          <p:cNvPr id="9" name="그림 8"/>
-          <p:cNvPicPr>
-            <a:picLocks noChangeAspect="1"/>
-          </p:cNvPicPr>
-          <p:nvPr/>
-        </p:nvPicPr>
-        <p:blipFill>
-          <a:blip r:embed="rId4"/>
-          <a:stretch>
-            <a:fillRect/>
-          </a:stretch>
-        </p:blipFill>
-        <p:spPr>
-          <a:xfrm>
-            <a:off x="6477000" y="1488767"/>
-            <a:ext cx="1828800" cy="1571222"/>
-          </a:xfrm>
-          <a:prstGeom prst="rect">
-            <a:avLst/>
-          </a:prstGeom>
-        </p:spPr>
-      </p:pic>
-      <p:sp>
-        <p:nvSpPr>
-          <p:cNvPr id="10" name="TextBox 9"/>
-          <p:cNvSpPr txBox="1"/>
-          <p:nvPr/>
-        </p:nvSpPr>
-        <p:spPr>
-          <a:xfrm>
-            <a:off x="3383513" y="1488767"/>
-            <a:ext cx="2864887" cy="923330"/>
-          </a:xfrm>
-          <a:prstGeom prst="rect">
-            <a:avLst/>
-          </a:prstGeom>
-          <a:noFill/>
-        </p:spPr>
-        <p:txBody>
-          <a:bodyPr wrap="none" rtlCol="0">
-            <a:spAutoFit/>
-          </a:bodyPr>
+          <a:bodyPr/>
           <a:lstStyle/>
           <a:p>
             <a:r>
               <a:rPr lang="en-US" altLang="ko-KR" dirty="0" smtClean="0"/>
-              <a:t>Universality of unitary limit</a:t>
-            </a:r>
-          </a:p>
-          <a:p>
-            <a:r>
-              <a:rPr lang="en-US" altLang="ko-KR" dirty="0" smtClean="0"/>
-              <a:t>Of many fermion system</a:t>
+              <a:t>QCD is non-perturbative at long distance scale.</a:t>
             </a:r>
           </a:p>
           <a:p>
@@ -6403,133 +8537,74 @@
               <a:rPr lang="en-US" altLang="ko-KR" dirty="0" smtClean="0">
                 <a:sym typeface="Wingdings" panose="05000000000000000000" pitchFamily="2" charset="2"/>
               </a:rPr>
-              <a:t> </a:t>
-            </a:r>
-            <a:r>
-              <a:rPr lang="en-US" altLang="ko-KR" dirty="0" err="1" smtClean="0">
-                <a:sym typeface="Wingdings" panose="05000000000000000000" pitchFamily="2" charset="2"/>
-              </a:rPr>
-              <a:t>Bertsch</a:t>
-            </a:r>
+              <a:t> Lattice QCD : Compute Path integral in Euclidean time</a:t>
+            </a:r>
+          </a:p>
+          <a:p>
+            <a:endParaRPr lang="en-US" altLang="ko-KR" dirty="0">
+              <a:sym typeface="Wingdings" panose="05000000000000000000" pitchFamily="2" charset="2"/>
+            </a:endParaRPr>
+          </a:p>
+          <a:p>
             <a:r>
               <a:rPr lang="en-US" altLang="ko-KR" dirty="0" smtClean="0">
                 <a:sym typeface="Wingdings" panose="05000000000000000000" pitchFamily="2" charset="2"/>
               </a:rPr>
-              <a:t> Parameter</a:t>
-            </a:r>
-            <a:endParaRPr lang="ko-KR" altLang="en-US" dirty="0"/>
-          </a:p>
-        </p:txBody>
-      </p:sp>
-      <p:sp>
-        <p:nvSpPr>
-          <p:cNvPr id="12" name="TextBox 11"/>
-          <p:cNvSpPr txBox="1"/>
-          <p:nvPr/>
-        </p:nvSpPr>
-        <p:spPr>
-          <a:xfrm>
-            <a:off x="5638800" y="3499925"/>
-            <a:ext cx="3276600" cy="1477328"/>
-          </a:xfrm>
-          <a:prstGeom prst="rect">
-            <a:avLst/>
-          </a:prstGeom>
-          <a:noFill/>
-        </p:spPr>
-        <p:txBody>
-          <a:bodyPr wrap="square" rtlCol="0">
-            <a:spAutoFit/>
-          </a:bodyPr>
-          <a:lstStyle/>
-          <a:p>
-            <a:r>
-              <a:rPr lang="en-US" altLang="ko-KR" dirty="0" smtClean="0"/>
-              <a:t>Experiment in</a:t>
-            </a:r>
-          </a:p>
-          <a:p>
-            <a:r>
-              <a:rPr lang="en-US" altLang="ko-KR" dirty="0" err="1" smtClean="0"/>
-              <a:t>Ultracold</a:t>
-            </a:r>
-            <a:r>
-              <a:rPr lang="en-US" altLang="ko-KR" dirty="0" smtClean="0"/>
-              <a:t> trapped atoms</a:t>
-            </a:r>
-          </a:p>
-          <a:p>
-            <a:r>
-              <a:rPr lang="en-US" altLang="ko-KR" dirty="0" smtClean="0"/>
-              <a:t>(</a:t>
-            </a:r>
-            <a:r>
-              <a:rPr lang="en-US" altLang="ko-KR" dirty="0"/>
-              <a:t>M. J. H. </a:t>
-            </a:r>
-            <a:r>
-              <a:rPr lang="en-US" altLang="ko-KR" dirty="0" smtClean="0"/>
-              <a:t>Ku et al, </a:t>
-            </a:r>
-            <a:r>
-              <a:rPr lang="en-US" altLang="ko-KR" dirty="0"/>
-              <a:t>Science 335, 563-567 (2012</a:t>
-            </a:r>
-            <a:r>
-              <a:rPr lang="en-US" altLang="ko-KR" dirty="0" smtClean="0"/>
-              <a:t>).)</a:t>
-            </a:r>
-          </a:p>
-          <a:p>
-            <a:r>
-              <a:rPr lang="en-US" altLang="ko-KR" dirty="0" err="1" smtClean="0"/>
-              <a:t>Bertch</a:t>
-            </a:r>
-            <a:r>
-              <a:rPr lang="en-US" altLang="ko-KR" dirty="0" smtClean="0"/>
-              <a:t> parameter ~ 0.376(4)</a:t>
-            </a:r>
-            <a:endParaRPr lang="ko-KR" altLang="en-US" dirty="0"/>
-          </a:p>
-        </p:txBody>
-      </p:sp>
-      <p:sp>
-        <p:nvSpPr>
-          <p:cNvPr id="13" name="TextBox 12"/>
-          <p:cNvSpPr txBox="1"/>
-          <p:nvPr/>
-        </p:nvSpPr>
-        <p:spPr>
-          <a:xfrm>
-            <a:off x="807751" y="5455142"/>
-            <a:ext cx="5720477" cy="923330"/>
-          </a:xfrm>
-          <a:prstGeom prst="rect">
-            <a:avLst/>
-          </a:prstGeom>
-          <a:noFill/>
-        </p:spPr>
-        <p:txBody>
-          <a:bodyPr wrap="none" rtlCol="0">
-            <a:spAutoFit/>
-          </a:bodyPr>
-          <a:lstStyle/>
-          <a:p>
-            <a:r>
-              <a:rPr lang="en-US" altLang="ko-KR" dirty="0" smtClean="0"/>
-              <a:t>Many theoretical calculation exists including NLEFT.</a:t>
-            </a:r>
-          </a:p>
-          <a:p>
-            <a:r>
-              <a:rPr lang="en-US" altLang="ko-KR" dirty="0" smtClean="0"/>
-              <a:t>Previous NLEFT calculation was done in cubic lattice. </a:t>
-            </a:r>
-          </a:p>
-          <a:p>
-            <a:r>
-              <a:rPr lang="en-US" altLang="ko-KR" dirty="0" smtClean="0"/>
-              <a:t>Here we applied NLEFT in BCC lattice . </a:t>
+              <a:t>Nuclear many body problem</a:t>
+            </a:r>
+          </a:p>
+          <a:p>
+            <a:pPr lvl="1"/>
+            <a:r>
+              <a:rPr lang="en-US" altLang="ko-KR" dirty="0" smtClean="0">
+                <a:sym typeface="Wingdings" panose="05000000000000000000" pitchFamily="2" charset="2"/>
+              </a:rPr>
+              <a:t>Requires Non-perturbative method.</a:t>
+            </a:r>
+          </a:p>
+          <a:p>
+            <a:pPr lvl="1"/>
+            <a:r>
+              <a:rPr lang="en-US" altLang="ko-KR" dirty="0" smtClean="0">
+                <a:sym typeface="Wingdings" panose="05000000000000000000" pitchFamily="2" charset="2"/>
+              </a:rPr>
+              <a:t>Ab-initio nuclear many body methods</a:t>
+            </a:r>
+          </a:p>
+          <a:p>
+            <a:pPr lvl="2"/>
+            <a:r>
+              <a:rPr lang="en-US" altLang="ko-KR" dirty="0" smtClean="0">
+                <a:sym typeface="Wingdings" panose="05000000000000000000" pitchFamily="2" charset="2"/>
+              </a:rPr>
+              <a:t>Greens function Monte Carlo</a:t>
+            </a:r>
+          </a:p>
+          <a:p>
+            <a:pPr lvl="2"/>
+            <a:r>
+              <a:rPr lang="en-US" altLang="ko-KR" dirty="0" smtClean="0">
+                <a:sym typeface="Wingdings" panose="05000000000000000000" pitchFamily="2" charset="2"/>
+              </a:rPr>
+              <a:t>No-core shell model</a:t>
+            </a:r>
+          </a:p>
+          <a:p>
+            <a:pPr lvl="2"/>
+            <a:r>
+              <a:rPr lang="en-US" altLang="ko-KR" dirty="0" smtClean="0">
+                <a:sym typeface="Wingdings" panose="05000000000000000000" pitchFamily="2" charset="2"/>
+              </a:rPr>
+              <a:t>Coupled Cluster </a:t>
+            </a:r>
+          </a:p>
+          <a:p>
+            <a:pPr lvl="2"/>
+            <a:r>
+              <a:rPr lang="en-US" altLang="ko-KR" dirty="0" smtClean="0">
+                <a:sym typeface="Wingdings" panose="05000000000000000000" pitchFamily="2" charset="2"/>
+              </a:rPr>
+              <a:t>Nuclear Lattice Effective Field Theory</a:t>
             </a:r>
             <a:endParaRPr lang="ko-KR" altLang="en-US" dirty="0"/>
           </a:p>
@@ -6538,13 +8613,20 @@
     </p:spTree>
     <p:extLst>
       <p:ext uri="{BB962C8B-B14F-4D97-AF65-F5344CB8AC3E}">
-        <p14:creationId xmlns:p14="http://schemas.microsoft.com/office/powerpoint/2010/main" val="3407700620"/>
+        <p14:creationId xmlns:p14="http://schemas.microsoft.com/office/powerpoint/2010/main" val="77926637"/>
       </p:ext>
     </p:extLst>
   </p:cSld>
   <p:clrMapOvr>
     <a:masterClrMapping/>
   </p:clrMapOvr>
+  <p:timing>
+    <p:tnLst>
+      <p:par>
+        <p:cTn id="1" dur="indefinite" restart="never" nodeType="tmRoot"/>
+      </p:par>
+    </p:tnLst>
+  </p:timing>
 </p:sld>
 </file>
 
@@ -6588,32 +8670,9 @@
           </a:p>
         </p:txBody>
       </p:sp>
-      <p:sp>
-        <p:nvSpPr>
-          <p:cNvPr id="3" name="내용 개체 틀 2"/>
-          <p:cNvSpPr>
-            <a:spLocks noGrp="1"/>
-          </p:cNvSpPr>
-          <p:nvPr>
-            <p:ph idx="1"/>
-          </p:nvPr>
-        </p:nvSpPr>
-        <p:spPr/>
-        <p:txBody>
-          <a:bodyPr/>
-          <a:lstStyle/>
-          <a:p>
-            <a:r>
-              <a:rPr lang="en-US" altLang="ko-KR" dirty="0" smtClean="0"/>
-              <a:t>One of ab initio method for many fermion system</a:t>
-            </a:r>
-            <a:endParaRPr lang="ko-KR" altLang="en-US" dirty="0"/>
-          </a:p>
-        </p:txBody>
-      </p:sp>
       <p:pic>
         <p:nvPicPr>
-          <p:cNvPr id="8194" name="Picture 2"/>
+          <p:cNvPr id="4" name="Picture 2"/>
           <p:cNvPicPr>
             <a:picLocks noChangeAspect="1" noChangeArrowheads="1"/>
           </p:cNvPicPr>
@@ -6634,7 +8693,7 @@
         </p:blipFill>
         <p:spPr bwMode="auto">
           <a:xfrm>
-            <a:off x="457200" y="2124075"/>
+            <a:off x="609600" y="1600200"/>
             <a:ext cx="3000375" cy="4352925"/>
           </a:xfrm>
           <a:prstGeom prst="rect">
@@ -6667,7 +8726,7 @@
       </p:pic>
       <p:pic>
         <p:nvPicPr>
-          <p:cNvPr id="8195" name="Picture 3"/>
+          <p:cNvPr id="5" name="Picture 3"/>
           <p:cNvPicPr>
             <a:picLocks noChangeAspect="1" noChangeArrowheads="1"/>
           </p:cNvPicPr>
@@ -6688,7 +8747,7 @@
         </p:blipFill>
         <p:spPr bwMode="auto">
           <a:xfrm>
-            <a:off x="3819525" y="2409825"/>
+            <a:off x="3642302" y="1767754"/>
             <a:ext cx="5324475" cy="714375"/>
           </a:xfrm>
           <a:prstGeom prst="rect">
@@ -6721,7 +8780,7 @@
       </p:pic>
       <p:pic>
         <p:nvPicPr>
-          <p:cNvPr id="8196" name="Picture 4"/>
+          <p:cNvPr id="6" name="Picture 4"/>
           <p:cNvPicPr>
             <a:picLocks noChangeAspect="1" noChangeArrowheads="1"/>
           </p:cNvPicPr>
@@ -6742,7 +8801,7 @@
         </p:blipFill>
         <p:spPr bwMode="auto">
           <a:xfrm>
-            <a:off x="4455594" y="3228975"/>
+            <a:off x="4343400" y="2588347"/>
             <a:ext cx="4052336" cy="2943225"/>
           </a:xfrm>
           <a:prstGeom prst="rect">
@@ -6776,7 +8835,7 @@
     </p:spTree>
     <p:extLst>
       <p:ext uri="{BB962C8B-B14F-4D97-AF65-F5344CB8AC3E}">
-        <p14:creationId xmlns:p14="http://schemas.microsoft.com/office/powerpoint/2010/main" val="1848018294"/>
+        <p14:creationId xmlns:p14="http://schemas.microsoft.com/office/powerpoint/2010/main" val="3109027579"/>
       </p:ext>
     </p:extLst>
   </p:cSld>
@@ -6827,115 +8886,40 @@
           <a:p>
             <a:r>
               <a:rPr lang="en-US" altLang="ko-KR" dirty="0" smtClean="0"/>
-              <a:t>Characters of NLEFT</a:t>
+              <a:t>Chiral Effective Field Theory</a:t>
             </a:r>
             <a:endParaRPr lang="ko-KR" altLang="en-US" dirty="0"/>
           </a:p>
         </p:txBody>
       </p:sp>
-      <p:sp>
-        <p:nvSpPr>
-          <p:cNvPr id="3" name="내용 개체 틀 2"/>
-          <p:cNvSpPr>
-            <a:spLocks noGrp="1"/>
-          </p:cNvSpPr>
-          <p:nvPr>
-            <p:ph idx="1"/>
-          </p:nvPr>
-        </p:nvSpPr>
-        <p:spPr/>
-        <p:txBody>
-          <a:bodyPr>
-            <a:normAutofit/>
-          </a:bodyPr>
-          <a:lstStyle/>
-          <a:p>
-            <a:r>
-              <a:rPr lang="en-US" altLang="ko-KR" sz="3200" dirty="0" smtClean="0"/>
-              <a:t>NLEFT is not a molecular dynamics</a:t>
-            </a:r>
-          </a:p>
-          <a:p>
-            <a:pPr marL="0" indent="0">
-              <a:buNone/>
-            </a:pPr>
-            <a:r>
-              <a:rPr lang="en-US" altLang="ko-KR" sz="3200" dirty="0">
-                <a:sym typeface="Wingdings" panose="05000000000000000000" pitchFamily="2" charset="2"/>
-              </a:rPr>
-              <a:t> </a:t>
-            </a:r>
-            <a:r>
-              <a:rPr lang="en-US" altLang="ko-KR" sz="3200" dirty="0" smtClean="0">
-                <a:sym typeface="Wingdings" panose="05000000000000000000" pitchFamily="2" charset="2"/>
-              </a:rPr>
-              <a:t>  fully quantum mechanical.</a:t>
-            </a:r>
-            <a:endParaRPr lang="en-US" altLang="ko-KR" sz="3200" dirty="0"/>
-          </a:p>
-          <a:p>
-            <a:r>
-              <a:rPr lang="en-US" altLang="ko-KR" sz="3200" dirty="0" smtClean="0"/>
-              <a:t>NLEFT </a:t>
-            </a:r>
-            <a:r>
-              <a:rPr lang="en-US" altLang="ko-KR" sz="3200" dirty="0">
-                <a:solidFill>
-                  <a:srgbClr val="FF0000"/>
-                </a:solidFill>
-              </a:rPr>
-              <a:t>does not require truncated basis expansions</a:t>
-            </a:r>
-            <a:r>
-              <a:rPr lang="en-US" altLang="ko-KR" sz="3200" dirty="0"/>
-              <a:t>, many-body perturbation theory, or any </a:t>
-            </a:r>
-            <a:r>
-              <a:rPr lang="en-US" altLang="ko-KR" sz="3200" dirty="0" smtClean="0"/>
-              <a:t>constraints </a:t>
-            </a:r>
-            <a:r>
-              <a:rPr lang="en-US" altLang="ko-KR" sz="3200" dirty="0"/>
-              <a:t>on the nuclear wave function</a:t>
-            </a:r>
-            <a:r>
-              <a:rPr lang="en-US" altLang="ko-KR" sz="3200" dirty="0" smtClean="0"/>
-              <a:t>. Regularization/Truncation is in the lattice spacing.</a:t>
-            </a:r>
-            <a:endParaRPr lang="en-US" altLang="ko-KR" sz="3200" dirty="0"/>
-          </a:p>
-          <a:p>
-            <a:r>
-              <a:rPr lang="en-US" altLang="ko-KR" sz="3200" dirty="0">
-                <a:solidFill>
-                  <a:srgbClr val="FF0000"/>
-                </a:solidFill>
-              </a:rPr>
-              <a:t>Alpha clustering emerges </a:t>
-            </a:r>
-            <a:r>
-              <a:rPr lang="en-US" altLang="ko-KR" sz="3200" dirty="0" smtClean="0">
-                <a:solidFill>
-                  <a:srgbClr val="FF0000"/>
-                </a:solidFill>
-              </a:rPr>
-              <a:t>naturally.</a:t>
-            </a:r>
-            <a:r>
-              <a:rPr lang="en-US" altLang="ko-KR" sz="3200" dirty="0" smtClean="0"/>
-              <a:t> </a:t>
-            </a:r>
-            <a:endParaRPr lang="en-US" altLang="ko-KR" sz="3200" dirty="0"/>
-          </a:p>
-          <a:p>
-            <a:endParaRPr lang="en-US" altLang="ko-KR" sz="3200" dirty="0"/>
-          </a:p>
-        </p:txBody>
-      </p:sp>
+      <p:pic>
+        <p:nvPicPr>
+          <p:cNvPr id="3" name="그림 2"/>
+          <p:cNvPicPr>
+            <a:picLocks noChangeAspect="1"/>
+          </p:cNvPicPr>
+          <p:nvPr/>
+        </p:nvPicPr>
+        <p:blipFill>
+          <a:blip r:embed="rId2"/>
+          <a:stretch>
+            <a:fillRect/>
+          </a:stretch>
+        </p:blipFill>
+        <p:spPr>
+          <a:xfrm>
+            <a:off x="837876" y="1524000"/>
+            <a:ext cx="7468247" cy="4793395"/>
+          </a:xfrm>
+          <a:prstGeom prst="rect">
+            <a:avLst/>
+          </a:prstGeom>
+        </p:spPr>
+      </p:pic>
     </p:spTree>
     <p:extLst>
       <p:ext uri="{BB962C8B-B14F-4D97-AF65-F5344CB8AC3E}">
-        <p14:creationId xmlns:p14="http://schemas.microsoft.com/office/powerpoint/2010/main" val="2019018122"/>
+        <p14:creationId xmlns:p14="http://schemas.microsoft.com/office/powerpoint/2010/main" val="697393630"/>
       </p:ext>
     </p:extLst>
   </p:cSld>
@@ -6986,7 +8970,7 @@
           <a:p>
             <a:r>
               <a:rPr lang="en-US" altLang="ko-KR" dirty="0" smtClean="0"/>
-              <a:t>Applications of NLEFT</a:t>
+              <a:t>Chiral Effective Field Theory</a:t>
             </a:r>
             <a:endParaRPr lang="ko-KR" altLang="en-US" dirty="0"/>
           </a:p>
@@ -7004,98 +8988,16 @@
         </p:nvSpPr>
         <p:spPr/>
         <p:txBody>
-          <a:bodyPr>
-            <a:normAutofit/>
-          </a:bodyPr>
-          <a:lstStyle/>
-          <a:p>
-            <a:r>
-              <a:rPr lang="en-US" altLang="ko-KR" dirty="0" smtClean="0"/>
-              <a:t>Has been successfully applied to </a:t>
-            </a:r>
-          </a:p>
-          <a:p>
-            <a:pPr lvl="1"/>
-            <a:r>
-              <a:rPr lang="en-US" altLang="ko-KR" dirty="0" smtClean="0"/>
-              <a:t>Nuclear matter, Cold atom, dilute fermion system</a:t>
-            </a:r>
-          </a:p>
-          <a:p>
-            <a:pPr lvl="1"/>
-            <a:r>
-              <a:rPr lang="en-US" altLang="ko-KR" dirty="0" smtClean="0"/>
-              <a:t>Finite nuclei (A&lt;=50) </a:t>
-            </a:r>
-          </a:p>
-          <a:p>
-            <a:pPr lvl="1"/>
-            <a:r>
-              <a:rPr lang="en-US" altLang="ko-KR" dirty="0" smtClean="0"/>
-              <a:t>First ab-initio calculation of Hoyle state</a:t>
-            </a:r>
-          </a:p>
-          <a:p>
-            <a:pPr lvl="1"/>
-            <a:r>
-              <a:rPr lang="en-US" altLang="ko-KR" dirty="0" smtClean="0"/>
-              <a:t>Cluster structure of </a:t>
-            </a:r>
-            <a:r>
-              <a:rPr lang="en-US" altLang="ko-KR" baseline="30000" dirty="0"/>
-              <a:t>12</a:t>
-            </a:r>
-            <a:r>
-              <a:rPr lang="en-US" altLang="ko-KR" dirty="0"/>
-              <a:t>C </a:t>
-            </a:r>
-            <a:r>
-              <a:rPr lang="en-US" altLang="ko-KR" dirty="0" smtClean="0"/>
-              <a:t>and </a:t>
-            </a:r>
-            <a:r>
-              <a:rPr lang="en-US" altLang="ko-KR" baseline="30000" dirty="0" smtClean="0"/>
-              <a:t>16</a:t>
-            </a:r>
-            <a:r>
-              <a:rPr lang="en-US" altLang="ko-KR" dirty="0" smtClean="0"/>
-              <a:t>O</a:t>
-            </a:r>
-          </a:p>
-          <a:p>
-            <a:pPr lvl="1"/>
-            <a:r>
-              <a:rPr lang="en-US" altLang="ko-KR" dirty="0" smtClean="0"/>
-              <a:t>NN scattering, N-D scattering</a:t>
-            </a:r>
-          </a:p>
-          <a:p>
-            <a:pPr lvl="1"/>
-            <a:r>
-              <a:rPr lang="en-US" altLang="ko-KR" dirty="0" smtClean="0"/>
-              <a:t>Alpha-alpha scattering</a:t>
-            </a:r>
-          </a:p>
-          <a:p>
-            <a:pPr lvl="1"/>
-            <a:r>
-              <a:rPr lang="en-US" altLang="ko-KR" dirty="0" smtClean="0"/>
-              <a:t>radiative capture, fusion </a:t>
-            </a:r>
-          </a:p>
-          <a:p>
-            <a:pPr lvl="1"/>
-            <a:r>
-              <a:rPr lang="en-US" altLang="ko-KR" dirty="0" smtClean="0"/>
-              <a:t>Etc. </a:t>
-            </a:r>
-            <a:endParaRPr lang="ko-KR" altLang="en-US" dirty="0"/>
+          <a:bodyPr/>
+          <a:lstStyle/>
+          <a:p>
+            <a:endParaRPr lang="ko-KR" altLang="en-US"/>
           </a:p>
         </p:txBody>
       </p:sp>
       <p:pic>
         <p:nvPicPr>
-          <p:cNvPr id="4" name="Picture 2"/>
+          <p:cNvPr id="9219" name="Picture 3"/>
           <p:cNvPicPr>
             <a:picLocks noChangeAspect="1" noChangeArrowheads="1"/>
           </p:cNvPicPr>
@@ -7116,8 +9018,8 @@
         </p:blipFill>
         <p:spPr bwMode="auto">
           <a:xfrm>
-            <a:off x="6652379" y="2872469"/>
-            <a:ext cx="1773316" cy="2054052"/>
+            <a:off x="228600" y="1371600"/>
+            <a:ext cx="8383806" cy="5200650"/>
           </a:xfrm>
           <a:prstGeom prst="rect">
             <a:avLst/>
@@ -7147,100 +9049,10 @@
           </a:extLst>
         </p:spPr>
       </p:pic>
-      <p:pic>
-        <p:nvPicPr>
-          <p:cNvPr id="5" name="Picture 5"/>
-          <p:cNvPicPr>
-            <a:picLocks noChangeAspect="1" noChangeArrowheads="1"/>
-          </p:cNvPicPr>
-          <p:nvPr/>
-        </p:nvPicPr>
-        <p:blipFill>
-          <a:blip r:embed="rId3">
-            <a:extLst>
-              <a:ext uri="{28A0092B-C50C-407E-A947-70E740481C1C}">
-                <a14:useLocalDpi xmlns:a14="http://schemas.microsoft.com/office/drawing/2010/main" val="0"/>
-              </a:ext>
-            </a:extLst>
-          </a:blip>
-          <a:srcRect/>
-          <a:stretch>
-            <a:fillRect/>
-          </a:stretch>
-        </p:blipFill>
-        <p:spPr bwMode="auto">
-          <a:xfrm>
-            <a:off x="6019799" y="4926521"/>
-            <a:ext cx="3038475" cy="464293"/>
-          </a:xfrm>
-          <a:prstGeom prst="rect">
-            <a:avLst/>
-          </a:prstGeom>
-          <a:noFill/>
-          <a:ln>
-            <a:noFill/>
-          </a:ln>
-          <a:extLst>
-            <a:ext uri="{909E8E84-426E-40DD-AFC4-6F175D3DCCD1}">
-              <a14:hiddenFill xmlns:a14="http://schemas.microsoft.com/office/drawing/2010/main">
-                <a:solidFill>
-                  <a:schemeClr val="accent1"/>
-                </a:solidFill>
-              </a14:hiddenFill>
-            </a:ext>
-            <a:ext uri="{91240B29-F687-4F45-9708-019B960494DF}">
-              <a14:hiddenLine xmlns:a14="http://schemas.microsoft.com/office/drawing/2010/main" w="9525">
-                <a:solidFill>
-                  <a:schemeClr val="tx1"/>
-                </a:solidFill>
-                <a:miter lim="800000"/>
-                <a:headEnd/>
-                <a:tailEnd/>
-              </a14:hiddenLine>
-            </a:ext>
-          </a:extLst>
-        </p:spPr>
-      </p:pic>
-      <p:sp>
-        <p:nvSpPr>
-          <p:cNvPr id="6" name="TextBox 5"/>
-          <p:cNvSpPr txBox="1"/>
-          <p:nvPr/>
-        </p:nvSpPr>
-        <p:spPr>
-          <a:xfrm>
-            <a:off x="6400800" y="2477441"/>
-            <a:ext cx="2076291" cy="430887"/>
-          </a:xfrm>
-          <a:prstGeom prst="rect">
-            <a:avLst/>
-          </a:prstGeom>
-          <a:noFill/>
-        </p:spPr>
-        <p:txBody>
-          <a:bodyPr wrap="square" rtlCol="0">
-            <a:spAutoFit/>
-          </a:bodyPr>
-          <a:lstStyle/>
-          <a:p>
-            <a:r>
-              <a:rPr lang="en-US" altLang="ko-KR" sz="1100" dirty="0" smtClean="0"/>
-              <a:t>The first ab-initio calculation of </a:t>
-            </a:r>
-          </a:p>
-          <a:p>
-            <a:r>
-              <a:rPr lang="en-US" altLang="ko-KR" sz="1100" dirty="0" smtClean="0"/>
-              <a:t>Hoyle state</a:t>
-            </a:r>
-            <a:endParaRPr lang="ko-KR" altLang="en-US" sz="1100" dirty="0"/>
-          </a:p>
-        </p:txBody>
-      </p:sp>
     </p:spTree>
     <p:extLst>
       <p:ext uri="{BB962C8B-B14F-4D97-AF65-F5344CB8AC3E}">
-        <p14:creationId xmlns:p14="http://schemas.microsoft.com/office/powerpoint/2010/main" val="3769960710"/>
+        <p14:creationId xmlns:p14="http://schemas.microsoft.com/office/powerpoint/2010/main" val="3786155886"/>
       </p:ext>
     </p:extLst>
   </p:cSld>
@@ -7274,38 +9086,13 @@
           <a:chExt cx="0" cy="0"/>
         </a:xfrm>
       </p:grpSpPr>
-      <p:sp>
-        <p:nvSpPr>
-          <p:cNvPr id="2" name="제목 1"/>
-          <p:cNvSpPr>
-            <a:spLocks noGrp="1"/>
-          </p:cNvSpPr>
-          <p:nvPr>
-            <p:ph type="title"/>
-          </p:nvPr>
-        </p:nvSpPr>
-        <p:spPr/>
-        <p:txBody>
-          <a:bodyPr/>
-          <a:lstStyle/>
-          <a:p>
-            <a:r>
-              <a:rPr lang="en-US" altLang="ko-KR" dirty="0" smtClean="0"/>
-              <a:t>Path integral (transfer matrix method)</a:t>
-            </a:r>
-            <a:endParaRPr lang="ko-KR" altLang="en-US" dirty="0"/>
-          </a:p>
-        </p:txBody>
-      </p:sp>
       <p:pic>
         <p:nvPicPr>
-          <p:cNvPr id="24578" name="Picture 2"/>
+          <p:cNvPr id="4" name="Picture 2"/>
           <p:cNvPicPr>
-            <a:picLocks noGrp="1" noChangeAspect="1" noChangeArrowheads="1"/>
+            <a:picLocks noChangeAspect="1" noChangeArrowheads="1"/>
           </p:cNvPicPr>
-          <p:nvPr>
-            <p:ph idx="1"/>
-          </p:nvPr>
+          <p:nvPr/>
         </p:nvPicPr>
         <p:blipFill>
           <a:blip r:embed="rId2">
@@ -7322,8 +9109,8 @@
         </p:blipFill>
         <p:spPr bwMode="auto">
           <a:xfrm>
-            <a:off x="457200" y="2514600"/>
-            <a:ext cx="8229600" cy="3678669"/>
+            <a:off x="1219200" y="1524000"/>
+            <a:ext cx="6019800" cy="4942181"/>
           </a:xfrm>
           <a:prstGeom prst="rect">
             <a:avLst/>
@@ -7353,64 +9140,56 @@
           </a:extLst>
         </p:spPr>
       </p:pic>
-      <p:pic>
-        <p:nvPicPr>
-          <p:cNvPr id="4" name="Picture 6"/>
-          <p:cNvPicPr>
-            <a:picLocks noChangeAspect="1" noChangeArrowheads="1"/>
-          </p:cNvPicPr>
+      <p:sp>
+        <p:nvSpPr>
+          <p:cNvPr id="5" name="제목 1"/>
+          <p:cNvSpPr txBox="1">
+            <a:spLocks/>
+          </p:cNvSpPr>
           <p:nvPr/>
-        </p:nvPicPr>
-        <p:blipFill>
-          <a:blip r:embed="rId3">
-            <a:extLst>
-              <a:ext uri="{28A0092B-C50C-407E-A947-70E740481C1C}">
-                <a14:useLocalDpi xmlns:a14="http://schemas.microsoft.com/office/drawing/2010/main" val="0"/>
-              </a:ext>
-            </a:extLst>
-          </a:blip>
-          <a:srcRect/>
-          <a:stretch>
-            <a:fillRect/>
-          </a:stretch>
-        </p:blipFill>
-        <p:spPr bwMode="auto">
-          <a:xfrm>
-            <a:off x="609600" y="1447800"/>
-            <a:ext cx="7000875" cy="942975"/>
+        </p:nvSpPr>
+        <p:spPr>
+          <a:xfrm>
+            <a:off x="381000" y="609600"/>
+            <a:ext cx="8229600" cy="990600"/>
           </a:xfrm>
           <a:prstGeom prst="rect">
             <a:avLst/>
           </a:prstGeom>
-          <a:noFill/>
-          <a:ln>
-            <a:noFill/>
-          </a:ln>
-          <a:extLst>
-            <a:ext uri="{909E8E84-426E-40DD-AFC4-6F175D3DCCD1}">
-              <a14:hiddenFill xmlns:a14="http://schemas.microsoft.com/office/drawing/2010/main">
+        </p:spPr>
+        <p:txBody>
+          <a:bodyPr vert="horz" lIns="91440" tIns="45720" rIns="91440" bIns="45720" rtlCol="0" anchor="ctr">
+            <a:normAutofit fontScale="92500"/>
+          </a:bodyPr>
+          <a:lstStyle>
+            <a:lvl1pPr algn="l" defTabSz="914400" rtl="0" eaLnBrk="1" latinLnBrk="0" hangingPunct="1">
+              <a:spcBef>
+                <a:spcPct val="0"/>
+              </a:spcBef>
+              <a:buNone/>
+              <a:defRPr sz="4000" kern="1200" spc="-100" baseline="0">
                 <a:solidFill>
-                  <a:schemeClr val="accent1"/>
+                  <a:schemeClr val="tx2"/>
                 </a:solidFill>
-              </a14:hiddenFill>
-            </a:ext>
-            <a:ext uri="{91240B29-F687-4F45-9708-019B960494DF}">
-              <a14:hiddenLine xmlns:a14="http://schemas.microsoft.com/office/drawing/2010/main" w="9525">
-                <a:solidFill>
-                  <a:schemeClr val="tx1"/>
-                </a:solidFill>
-                <a:miter lim="800000"/>
-                <a:headEnd/>
-                <a:tailEnd/>
-              </a14:hiddenLine>
-            </a:ext>
-          </a:extLst>
-        </p:spPr>
-      </p:pic>
+                <a:latin typeface="+mj-lt"/>
+                <a:ea typeface="+mj-ea"/>
+                <a:cs typeface="+mj-cs"/>
+              </a:defRPr>
+            </a:lvl1pPr>
+          </a:lstStyle>
+          <a:p>
+            <a:r>
+              <a:rPr lang="en-US" altLang="ko-KR" dirty="0" smtClean="0"/>
+              <a:t>Path Integral (Euclidean time evolution)</a:t>
+            </a:r>
+            <a:endParaRPr lang="ko-KR" altLang="en-US" dirty="0"/>
+          </a:p>
+        </p:txBody>
+      </p:sp>
     </p:spTree>
     <p:extLst>
       <p:ext uri="{BB962C8B-B14F-4D97-AF65-F5344CB8AC3E}">
-        <p14:creationId xmlns:p14="http://schemas.microsoft.com/office/powerpoint/2010/main" val="1449740134"/>
+        <p14:creationId xmlns:p14="http://schemas.microsoft.com/office/powerpoint/2010/main" val="2897156244"/>
       </p:ext>
     </p:extLst>
   </p:cSld>
